--- a/Capstone Project Presentation_Final.pptx
+++ b/Capstone Project Presentation_Final.pptx
@@ -5,19 +5,20 @@
     <p:sldMasterId id="2147483707" r:id="rId1"/>
   </p:sldMasterIdLst>
   <p:notesMasterIdLst>
-    <p:notesMasterId r:id="rId9"/>
+    <p:notesMasterId r:id="rId10"/>
   </p:notesMasterIdLst>
   <p:handoutMasterIdLst>
-    <p:handoutMasterId r:id="rId10"/>
+    <p:handoutMasterId r:id="rId11"/>
   </p:handoutMasterIdLst>
   <p:sldIdLst>
     <p:sldId id="256" r:id="rId2"/>
     <p:sldId id="1398" r:id="rId3"/>
     <p:sldId id="416" r:id="rId4"/>
-    <p:sldId id="1401" r:id="rId5"/>
-    <p:sldId id="1402" r:id="rId6"/>
-    <p:sldId id="418" r:id="rId7"/>
-    <p:sldId id="270" r:id="rId8"/>
+    <p:sldId id="1404" r:id="rId5"/>
+    <p:sldId id="1401" r:id="rId6"/>
+    <p:sldId id="1402" r:id="rId7"/>
+    <p:sldId id="1405" r:id="rId8"/>
+    <p:sldId id="270" r:id="rId9"/>
   </p:sldIdLst>
   <p:sldSz cx="9144000" cy="5143500" type="screen16x9"/>
   <p:notesSz cx="6858000" cy="9144000"/>
@@ -9800,7 +9801,7 @@
           <a:p>
             <a:fld id="{965504ED-601C-9F41-A2BB-A84CD9D575D8}" type="datetimeFigureOut">
               <a:rPr lang="en-US" smtClean="0"/>
-              <a:t>10/17/2018</a:t>
+              <a:t>10/21/2018</a:t>
             </a:fld>
             <a:endParaRPr lang="en-US"/>
           </a:p>
@@ -9966,7 +9967,7 @@
           <a:p>
             <a:fld id="{C4499A69-9E3B-7C4C-9E3F-523F007A72CB}" type="datetimeFigureOut">
               <a:rPr lang="en-US" smtClean="0"/>
-              <a:t>10/17/2018</a:t>
+              <a:t>10/21/2018</a:t>
             </a:fld>
             <a:endParaRPr lang="en-US"/>
           </a:p>
@@ -10883,7 +10884,7 @@
           <a:p>
             <a:fld id="{7921B6AA-52B4-494A-A3CC-9F631DBC049D}" type="datetime1">
               <a:rPr lang="en-US" smtClean="0"/>
-              <a:t>10/17/2018</a:t>
+              <a:t>10/21/2018</a:t>
             </a:fld>
             <a:endParaRPr lang="en-US" dirty="0"/>
           </a:p>
@@ -11284,7 +11285,7 @@
           <a:p>
             <a:fld id="{CA4F26AE-5454-4F9D-AAE5-D3D002DD7C9F}" type="datetime1">
               <a:rPr lang="en-US" smtClean="0"/>
-              <a:t>10/17/2018</a:t>
+              <a:t>10/21/2018</a:t>
             </a:fld>
             <a:endParaRPr lang="en-US" dirty="0"/>
           </a:p>
@@ -11690,7 +11691,7 @@
           <a:p>
             <a:fld id="{98D386E0-6517-4865-845C-C9D03EFE0238}" type="datetime1">
               <a:rPr lang="en-US" smtClean="0"/>
-              <a:t>10/17/2018</a:t>
+              <a:t>10/21/2018</a:t>
             </a:fld>
             <a:endParaRPr lang="en-US" dirty="0"/>
           </a:p>
@@ -12096,7 +12097,7 @@
           <a:p>
             <a:fld id="{3BCD788F-B9E9-4F14-B100-50586E972F9F}" type="datetime1">
               <a:rPr lang="en-US" smtClean="0"/>
-              <a:t>10/17/2018</a:t>
+              <a:t>10/21/2018</a:t>
             </a:fld>
             <a:endParaRPr lang="en-US" dirty="0"/>
           </a:p>
@@ -12698,7 +12699,7 @@
           <a:p>
             <a:fld id="{101856AD-287E-4B42-827F-672E72E0C412}" type="datetime1">
               <a:rPr lang="en-US" smtClean="0"/>
-              <a:t>10/17/2018</a:t>
+              <a:t>10/21/2018</a:t>
             </a:fld>
             <a:endParaRPr lang="en-US" dirty="0"/>
           </a:p>
@@ -13105,7 +13106,7 @@
           <a:p>
             <a:fld id="{8E7D7697-AE57-43B3-A9C4-B97982A7969B}" type="datetime1">
               <a:rPr lang="en-US" smtClean="0"/>
-              <a:t>10/17/2018</a:t>
+              <a:t>10/21/2018</a:t>
             </a:fld>
             <a:endParaRPr lang="en-US" dirty="0"/>
           </a:p>
@@ -13449,7 +13450,7 @@
           <a:p>
             <a:fld id="{2932BF87-93DB-41AC-97FE-D5B0EDE196CB}" type="datetime1">
               <a:rPr lang="en-US" smtClean="0"/>
-              <a:t>10/17/2018</a:t>
+              <a:t>10/21/2018</a:t>
             </a:fld>
             <a:endParaRPr lang="en-US" dirty="0"/>
           </a:p>
@@ -13861,7 +13862,7 @@
           <a:p>
             <a:fld id="{A973AD6C-D0A4-4637-9498-78703FB83037}" type="datetime1">
               <a:rPr lang="en-US" smtClean="0"/>
-              <a:t>10/17/2018</a:t>
+              <a:t>10/21/2018</a:t>
             </a:fld>
             <a:endParaRPr lang="en-US" dirty="0"/>
           </a:p>
@@ -14308,7 +14309,7 @@
           <a:p>
             <a:fld id="{B76FEAAF-6EEB-4F52-AFCF-EAA3159D879B}" type="datetime1">
               <a:rPr lang="en-US" smtClean="0"/>
-              <a:t>10/17/2018</a:t>
+              <a:t>10/21/2018</a:t>
             </a:fld>
             <a:endParaRPr lang="en-US" dirty="0"/>
           </a:p>
@@ -14655,7 +14656,7 @@
           <a:p>
             <a:fld id="{53B3E752-6178-4BDC-A142-2B2569EDD04D}" type="datetime1">
               <a:rPr lang="en-US" smtClean="0"/>
-              <a:t>10/17/2018</a:t>
+              <a:t>10/21/2018</a:t>
             </a:fld>
             <a:endParaRPr lang="en-US" dirty="0"/>
           </a:p>
@@ -15501,7 +15502,7 @@
           <a:p>
             <a:fld id="{483964B7-435C-4AA1-A62E-A1663B697282}" type="datetime1">
               <a:rPr lang="en-US" smtClean="0"/>
-              <a:t>10/17/2018</a:t>
+              <a:t>10/21/2018</a:t>
             </a:fld>
             <a:endParaRPr lang="en-US" dirty="0"/>
           </a:p>
@@ -15957,7 +15958,7 @@
           <a:p>
             <a:fld id="{F6F2A938-361F-4F67-8BCD-4248013A871E}" type="datetime1">
               <a:rPr lang="en-US" smtClean="0"/>
-              <a:t>10/17/2018</a:t>
+              <a:t>10/21/2018</a:t>
             </a:fld>
             <a:endParaRPr lang="en-US" dirty="0"/>
           </a:p>
@@ -16335,7 +16336,7 @@
           <a:p>
             <a:fld id="{672216AA-C246-4BF8-9778-027A671AE05C}" type="datetime1">
               <a:rPr lang="en-US" smtClean="0"/>
-              <a:t>10/17/2018</a:t>
+              <a:t>10/21/2018</a:t>
             </a:fld>
             <a:endParaRPr lang="en-US" dirty="0"/>
           </a:p>
@@ -16725,7 +16726,7 @@
           <a:p>
             <a:fld id="{12951C51-9575-4E82-9944-2A080A1D1416}" type="datetime1">
               <a:rPr lang="en-US" smtClean="0"/>
-              <a:t>10/17/2018</a:t>
+              <a:t>10/21/2018</a:t>
             </a:fld>
             <a:endParaRPr lang="en-US" dirty="0"/>
           </a:p>
@@ -17026,7 +17027,7 @@
           <a:p>
             <a:fld id="{A6BE7440-A164-4BE7-A683-1DC89B30E100}" type="datetime1">
               <a:rPr lang="en-US" smtClean="0"/>
-              <a:t>10/17/2018</a:t>
+              <a:t>10/21/2018</a:t>
             </a:fld>
             <a:endParaRPr lang="en-US" dirty="0"/>
           </a:p>
@@ -17322,7 +17323,7 @@
           <a:p>
             <a:fld id="{D8644D50-66B5-4F98-BB65-0462948F36D0}" type="datetime1">
               <a:rPr lang="en-US" smtClean="0"/>
-              <a:t>10/17/2018</a:t>
+              <a:t>10/21/2018</a:t>
             </a:fld>
             <a:endParaRPr lang="en-US" dirty="0"/>
           </a:p>
@@ -17584,7 +17585,7 @@
           <a:p>
             <a:fld id="{F592C196-58BA-4F0F-83A6-F3DD888CADD0}" type="datetime1">
               <a:rPr lang="en-US" smtClean="0"/>
-              <a:t>10/17/2018</a:t>
+              <a:t>10/21/2018</a:t>
             </a:fld>
             <a:endParaRPr lang="en-US" dirty="0"/>
           </a:p>
@@ -17875,7 +17876,7 @@
           <a:p>
             <a:fld id="{04306A5D-4C19-4CEA-B7B4-5CF5FBCE4B8F}" type="datetime1">
               <a:rPr lang="en-US" smtClean="0"/>
-              <a:t>10/17/2018</a:t>
+              <a:t>10/21/2018</a:t>
             </a:fld>
             <a:endParaRPr lang="en-US" dirty="0"/>
           </a:p>
@@ -18101,7 +18102,7 @@
           <a:p>
             <a:fld id="{3DB0EFEF-BBC8-473D-9AE1-F3955CF8ED7D}" type="datetime1">
               <a:rPr lang="en-US" smtClean="0"/>
-              <a:t>10/17/2018</a:t>
+              <a:t>10/21/2018</a:t>
             </a:fld>
             <a:endParaRPr lang="en-US" dirty="0"/>
           </a:p>
@@ -18365,7 +18366,7 @@
           <a:p>
             <a:fld id="{053C89F2-7833-484F-A65C-662F6D68DDD3}" type="datetime1">
               <a:rPr lang="en-US" smtClean="0"/>
-              <a:t>10/17/2018</a:t>
+              <a:t>10/21/2018</a:t>
             </a:fld>
             <a:endParaRPr lang="en-US" dirty="0"/>
           </a:p>
@@ -19124,7 +19125,7 @@
           <a:p>
             <a:fld id="{92891E91-9488-4616-A4E9-562C551F1C22}" type="datetime1">
               <a:rPr lang="en-US" smtClean="0"/>
-              <a:t>10/17/2018</a:t>
+              <a:t>10/21/2018</a:t>
             </a:fld>
             <a:endParaRPr lang="en-US" dirty="0"/>
           </a:p>
@@ -19454,7 +19455,7 @@
           <a:p>
             <a:fld id="{A3F262AA-DEDE-48CB-AC20-EF8642D85293}" type="datetime1">
               <a:rPr lang="en-US" smtClean="0"/>
-              <a:t>10/17/2018</a:t>
+              <a:t>10/21/2018</a:t>
             </a:fld>
             <a:endParaRPr lang="en-US" dirty="0"/>
           </a:p>
@@ -20586,7 +20587,7 @@
           <a:p>
             <a:fld id="{669E508C-8E0B-469F-A2D9-AC62101F5C05}" type="datetime1">
               <a:rPr lang="en-US" smtClean="0"/>
-              <a:t>10/17/2018</a:t>
+              <a:t>10/21/2018</a:t>
             </a:fld>
             <a:endParaRPr lang="en-US" dirty="0"/>
           </a:p>
@@ -21050,7 +21051,7 @@
           <a:p>
             <a:fld id="{86A04BE0-EF35-4D6F-B801-4137CADB0D75}" type="datetime1">
               <a:rPr lang="en-US" smtClean="0"/>
-              <a:t>10/17/2018</a:t>
+              <a:t>10/21/2018</a:t>
             </a:fld>
             <a:endParaRPr lang="en-US" dirty="0"/>
           </a:p>
@@ -21349,7 +21350,7 @@
           <a:p>
             <a:fld id="{D458313F-8A13-4A41-A8D7-31FB2FB074CF}" type="datetime1">
               <a:rPr lang="en-US" smtClean="0"/>
-              <a:t>10/17/2018</a:t>
+              <a:t>10/21/2018</a:t>
             </a:fld>
             <a:endParaRPr lang="en-US" dirty="0"/>
           </a:p>
@@ -21699,7 +21700,7 @@
           <a:p>
             <a:fld id="{87947146-9954-4458-9279-AA08A3B071CD}" type="datetime1">
               <a:rPr lang="en-US" smtClean="0"/>
-              <a:t>10/17/2018</a:t>
+              <a:t>10/21/2018</a:t>
             </a:fld>
             <a:endParaRPr lang="en-US" dirty="0"/>
           </a:p>
@@ -22111,7 +22112,7 @@
           <a:p>
             <a:fld id="{29509183-A3A4-4971-BEBF-1DCDFEAEA734}" type="datetime1">
               <a:rPr lang="en-US" smtClean="0"/>
-              <a:t>10/17/2018</a:t>
+              <a:t>10/21/2018</a:t>
             </a:fld>
             <a:endParaRPr lang="en-US" dirty="0"/>
           </a:p>
@@ -22460,7 +22461,7 @@
           <a:p>
             <a:fld id="{7C6C5538-3BC1-4274-BECE-326EC075782F}" type="datetime1">
               <a:rPr lang="en-US" smtClean="0"/>
-              <a:t>10/17/2018</a:t>
+              <a:t>10/21/2018</a:t>
             </a:fld>
             <a:endParaRPr lang="en-US" dirty="0"/>
           </a:p>
@@ -22778,7 +22779,7 @@
           <a:p>
             <a:fld id="{72C7141F-1075-416F-B85B-2A67B4DBA6BF}" type="datetime1">
               <a:rPr lang="en-US" smtClean="0"/>
-              <a:t>10/17/2018</a:t>
+              <a:t>10/21/2018</a:t>
             </a:fld>
             <a:endParaRPr lang="en-US" dirty="0"/>
           </a:p>
@@ -23889,7 +23890,7 @@
           <p:cNvPr id="3" name="Slide Number Placeholder 2">
             <a:extLst>
               <a:ext uri="{FF2B5EF4-FFF2-40B4-BE49-F238E27FC236}">
-                <a16:creationId xmlns:a16="http://schemas.microsoft.com/office/drawing/2014/main" id="{8EF4C459-7BED-4C09-BCD9-F51C7D6C01E4}"/>
+                <a16:creationId xmlns:a16="http://schemas.microsoft.com/office/drawing/2014/main" id="{0D5B885F-5314-4A4A-A35C-68023726F3C6}"/>
               </a:ext>
             </a:extLst>
           </p:cNvPr>
@@ -23919,7 +23920,7 @@
           <p:cNvPr id="2" name="Title 1">
             <a:extLst>
               <a:ext uri="{FF2B5EF4-FFF2-40B4-BE49-F238E27FC236}">
-                <a16:creationId xmlns:a16="http://schemas.microsoft.com/office/drawing/2014/main" id="{DB34D643-7EE7-45B6-8F51-307671C8887C}"/>
+                <a16:creationId xmlns:a16="http://schemas.microsoft.com/office/drawing/2014/main" id="{D8FA8AC4-DE24-4D2A-ABBE-AF0D5F9C0A88}"/>
               </a:ext>
             </a:extLst>
           </p:cNvPr>
@@ -23932,8 +23933,8 @@
         </p:nvSpPr>
         <p:spPr>
           <a:xfrm>
-            <a:off x="650136" y="119103"/>
-            <a:ext cx="8372475" cy="404812"/>
+            <a:off x="771525" y="138055"/>
+            <a:ext cx="8372475" cy="403225"/>
           </a:xfrm>
         </p:spPr>
         <p:txBody>
@@ -23941,220 +23942,107 @@
           <a:lstStyle/>
           <a:p>
             <a:r>
-              <a:rPr lang="en-US" sz="2400" dirty="0">
-                <a:solidFill>
-                  <a:srgbClr val="3D97BB"/>
-                </a:solidFill>
-                <a:ea typeface="ＭＳ Ｐゴシック"/>
-                <a:cs typeface="ＭＳ Ｐゴシック"/>
-              </a:rPr>
-              <a:t>Modeling Approach/Methodology</a:t>
-            </a:r>
-            <a:endParaRPr lang="en-US" sz="2400" dirty="0"/>
+              <a:rPr lang="en-US" dirty="0"/>
+              <a:t>Model/Business Benefits</a:t>
+            </a:r>
           </a:p>
         </p:txBody>
       </p:sp>
       <p:sp>
         <p:nvSpPr>
-          <p:cNvPr id="5" name="Rectangle 4">
+          <p:cNvPr id="5" name="TextBox 4">
             <a:extLst>
               <a:ext uri="{FF2B5EF4-FFF2-40B4-BE49-F238E27FC236}">
-                <a16:creationId xmlns:a16="http://schemas.microsoft.com/office/drawing/2014/main" id="{527DF60B-A9E6-49A9-AF0A-E2BE627A9B87}"/>
+                <a16:creationId xmlns:a16="http://schemas.microsoft.com/office/drawing/2014/main" id="{85BD0189-FFDD-4D57-9709-CF06141B4931}"/>
               </a:ext>
             </a:extLst>
           </p:cNvPr>
-          <p:cNvSpPr/>
+          <p:cNvSpPr txBox="1"/>
           <p:nvPr/>
         </p:nvSpPr>
         <p:spPr>
           <a:xfrm>
-            <a:off x="539496" y="694313"/>
-            <a:ext cx="7931994" cy="3754874"/>
+            <a:off x="310896" y="750085"/>
+            <a:ext cx="7499497" cy="2308324"/>
           </a:xfrm>
           <a:prstGeom prst="rect">
             <a:avLst/>
           </a:prstGeom>
+          <a:noFill/>
         </p:spPr>
         <p:txBody>
-          <a:bodyPr wrap="square">
+          <a:bodyPr wrap="square" rtlCol="0">
             <a:spAutoFit/>
           </a:bodyPr>
           <a:lstStyle/>
           <a:p>
-            <a:pPr defTabSz="677296"/>
-            <a:r>
-              <a:rPr lang="en-US" sz="1700" b="1" u="sng" dirty="0">
+            <a:pPr marL="285750" indent="-285750">
+              <a:buFontTx/>
+              <a:buChar char="-"/>
+            </a:pPr>
+            <a:r>
+              <a:rPr lang="en-US" dirty="0">
                 <a:solidFill>
-                  <a:prstClr val="black"/>
+                  <a:schemeClr val="tx2"/>
                 </a:solidFill>
-                <a:latin typeface="Calibri"/>
               </a:rPr>
-              <a:t>Objective:</a:t>
-            </a:r>
-            <a:r>
-              <a:rPr lang="en-US" sz="1700" b="1" dirty="0">
+              <a:t>Based on the model probabilities/ score will determine the properties that can be sold in the market within 90 days of listing</a:t>
+            </a:r>
+          </a:p>
+          <a:p>
+            <a:pPr marL="285750" indent="-285750">
+              <a:buFontTx/>
+              <a:buChar char="-"/>
+            </a:pPr>
+            <a:r>
+              <a:rPr lang="en-US" dirty="0">
                 <a:solidFill>
-                  <a:prstClr val="black"/>
+                  <a:schemeClr val="tx2"/>
                 </a:solidFill>
-                <a:latin typeface="Calibri"/>
               </a:rPr>
-              <a:t>  </a:t>
-            </a:r>
-            <a:r>
-              <a:rPr lang="en-US" sz="1700" dirty="0">
+              <a:t>Rank ordering the properties based on the score and targeting the hot properties based on the list</a:t>
+            </a:r>
+          </a:p>
+          <a:p>
+            <a:pPr marL="285750" indent="-285750">
+              <a:buFontTx/>
+              <a:buChar char="-"/>
+            </a:pPr>
+            <a:r>
+              <a:rPr lang="en-US" dirty="0">
                 <a:solidFill>
-                  <a:prstClr val="black"/>
+                  <a:schemeClr val="tx2"/>
                 </a:solidFill>
-                <a:latin typeface="Calibri"/>
               </a:rPr>
-              <a:t>Estimate the probability of sale of the Asset by assigning scores to each</a:t>
-            </a:r>
-          </a:p>
-          <a:p>
-            <a:pPr defTabSz="677296"/>
-            <a:r>
-              <a:rPr lang="en-US" sz="1700" dirty="0">
+              <a:t>Reducing the manual review, saving $$ in the entire recycle process</a:t>
+            </a:r>
+          </a:p>
+          <a:p>
+            <a:pPr marL="285750" indent="-285750">
+              <a:buFontTx/>
+              <a:buChar char="-"/>
+            </a:pPr>
+            <a:r>
+              <a:rPr lang="en-US" dirty="0">
                 <a:solidFill>
-                  <a:prstClr val="black"/>
+                  <a:schemeClr val="tx2"/>
                 </a:solidFill>
-                <a:latin typeface="Calibri"/>
               </a:rPr>
-              <a:t>attribute as impact – the combined output becomes the Asset Score</a:t>
-            </a:r>
-          </a:p>
-          <a:p>
-            <a:pPr defTabSz="677296"/>
-            <a:endParaRPr lang="en-US" sz="1700" dirty="0">
-              <a:solidFill>
-                <a:prstClr val="black"/>
-              </a:solidFill>
-              <a:latin typeface="Calibri"/>
-            </a:endParaRPr>
-          </a:p>
-          <a:p>
-            <a:pPr defTabSz="677296"/>
-            <a:r>
-              <a:rPr lang="en-US" sz="1700" b="1" u="sng" dirty="0">
+              <a:t>Quick sale of properties, reduces valuation cost, pressure of holding the properties for longer duration.</a:t>
+            </a:r>
+          </a:p>
+          <a:p>
+            <a:pPr marL="285750" indent="-285750">
+              <a:buFontTx/>
+              <a:buChar char="-"/>
+            </a:pPr>
+            <a:r>
+              <a:rPr lang="en-US" dirty="0">
                 <a:solidFill>
-                  <a:prstClr val="black"/>
+                  <a:schemeClr val="tx2"/>
                 </a:solidFill>
-                <a:latin typeface="Calibri"/>
               </a:rPr>
-              <a:t>Approach/Methodology:</a:t>
-            </a:r>
-            <a:endParaRPr lang="en-US" sz="1700" dirty="0">
-              <a:solidFill>
-                <a:prstClr val="black"/>
-              </a:solidFill>
-              <a:latin typeface="Calibri"/>
-            </a:endParaRPr>
-          </a:p>
-          <a:p>
-            <a:pPr marL="253986" indent="-253986" defTabSz="677296">
-              <a:buFont typeface="Arial" panose="020B0604020202020204" pitchFamily="34" charset="0"/>
-              <a:buChar char="•"/>
-            </a:pPr>
-            <a:r>
-              <a:rPr lang="en-US" sz="1700" dirty="0">
-                <a:solidFill>
-                  <a:prstClr val="black"/>
-                </a:solidFill>
-                <a:latin typeface="Calibri"/>
-              </a:rPr>
-              <a:t>Initially assume that only property characteristic will be determinants of the </a:t>
-            </a:r>
-          </a:p>
-          <a:p>
-            <a:pPr defTabSz="677296"/>
-            <a:r>
-              <a:rPr lang="en-US" sz="1700" dirty="0">
-                <a:solidFill>
-                  <a:prstClr val="black"/>
-                </a:solidFill>
-                <a:latin typeface="Calibri"/>
-              </a:rPr>
-              <a:t>probability of sale, such as # of bedrooms, Age,  # of bathrooms,  Built Area </a:t>
-            </a:r>
-          </a:p>
-          <a:p>
-            <a:pPr defTabSz="677296"/>
-            <a:r>
-              <a:rPr lang="en-US" sz="1700" dirty="0">
-                <a:solidFill>
-                  <a:prstClr val="black"/>
-                </a:solidFill>
-                <a:latin typeface="Calibri"/>
-              </a:rPr>
-              <a:t>(Sq. footage), lot area etc.  - expand as validation/iterations occur</a:t>
-            </a:r>
-          </a:p>
-          <a:p>
-            <a:pPr marL="253986" indent="-253986" defTabSz="677296">
-              <a:buFont typeface="Arial" panose="020B0604020202020204" pitchFamily="34" charset="0"/>
-              <a:buChar char="•"/>
-            </a:pPr>
-            <a:r>
-              <a:rPr lang="en-US" sz="1700" dirty="0">
-                <a:solidFill>
-                  <a:prstClr val="black"/>
-                </a:solidFill>
-                <a:latin typeface="Calibri"/>
-              </a:rPr>
-              <a:t>Assign points to Property characteristics in order to derive a numerical value that </a:t>
-            </a:r>
-          </a:p>
-          <a:p>
-            <a:pPr defTabSz="677296"/>
-            <a:r>
-              <a:rPr lang="en-US" sz="1700" dirty="0">
-                <a:solidFill>
-                  <a:prstClr val="black"/>
-                </a:solidFill>
-                <a:latin typeface="Calibri"/>
-              </a:rPr>
-              <a:t>reflects the probability of a sale</a:t>
-            </a:r>
-          </a:p>
-          <a:p>
-            <a:pPr marL="253986" indent="-253986" defTabSz="677296">
-              <a:buFont typeface="Arial" panose="020B0604020202020204" pitchFamily="34" charset="0"/>
-              <a:buChar char="•"/>
-            </a:pPr>
-            <a:r>
-              <a:rPr lang="en-US" sz="1700" dirty="0">
-                <a:solidFill>
-                  <a:prstClr val="black"/>
-                </a:solidFill>
-                <a:latin typeface="Calibri"/>
-              </a:rPr>
-              <a:t>The score is estimated using a regression model, with the regression coefficients mathematically transformed into Points</a:t>
-            </a:r>
-          </a:p>
-          <a:p>
-            <a:pPr marL="253986" indent="-253986" defTabSz="677296">
-              <a:buFont typeface="Arial" panose="020B0604020202020204" pitchFamily="34" charset="0"/>
-              <a:buChar char="•"/>
-            </a:pPr>
-            <a:r>
-              <a:rPr lang="en-US" sz="1700" dirty="0">
-                <a:solidFill>
-                  <a:prstClr val="black"/>
-                </a:solidFill>
-                <a:latin typeface="Calibri"/>
-              </a:rPr>
-              <a:t>The pre-modeling stage provides the data preparation, derive new characteristics</a:t>
-            </a:r>
-          </a:p>
-          <a:p>
-            <a:pPr defTabSz="677296"/>
-            <a:r>
-              <a:rPr lang="en-US" sz="1700" dirty="0">
-                <a:solidFill>
-                  <a:prstClr val="black"/>
-                </a:solidFill>
-                <a:latin typeface="Calibri"/>
-              </a:rPr>
-              <a:t> such as ratios, interaction terms, attributes and critical characteristic using Weight of evidence (WOE) and Information value (IV)</a:t>
+              <a:t>Overcoming the repetitive process </a:t>
             </a:r>
           </a:p>
         </p:txBody>
@@ -24162,7 +24050,7 @@
     </p:spTree>
     <p:extLst>
       <p:ext uri="{BB962C8B-B14F-4D97-AF65-F5344CB8AC3E}">
-        <p14:creationId xmlns:p14="http://schemas.microsoft.com/office/powerpoint/2010/main" val="1380573063"/>
+        <p14:creationId xmlns:p14="http://schemas.microsoft.com/office/powerpoint/2010/main" val="67611266"/>
       </p:ext>
     </p:extLst>
   </p:cSld>
@@ -24237,6 +24125,311 @@
         </p:nvSpPr>
         <p:spPr>
           <a:xfrm>
+            <a:off x="650136" y="119103"/>
+            <a:ext cx="8372475" cy="404812"/>
+          </a:xfrm>
+        </p:spPr>
+        <p:txBody>
+          <a:bodyPr/>
+          <a:lstStyle/>
+          <a:p>
+            <a:r>
+              <a:rPr lang="en-US" sz="2400" dirty="0">
+                <a:solidFill>
+                  <a:srgbClr val="3D97BB"/>
+                </a:solidFill>
+                <a:ea typeface="ＭＳ Ｐゴシック"/>
+                <a:cs typeface="ＭＳ Ｐゴシック"/>
+              </a:rPr>
+              <a:t>Modeling Approach/Methodology</a:t>
+            </a:r>
+            <a:endParaRPr lang="en-US" sz="2400" dirty="0"/>
+          </a:p>
+        </p:txBody>
+      </p:sp>
+      <p:sp>
+        <p:nvSpPr>
+          <p:cNvPr id="5" name="Rectangle 4">
+            <a:extLst>
+              <a:ext uri="{FF2B5EF4-FFF2-40B4-BE49-F238E27FC236}">
+                <a16:creationId xmlns:a16="http://schemas.microsoft.com/office/drawing/2014/main" id="{527DF60B-A9E6-49A9-AF0A-E2BE627A9B87}"/>
+              </a:ext>
+            </a:extLst>
+          </p:cNvPr>
+          <p:cNvSpPr/>
+          <p:nvPr/>
+        </p:nvSpPr>
+        <p:spPr>
+          <a:xfrm>
+            <a:off x="539496" y="694313"/>
+            <a:ext cx="7931994" cy="3754874"/>
+          </a:xfrm>
+          <a:prstGeom prst="rect">
+            <a:avLst/>
+          </a:prstGeom>
+        </p:spPr>
+        <p:txBody>
+          <a:bodyPr wrap="square">
+            <a:spAutoFit/>
+          </a:bodyPr>
+          <a:lstStyle/>
+          <a:p>
+            <a:pPr defTabSz="677296"/>
+            <a:r>
+              <a:rPr lang="en-US" sz="1700" b="1" u="sng" dirty="0">
+                <a:solidFill>
+                  <a:prstClr val="black"/>
+                </a:solidFill>
+                <a:latin typeface="Calibri"/>
+              </a:rPr>
+              <a:t>Objective:</a:t>
+            </a:r>
+            <a:r>
+              <a:rPr lang="en-US" sz="1700" b="1" dirty="0">
+                <a:solidFill>
+                  <a:prstClr val="black"/>
+                </a:solidFill>
+                <a:latin typeface="Calibri"/>
+              </a:rPr>
+              <a:t>  </a:t>
+            </a:r>
+            <a:r>
+              <a:rPr lang="en-US" sz="1700" dirty="0">
+                <a:solidFill>
+                  <a:prstClr val="black"/>
+                </a:solidFill>
+                <a:latin typeface="Calibri"/>
+              </a:rPr>
+              <a:t>Estimate the probability of sale of the Asset by assigning scores to each</a:t>
+            </a:r>
+          </a:p>
+          <a:p>
+            <a:pPr defTabSz="677296"/>
+            <a:r>
+              <a:rPr lang="en-US" sz="1700" dirty="0">
+                <a:solidFill>
+                  <a:prstClr val="black"/>
+                </a:solidFill>
+                <a:latin typeface="Calibri"/>
+              </a:rPr>
+              <a:t>attribute as impact – the combined output becomes the Asset Score</a:t>
+            </a:r>
+          </a:p>
+          <a:p>
+            <a:pPr defTabSz="677296"/>
+            <a:endParaRPr lang="en-US" sz="1700" dirty="0">
+              <a:solidFill>
+                <a:prstClr val="black"/>
+              </a:solidFill>
+              <a:latin typeface="Calibri"/>
+            </a:endParaRPr>
+          </a:p>
+          <a:p>
+            <a:pPr defTabSz="677296"/>
+            <a:r>
+              <a:rPr lang="en-US" sz="1700" b="1" u="sng" dirty="0">
+                <a:solidFill>
+                  <a:prstClr val="black"/>
+                </a:solidFill>
+                <a:latin typeface="Calibri"/>
+              </a:rPr>
+              <a:t>Approach/Methodology:</a:t>
+            </a:r>
+            <a:endParaRPr lang="en-US" sz="1700" dirty="0">
+              <a:solidFill>
+                <a:prstClr val="black"/>
+              </a:solidFill>
+              <a:latin typeface="Calibri"/>
+            </a:endParaRPr>
+          </a:p>
+          <a:p>
+            <a:pPr marL="253986" indent="-253986" defTabSz="677296">
+              <a:buFont typeface="Arial" panose="020B0604020202020204" pitchFamily="34" charset="0"/>
+              <a:buChar char="•"/>
+            </a:pPr>
+            <a:r>
+              <a:rPr lang="en-US" sz="1700" dirty="0">
+                <a:solidFill>
+                  <a:prstClr val="black"/>
+                </a:solidFill>
+                <a:latin typeface="Calibri"/>
+              </a:rPr>
+              <a:t>Initially assume that only property characteristic will be determinants of the </a:t>
+            </a:r>
+          </a:p>
+          <a:p>
+            <a:pPr defTabSz="677296"/>
+            <a:r>
+              <a:rPr lang="en-US" sz="1700" dirty="0">
+                <a:solidFill>
+                  <a:prstClr val="black"/>
+                </a:solidFill>
+                <a:latin typeface="Calibri"/>
+              </a:rPr>
+              <a:t>probability of sale, such as # of bedrooms, Age,  # of bathrooms,  Built Area </a:t>
+            </a:r>
+          </a:p>
+          <a:p>
+            <a:pPr defTabSz="677296"/>
+            <a:r>
+              <a:rPr lang="en-US" sz="1700" dirty="0">
+                <a:solidFill>
+                  <a:prstClr val="black"/>
+                </a:solidFill>
+                <a:latin typeface="Calibri"/>
+              </a:rPr>
+              <a:t>(Sq. footage), lot area etc.  - expand as validation/iterations occur</a:t>
+            </a:r>
+          </a:p>
+          <a:p>
+            <a:pPr marL="253986" indent="-253986" defTabSz="677296">
+              <a:buFont typeface="Arial" panose="020B0604020202020204" pitchFamily="34" charset="0"/>
+              <a:buChar char="•"/>
+            </a:pPr>
+            <a:r>
+              <a:rPr lang="en-US" sz="1700" dirty="0">
+                <a:solidFill>
+                  <a:prstClr val="black"/>
+                </a:solidFill>
+                <a:latin typeface="Calibri"/>
+              </a:rPr>
+              <a:t>Assign points to Property characteristics in order to derive a numerical value that </a:t>
+            </a:r>
+          </a:p>
+          <a:p>
+            <a:pPr defTabSz="677296"/>
+            <a:r>
+              <a:rPr lang="en-US" sz="1700" dirty="0">
+                <a:solidFill>
+                  <a:prstClr val="black"/>
+                </a:solidFill>
+                <a:latin typeface="Calibri"/>
+              </a:rPr>
+              <a:t>reflects the probability of a sale</a:t>
+            </a:r>
+          </a:p>
+          <a:p>
+            <a:pPr marL="253986" indent="-253986" defTabSz="677296">
+              <a:buFont typeface="Arial" panose="020B0604020202020204" pitchFamily="34" charset="0"/>
+              <a:buChar char="•"/>
+            </a:pPr>
+            <a:r>
+              <a:rPr lang="en-US" sz="1700" dirty="0">
+                <a:solidFill>
+                  <a:prstClr val="black"/>
+                </a:solidFill>
+                <a:latin typeface="Calibri"/>
+              </a:rPr>
+              <a:t>The score is estimated using a regression model, with the regression coefficients mathematically transformed into Points</a:t>
+            </a:r>
+          </a:p>
+          <a:p>
+            <a:pPr marL="253986" indent="-253986" defTabSz="677296">
+              <a:buFont typeface="Arial" panose="020B0604020202020204" pitchFamily="34" charset="0"/>
+              <a:buChar char="•"/>
+            </a:pPr>
+            <a:r>
+              <a:rPr lang="en-US" sz="1700" dirty="0">
+                <a:solidFill>
+                  <a:prstClr val="black"/>
+                </a:solidFill>
+                <a:latin typeface="Calibri"/>
+              </a:rPr>
+              <a:t>The pre-modeling stage provides the data preparation, derive new characteristics</a:t>
+            </a:r>
+          </a:p>
+          <a:p>
+            <a:pPr defTabSz="677296"/>
+            <a:r>
+              <a:rPr lang="en-US" sz="1700" dirty="0">
+                <a:solidFill>
+                  <a:prstClr val="black"/>
+                </a:solidFill>
+                <a:latin typeface="Calibri"/>
+              </a:rPr>
+              <a:t> such as ratios, interaction terms, attributes and critical characteristic using Weight of evidence (WOE) and Information value (IV)</a:t>
+            </a:r>
+          </a:p>
+        </p:txBody>
+      </p:sp>
+    </p:spTree>
+    <p:extLst>
+      <p:ext uri="{BB962C8B-B14F-4D97-AF65-F5344CB8AC3E}">
+        <p14:creationId xmlns:p14="http://schemas.microsoft.com/office/powerpoint/2010/main" val="1380573063"/>
+      </p:ext>
+    </p:extLst>
+  </p:cSld>
+  <p:clrMapOvr>
+    <a:masterClrMapping/>
+  </p:clrMapOvr>
+</p:sld>
+</file>
+
+<file path=ppt/slides/slide6.xml><?xml version="1.0" encoding="utf-8"?>
+<p:sld xmlns:a="http://schemas.openxmlformats.org/drawingml/2006/main" xmlns:r="http://schemas.openxmlformats.org/officeDocument/2006/relationships" xmlns:p="http://schemas.openxmlformats.org/presentationml/2006/main">
+  <p:cSld>
+    <p:spTree>
+      <p:nvGrpSpPr>
+        <p:cNvPr id="1" name=""/>
+        <p:cNvGrpSpPr/>
+        <p:nvPr/>
+      </p:nvGrpSpPr>
+      <p:grpSpPr>
+        <a:xfrm>
+          <a:off x="0" y="0"/>
+          <a:ext cx="0" cy="0"/>
+          <a:chOff x="0" y="0"/>
+          <a:chExt cx="0" cy="0"/>
+        </a:xfrm>
+      </p:grpSpPr>
+      <p:sp>
+        <p:nvSpPr>
+          <p:cNvPr id="3" name="Slide Number Placeholder 2">
+            <a:extLst>
+              <a:ext uri="{FF2B5EF4-FFF2-40B4-BE49-F238E27FC236}">
+                <a16:creationId xmlns:a16="http://schemas.microsoft.com/office/drawing/2014/main" id="{8EF4C459-7BED-4C09-BCD9-F51C7D6C01E4}"/>
+              </a:ext>
+            </a:extLst>
+          </p:cNvPr>
+          <p:cNvSpPr>
+            <a:spLocks noGrp="1"/>
+          </p:cNvSpPr>
+          <p:nvPr>
+            <p:ph type="sldNum" sz="quarter" idx="16"/>
+          </p:nvPr>
+        </p:nvSpPr>
+        <p:spPr/>
+        <p:txBody>
+          <a:bodyPr/>
+          <a:lstStyle/>
+          <a:p>
+            <a:fld id="{B32AB80A-78BA-6B42-BA0D-B44ACF890F5A}" type="slidenum">
+              <a:rPr lang="en-US" smtClean="0"/>
+              <a:pPr/>
+              <a:t>6</a:t>
+            </a:fld>
+            <a:endParaRPr lang="en-US" dirty="0"/>
+          </a:p>
+        </p:txBody>
+      </p:sp>
+      <p:sp>
+        <p:nvSpPr>
+          <p:cNvPr id="2" name="Title 1">
+            <a:extLst>
+              <a:ext uri="{FF2B5EF4-FFF2-40B4-BE49-F238E27FC236}">
+                <a16:creationId xmlns:a16="http://schemas.microsoft.com/office/drawing/2014/main" id="{DB34D643-7EE7-45B6-8F51-307671C8887C}"/>
+              </a:ext>
+            </a:extLst>
+          </p:cNvPr>
+          <p:cNvSpPr>
+            <a:spLocks noGrp="1"/>
+          </p:cNvSpPr>
+          <p:nvPr>
+            <p:ph type="title" idx="4294967295"/>
+          </p:nvPr>
+        </p:nvSpPr>
+        <p:spPr>
+          <a:xfrm>
             <a:off x="771525" y="148471"/>
             <a:ext cx="8372475" cy="404812"/>
           </a:xfrm>
@@ -24448,7 +24641,7 @@
 </p:sld>
 </file>
 
-<file path=ppt/slides/slide6.xml><?xml version="1.0" encoding="utf-8"?>
+<file path=ppt/slides/slide7.xml><?xml version="1.0" encoding="utf-8"?>
 <p:sld xmlns:a="http://schemas.openxmlformats.org/drawingml/2006/main" xmlns:r="http://schemas.openxmlformats.org/officeDocument/2006/relationships" xmlns:p="http://schemas.openxmlformats.org/presentationml/2006/main">
   <p:cSld>
     <p:spTree>
@@ -24467,784 +24660,42 @@
       </p:grpSpPr>
       <p:sp>
         <p:nvSpPr>
-          <p:cNvPr id="10282" name="Title 1"/>
-          <p:cNvSpPr txBox="1">
-            <a:spLocks/>
+          <p:cNvPr id="3" name="Footer Placeholder 2">
+            <a:extLst>
+              <a:ext uri="{FF2B5EF4-FFF2-40B4-BE49-F238E27FC236}">
+                <a16:creationId xmlns:a16="http://schemas.microsoft.com/office/drawing/2014/main" id="{C7E9DB39-CBC6-4BC2-9503-9187A6DB2AE3}"/>
+              </a:ext>
+            </a:extLst>
+          </p:cNvPr>
+          <p:cNvSpPr>
+            <a:spLocks noGrp="1"/>
           </p:cNvSpPr>
-          <p:nvPr/>
+          <p:nvPr>
+            <p:ph type="ftr" sz="quarter" idx="15"/>
+          </p:nvPr>
         </p:nvSpPr>
-        <p:spPr bwMode="auto">
-          <a:xfrm>
-            <a:off x="631310" y="117152"/>
-            <a:ext cx="7699022" cy="361010"/>
-          </a:xfrm>
-          <a:prstGeom prst="rect">
-            <a:avLst/>
-          </a:prstGeom>
-          <a:noFill/>
-          <a:ln w="9525">
-            <a:noFill/>
-            <a:miter lim="800000"/>
-            <a:headEnd/>
-            <a:tailEnd/>
-          </a:ln>
-        </p:spPr>
+        <p:spPr/>
         <p:txBody>
-          <a:bodyPr anchor="ctr"/>
+          <a:bodyPr/>
           <a:lstStyle/>
           <a:p>
-            <a:pPr eaLnBrk="0" hangingPunct="0"/>
-            <a:r>
-              <a:rPr lang="en-US" sz="2400" dirty="0">
-                <a:solidFill>
-                  <a:srgbClr val="3D97BB"/>
-                </a:solidFill>
-                <a:latin typeface="Arial" panose="020B0604020202020204" pitchFamily="34" charset="0"/>
-                <a:ea typeface="ＭＳ Ｐゴシック"/>
-              </a:rPr>
-              <a:t>Modeling Phases</a:t>
-            </a:r>
+            <a:r>
+              <a:rPr lang="en-US"/>
+              <a:t>© 2018 Cognizant</a:t>
+            </a:r>
+            <a:endParaRPr lang="en-US" dirty="0"/>
           </a:p>
         </p:txBody>
       </p:sp>
-      <p:grpSp>
-        <p:nvGrpSpPr>
-          <p:cNvPr id="13" name="Group 12"/>
-          <p:cNvGrpSpPr/>
-          <p:nvPr/>
-        </p:nvGrpSpPr>
-        <p:grpSpPr>
-          <a:xfrm>
-            <a:off x="577086" y="621815"/>
-            <a:ext cx="7821901" cy="3641167"/>
-            <a:chOff x="198120" y="838200"/>
-            <a:chExt cx="10168471" cy="4915576"/>
-          </a:xfrm>
-        </p:grpSpPr>
-        <p:cxnSp>
-          <p:nvCxnSpPr>
-            <p:cNvPr id="91" name="Straight Connector 90"/>
-            <p:cNvCxnSpPr/>
-            <p:nvPr/>
-          </p:nvCxnSpPr>
-          <p:spPr>
-            <a:xfrm>
-              <a:off x="9218112" y="845771"/>
-              <a:ext cx="0" cy="4846320"/>
-            </a:xfrm>
-            <a:prstGeom prst="line">
-              <a:avLst/>
-            </a:prstGeom>
-            <a:ln w="15875">
-              <a:solidFill>
-                <a:schemeClr val="bg1">
-                  <a:lumMod val="85000"/>
-                </a:schemeClr>
-              </a:solidFill>
-              <a:prstDash val="sysDash"/>
-            </a:ln>
-          </p:spPr>
-          <p:style>
-            <a:lnRef idx="1">
-              <a:schemeClr val="accent1"/>
-            </a:lnRef>
-            <a:fillRef idx="0">
-              <a:schemeClr val="accent1"/>
-            </a:fillRef>
-            <a:effectRef idx="0">
-              <a:schemeClr val="accent1"/>
-            </a:effectRef>
-            <a:fontRef idx="minor">
-              <a:schemeClr val="tx1"/>
-            </a:fontRef>
-          </p:style>
-        </p:cxnSp>
-        <p:cxnSp>
-          <p:nvCxnSpPr>
-            <p:cNvPr id="90" name="Straight Connector 89"/>
-            <p:cNvCxnSpPr/>
-            <p:nvPr/>
-          </p:nvCxnSpPr>
-          <p:spPr>
-            <a:xfrm>
-              <a:off x="7752311" y="907456"/>
-              <a:ext cx="0" cy="4846320"/>
-            </a:xfrm>
-            <a:prstGeom prst="line">
-              <a:avLst/>
-            </a:prstGeom>
-            <a:ln w="15875">
-              <a:solidFill>
-                <a:schemeClr val="bg1">
-                  <a:lumMod val="85000"/>
-                </a:schemeClr>
-              </a:solidFill>
-              <a:prstDash val="sysDash"/>
-            </a:ln>
-          </p:spPr>
-          <p:style>
-            <a:lnRef idx="1">
-              <a:schemeClr val="accent1"/>
-            </a:lnRef>
-            <a:fillRef idx="0">
-              <a:schemeClr val="accent1"/>
-            </a:fillRef>
-            <a:effectRef idx="0">
-              <a:schemeClr val="accent1"/>
-            </a:effectRef>
-            <a:fontRef idx="minor">
-              <a:schemeClr val="tx1"/>
-            </a:fontRef>
-          </p:style>
-        </p:cxnSp>
-        <p:cxnSp>
-          <p:nvCxnSpPr>
-            <p:cNvPr id="89" name="Straight Connector 88"/>
-            <p:cNvCxnSpPr/>
-            <p:nvPr/>
-          </p:nvCxnSpPr>
-          <p:spPr>
-            <a:xfrm>
-              <a:off x="6157301" y="872295"/>
-              <a:ext cx="0" cy="4846320"/>
-            </a:xfrm>
-            <a:prstGeom prst="line">
-              <a:avLst/>
-            </a:prstGeom>
-            <a:ln w="15875">
-              <a:solidFill>
-                <a:schemeClr val="bg1">
-                  <a:lumMod val="85000"/>
-                </a:schemeClr>
-              </a:solidFill>
-              <a:prstDash val="sysDash"/>
-            </a:ln>
-          </p:spPr>
-          <p:style>
-            <a:lnRef idx="1">
-              <a:schemeClr val="accent1"/>
-            </a:lnRef>
-            <a:fillRef idx="0">
-              <a:schemeClr val="accent1"/>
-            </a:fillRef>
-            <a:effectRef idx="0">
-              <a:schemeClr val="accent1"/>
-            </a:effectRef>
-            <a:fontRef idx="minor">
-              <a:schemeClr val="tx1"/>
-            </a:fontRef>
-          </p:style>
-        </p:cxnSp>
-        <p:cxnSp>
-          <p:nvCxnSpPr>
-            <p:cNvPr id="88" name="Straight Connector 87"/>
-            <p:cNvCxnSpPr/>
-            <p:nvPr/>
-          </p:nvCxnSpPr>
-          <p:spPr>
-            <a:xfrm>
-              <a:off x="4545062" y="845771"/>
-              <a:ext cx="0" cy="4846320"/>
-            </a:xfrm>
-            <a:prstGeom prst="line">
-              <a:avLst/>
-            </a:prstGeom>
-            <a:ln w="15875">
-              <a:solidFill>
-                <a:schemeClr val="bg1">
-                  <a:lumMod val="85000"/>
-                </a:schemeClr>
-              </a:solidFill>
-              <a:prstDash val="sysDash"/>
-            </a:ln>
-          </p:spPr>
-          <p:style>
-            <a:lnRef idx="1">
-              <a:schemeClr val="accent1"/>
-            </a:lnRef>
-            <a:fillRef idx="0">
-              <a:schemeClr val="accent1"/>
-            </a:fillRef>
-            <a:effectRef idx="0">
-              <a:schemeClr val="accent1"/>
-            </a:effectRef>
-            <a:fontRef idx="minor">
-              <a:schemeClr val="tx1"/>
-            </a:fontRef>
-          </p:style>
-        </p:cxnSp>
-        <p:cxnSp>
-          <p:nvCxnSpPr>
-            <p:cNvPr id="87" name="Straight Connector 86"/>
-            <p:cNvCxnSpPr/>
-            <p:nvPr/>
-          </p:nvCxnSpPr>
-          <p:spPr>
-            <a:xfrm>
-              <a:off x="3001736" y="838200"/>
-              <a:ext cx="0" cy="4846320"/>
-            </a:xfrm>
-            <a:prstGeom prst="line">
-              <a:avLst/>
-            </a:prstGeom>
-            <a:ln w="15875">
-              <a:solidFill>
-                <a:schemeClr val="bg1">
-                  <a:lumMod val="85000"/>
-                </a:schemeClr>
-              </a:solidFill>
-              <a:prstDash val="sysDash"/>
-            </a:ln>
-          </p:spPr>
-          <p:style>
-            <a:lnRef idx="1">
-              <a:schemeClr val="accent1"/>
-            </a:lnRef>
-            <a:fillRef idx="0">
-              <a:schemeClr val="accent1"/>
-            </a:fillRef>
-            <a:effectRef idx="0">
-              <a:schemeClr val="accent1"/>
-            </a:effectRef>
-            <a:fontRef idx="minor">
-              <a:schemeClr val="tx1"/>
-            </a:fontRef>
-          </p:style>
-        </p:cxnSp>
-        <p:cxnSp>
-          <p:nvCxnSpPr>
-            <p:cNvPr id="4" name="Straight Connector 3"/>
-            <p:cNvCxnSpPr/>
-            <p:nvPr/>
-          </p:nvCxnSpPr>
-          <p:spPr>
-            <a:xfrm>
-              <a:off x="1485900" y="838200"/>
-              <a:ext cx="0" cy="4846320"/>
-            </a:xfrm>
-            <a:prstGeom prst="line">
-              <a:avLst/>
-            </a:prstGeom>
-            <a:ln w="15875">
-              <a:solidFill>
-                <a:schemeClr val="bg1">
-                  <a:lumMod val="85000"/>
-                </a:schemeClr>
-              </a:solidFill>
-              <a:prstDash val="sysDash"/>
-            </a:ln>
-          </p:spPr>
-          <p:style>
-            <a:lnRef idx="1">
-              <a:schemeClr val="accent1"/>
-            </a:lnRef>
-            <a:fillRef idx="0">
-              <a:schemeClr val="accent1"/>
-            </a:fillRef>
-            <a:effectRef idx="0">
-              <a:schemeClr val="accent1"/>
-            </a:effectRef>
-            <a:fontRef idx="minor">
-              <a:schemeClr val="tx1"/>
-            </a:fontRef>
-          </p:style>
-        </p:cxnSp>
-        <p:sp>
-          <p:nvSpPr>
-            <p:cNvPr id="132" name="Pentagon 131"/>
-            <p:cNvSpPr/>
-            <p:nvPr/>
-          </p:nvSpPr>
-          <p:spPr>
-            <a:xfrm>
-              <a:off x="198120" y="1043553"/>
-              <a:ext cx="1307273" cy="366823"/>
-            </a:xfrm>
-            <a:prstGeom prst="homePlate">
-              <a:avLst/>
-            </a:prstGeom>
-            <a:solidFill>
-              <a:srgbClr val="92D050"/>
-            </a:solidFill>
-            <a:ln>
-              <a:headEnd/>
-              <a:tailEnd/>
-            </a:ln>
-          </p:spPr>
-          <p:style>
-            <a:lnRef idx="1">
-              <a:schemeClr val="accent3"/>
-            </a:lnRef>
-            <a:fillRef idx="2">
-              <a:schemeClr val="accent3"/>
-            </a:fillRef>
-            <a:effectRef idx="1">
-              <a:schemeClr val="accent3"/>
-            </a:effectRef>
-            <a:fontRef idx="minor">
-              <a:schemeClr val="dk1"/>
-            </a:fontRef>
-          </p:style>
-          <p:txBody>
-            <a:bodyPr lIns="20320" tIns="20320" rIns="20320" bIns="20320" anchor="ctr"/>
-            <a:lstStyle/>
-            <a:p>
-              <a:pPr marL="42331" lvl="1" indent="-42331" algn="ctr" defTabSz="296317">
-                <a:lnSpc>
-                  <a:spcPct val="90000"/>
-                </a:lnSpc>
-                <a:spcAft>
-                  <a:spcPts val="444"/>
-                </a:spcAft>
-                <a:defRPr/>
-              </a:pPr>
-              <a:r>
-                <a:rPr lang="en-US" sz="741" b="1" dirty="0">
-                  <a:solidFill>
-                    <a:schemeClr val="bg1"/>
-                  </a:solidFill>
-                  <a:latin typeface="Segoe UI" panose="020B0502040204020203" pitchFamily="34" charset="0"/>
-                  <a:ea typeface="Segoe UI" panose="020B0502040204020203" pitchFamily="34" charset="0"/>
-                  <a:cs typeface="Segoe UI" panose="020B0502040204020203" pitchFamily="34" charset="0"/>
-                </a:rPr>
-                <a:t>Business and Data Understanding</a:t>
-              </a:r>
-            </a:p>
-          </p:txBody>
-        </p:sp>
-        <p:sp>
-          <p:nvSpPr>
-            <p:cNvPr id="133" name="Pentagon 132"/>
-            <p:cNvSpPr/>
-            <p:nvPr/>
-          </p:nvSpPr>
-          <p:spPr>
-            <a:xfrm>
-              <a:off x="1550938" y="1295400"/>
-              <a:ext cx="3005822" cy="365760"/>
-            </a:xfrm>
-            <a:prstGeom prst="homePlate">
-              <a:avLst/>
-            </a:prstGeom>
-            <a:solidFill>
-              <a:srgbClr val="92D050"/>
-            </a:solidFill>
-            <a:ln>
-              <a:headEnd/>
-              <a:tailEnd/>
-            </a:ln>
-          </p:spPr>
-          <p:style>
-            <a:lnRef idx="1">
-              <a:schemeClr val="accent3"/>
-            </a:lnRef>
-            <a:fillRef idx="2">
-              <a:schemeClr val="accent3"/>
-            </a:fillRef>
-            <a:effectRef idx="1">
-              <a:schemeClr val="accent3"/>
-            </a:effectRef>
-            <a:fontRef idx="minor">
-              <a:schemeClr val="dk1"/>
-            </a:fontRef>
-          </p:style>
-          <p:txBody>
-            <a:bodyPr lIns="20320" tIns="20320" rIns="20320" bIns="20320" anchor="ctr" anchorCtr="1"/>
-            <a:lstStyle/>
-            <a:p>
-              <a:pPr marL="42331" lvl="1" indent="-42331" algn="ctr" defTabSz="296317">
-                <a:lnSpc>
-                  <a:spcPct val="90000"/>
-                </a:lnSpc>
-                <a:spcAft>
-                  <a:spcPts val="444"/>
-                </a:spcAft>
-                <a:defRPr/>
-              </a:pPr>
-              <a:r>
-                <a:rPr lang="en-US" sz="741" b="1" dirty="0">
-                  <a:solidFill>
-                    <a:schemeClr val="bg1"/>
-                  </a:solidFill>
-                  <a:latin typeface="Segoe UI" panose="020B0502040204020203" pitchFamily="34" charset="0"/>
-                  <a:ea typeface="Segoe UI" panose="020B0502040204020203" pitchFamily="34" charset="0"/>
-                  <a:cs typeface="Segoe UI" panose="020B0502040204020203" pitchFamily="34" charset="0"/>
-                </a:rPr>
-                <a:t>Data Preparation</a:t>
-              </a:r>
-            </a:p>
-          </p:txBody>
-        </p:sp>
-        <p:sp>
-          <p:nvSpPr>
-            <p:cNvPr id="64" name="Pentagon 63"/>
-            <p:cNvSpPr/>
-            <p:nvPr/>
-          </p:nvSpPr>
-          <p:spPr>
-            <a:xfrm>
-              <a:off x="7752310" y="2461418"/>
-              <a:ext cx="2614281" cy="365760"/>
-            </a:xfrm>
-            <a:prstGeom prst="homePlate">
-              <a:avLst/>
-            </a:prstGeom>
-            <a:solidFill>
-              <a:srgbClr val="92D050"/>
-            </a:solidFill>
-            <a:ln>
-              <a:headEnd/>
-              <a:tailEnd/>
-            </a:ln>
-          </p:spPr>
-          <p:style>
-            <a:lnRef idx="1">
-              <a:schemeClr val="accent3"/>
-            </a:lnRef>
-            <a:fillRef idx="2">
-              <a:schemeClr val="accent3"/>
-            </a:fillRef>
-            <a:effectRef idx="1">
-              <a:schemeClr val="accent3"/>
-            </a:effectRef>
-            <a:fontRef idx="minor">
-              <a:schemeClr val="dk1"/>
-            </a:fontRef>
-          </p:style>
-          <p:txBody>
-            <a:bodyPr lIns="20320" tIns="20320" rIns="20320" bIns="20320" anchor="ctr"/>
-            <a:lstStyle/>
-            <a:p>
-              <a:pPr marL="42331" lvl="1" indent="-42331" algn="ctr" defTabSz="296317">
-                <a:lnSpc>
-                  <a:spcPct val="90000"/>
-                </a:lnSpc>
-                <a:spcAft>
-                  <a:spcPts val="444"/>
-                </a:spcAft>
-                <a:defRPr/>
-              </a:pPr>
-              <a:r>
-                <a:rPr lang="en-US" sz="741" b="1" dirty="0">
-                  <a:solidFill>
-                    <a:schemeClr val="bg1"/>
-                  </a:solidFill>
-                  <a:latin typeface="Segoe UI" panose="020B0502040204020203" pitchFamily="34" charset="0"/>
-                  <a:ea typeface="Segoe UI" panose="020B0502040204020203" pitchFamily="34" charset="0"/>
-                  <a:cs typeface="Segoe UI" panose="020B0502040204020203" pitchFamily="34" charset="0"/>
-                </a:rPr>
-                <a:t>Model Evaluation &amp; Finalization</a:t>
-              </a:r>
-            </a:p>
-          </p:txBody>
-        </p:sp>
-        <p:sp>
-          <p:nvSpPr>
-            <p:cNvPr id="69" name="Rectangle 86"/>
-            <p:cNvSpPr>
-              <a:spLocks noChangeArrowheads="1"/>
-            </p:cNvSpPr>
-            <p:nvPr/>
-          </p:nvSpPr>
-          <p:spPr bwMode="auto">
-            <a:xfrm>
-              <a:off x="198120" y="1470101"/>
-              <a:ext cx="1283526" cy="1987121"/>
-            </a:xfrm>
-            <a:prstGeom prst="rect">
-              <a:avLst/>
-            </a:prstGeom>
-            <a:solidFill>
-              <a:schemeClr val="bg1">
-                <a:lumMod val="95000"/>
-              </a:schemeClr>
-            </a:solidFill>
-            <a:ln w="9525">
-              <a:noFill/>
-              <a:miter lim="800000"/>
-              <a:headEnd/>
-              <a:tailEnd/>
-            </a:ln>
-          </p:spPr>
-          <p:txBody>
-            <a:bodyPr wrap="square">
-              <a:spAutoFit/>
-            </a:bodyPr>
-            <a:lstStyle/>
-            <a:p>
-              <a:pPr marL="84662" indent="-84662">
-                <a:buFont typeface="Arial" charset="0"/>
-                <a:buChar char="•"/>
-                <a:defRPr/>
-              </a:pPr>
-              <a:r>
-                <a:rPr lang="en-US" sz="815" dirty="0">
-                  <a:latin typeface="Segoe UI" panose="020B0502040204020203" pitchFamily="34" charset="0"/>
-                  <a:ea typeface="Segoe UI" panose="020B0502040204020203" pitchFamily="34" charset="0"/>
-                  <a:cs typeface="Segoe UI" panose="020B0502040204020203" pitchFamily="34" charset="0"/>
-                </a:rPr>
-                <a:t>Identify the data source, define success criteria and modeling approach</a:t>
-              </a:r>
-            </a:p>
-            <a:p>
-              <a:pPr marL="84662" indent="-84662">
-                <a:buFont typeface="Arial" charset="0"/>
-                <a:buChar char="•"/>
-                <a:defRPr/>
-              </a:pPr>
-              <a:r>
-                <a:rPr lang="en-US" sz="815" dirty="0">
-                  <a:latin typeface="Segoe UI" panose="020B0502040204020203" pitchFamily="34" charset="0"/>
-                  <a:ea typeface="Segoe UI" panose="020B0502040204020203" pitchFamily="34" charset="0"/>
-                  <a:cs typeface="Segoe UI" panose="020B0502040204020203" pitchFamily="34" charset="0"/>
-                </a:rPr>
-                <a:t>Preliminary data quality analysis (handle missing data, etc.)</a:t>
-              </a:r>
-            </a:p>
-          </p:txBody>
-        </p:sp>
-        <p:sp>
-          <p:nvSpPr>
-            <p:cNvPr id="73" name="Rectangle 94"/>
-            <p:cNvSpPr>
-              <a:spLocks noChangeArrowheads="1"/>
-            </p:cNvSpPr>
-            <p:nvPr/>
-          </p:nvSpPr>
-          <p:spPr bwMode="auto">
-            <a:xfrm>
-              <a:off x="1524357" y="1730514"/>
-              <a:ext cx="3020705" cy="293965"/>
-            </a:xfrm>
-            <a:prstGeom prst="rect">
-              <a:avLst/>
-            </a:prstGeom>
-            <a:solidFill>
-              <a:schemeClr val="bg1">
-                <a:lumMod val="95000"/>
-              </a:schemeClr>
-            </a:solidFill>
-            <a:ln w="9525">
-              <a:noFill/>
-              <a:miter lim="800000"/>
-              <a:headEnd/>
-              <a:tailEnd/>
-            </a:ln>
-          </p:spPr>
-          <p:txBody>
-            <a:bodyPr wrap="square">
-              <a:spAutoFit/>
-            </a:bodyPr>
-            <a:lstStyle/>
-            <a:p>
-              <a:pPr marL="84662" indent="-84662">
-                <a:buFont typeface="Arial" charset="0"/>
-                <a:buChar char="•"/>
-              </a:pPr>
-              <a:r>
-                <a:rPr lang="en-US" sz="815" dirty="0">
-                  <a:latin typeface="Segoe UI" panose="020B0502040204020203" pitchFamily="34" charset="0"/>
-                  <a:ea typeface="Segoe UI" panose="020B0502040204020203" pitchFamily="34" charset="0"/>
-                  <a:cs typeface="Segoe UI" panose="020B0502040204020203" pitchFamily="34" charset="0"/>
-                </a:rPr>
-                <a:t>Finalize data quality gaps and response plan </a:t>
-              </a:r>
-            </a:p>
-          </p:txBody>
-        </p:sp>
-        <p:sp>
-          <p:nvSpPr>
-            <p:cNvPr id="44" name="Pentagon 43"/>
-            <p:cNvSpPr/>
-            <p:nvPr/>
-          </p:nvSpPr>
-          <p:spPr>
-            <a:xfrm>
-              <a:off x="4572000" y="1987350"/>
-              <a:ext cx="3187019" cy="365760"/>
-            </a:xfrm>
-            <a:prstGeom prst="homePlate">
-              <a:avLst/>
-            </a:prstGeom>
-            <a:solidFill>
-              <a:srgbClr val="92D050"/>
-            </a:solidFill>
-            <a:ln>
-              <a:headEnd/>
-              <a:tailEnd/>
-            </a:ln>
-          </p:spPr>
-          <p:style>
-            <a:lnRef idx="1">
-              <a:schemeClr val="accent3"/>
-            </a:lnRef>
-            <a:fillRef idx="2">
-              <a:schemeClr val="accent3"/>
-            </a:fillRef>
-            <a:effectRef idx="1">
-              <a:schemeClr val="accent3"/>
-            </a:effectRef>
-            <a:fontRef idx="minor">
-              <a:schemeClr val="dk1"/>
-            </a:fontRef>
-          </p:style>
-          <p:txBody>
-            <a:bodyPr lIns="20320" tIns="20320" rIns="20320" bIns="20320" anchor="ctr"/>
-            <a:lstStyle/>
-            <a:p>
-              <a:pPr marL="42331" lvl="1" indent="-42331" algn="ctr" defTabSz="296317">
-                <a:lnSpc>
-                  <a:spcPct val="90000"/>
-                </a:lnSpc>
-                <a:spcAft>
-                  <a:spcPts val="444"/>
-                </a:spcAft>
-                <a:defRPr/>
-              </a:pPr>
-              <a:endParaRPr lang="en-US" sz="741" b="1" dirty="0">
-                <a:solidFill>
-                  <a:schemeClr val="bg1"/>
-                </a:solidFill>
-                <a:latin typeface="Segoe UI" panose="020B0502040204020203" pitchFamily="34" charset="0"/>
-                <a:ea typeface="Segoe UI" panose="020B0502040204020203" pitchFamily="34" charset="0"/>
-                <a:cs typeface="Segoe UI" panose="020B0502040204020203" pitchFamily="34" charset="0"/>
-              </a:endParaRPr>
-            </a:p>
-            <a:p>
-              <a:pPr marL="42331" lvl="1" indent="-42331" algn="ctr" defTabSz="296317">
-                <a:lnSpc>
-                  <a:spcPct val="90000"/>
-                </a:lnSpc>
-                <a:spcAft>
-                  <a:spcPts val="444"/>
-                </a:spcAft>
-                <a:defRPr/>
-              </a:pPr>
-              <a:r>
-                <a:rPr lang="en-US" sz="741" b="1" dirty="0">
-                  <a:solidFill>
-                    <a:schemeClr val="bg1"/>
-                  </a:solidFill>
-                  <a:latin typeface="Segoe UI" panose="020B0502040204020203" pitchFamily="34" charset="0"/>
-                  <a:ea typeface="Segoe UI" panose="020B0502040204020203" pitchFamily="34" charset="0"/>
-                  <a:cs typeface="Segoe UI" panose="020B0502040204020203" pitchFamily="34" charset="0"/>
-                </a:rPr>
-                <a:t>Data Modeling </a:t>
-              </a:r>
-            </a:p>
-            <a:p>
-              <a:pPr marL="42331" lvl="1" indent="-42331" algn="ctr" defTabSz="296317">
-                <a:lnSpc>
-                  <a:spcPct val="90000"/>
-                </a:lnSpc>
-                <a:spcAft>
-                  <a:spcPts val="444"/>
-                </a:spcAft>
-                <a:defRPr/>
-              </a:pPr>
-              <a:endParaRPr lang="en-US" sz="741" b="1" dirty="0">
-                <a:solidFill>
-                  <a:schemeClr val="bg1"/>
-                </a:solidFill>
-                <a:latin typeface="Segoe UI" panose="020B0502040204020203" pitchFamily="34" charset="0"/>
-                <a:ea typeface="Segoe UI" panose="020B0502040204020203" pitchFamily="34" charset="0"/>
-                <a:cs typeface="Segoe UI" panose="020B0502040204020203" pitchFamily="34" charset="0"/>
-              </a:endParaRPr>
-            </a:p>
-          </p:txBody>
-        </p:sp>
-        <p:sp>
-          <p:nvSpPr>
-            <p:cNvPr id="48" name="Rectangle 88"/>
-            <p:cNvSpPr>
-              <a:spLocks noChangeArrowheads="1"/>
-            </p:cNvSpPr>
-            <p:nvPr/>
-          </p:nvSpPr>
-          <p:spPr bwMode="auto">
-            <a:xfrm>
-              <a:off x="4572000" y="2438400"/>
-              <a:ext cx="3047999" cy="940499"/>
-            </a:xfrm>
-            <a:prstGeom prst="rect">
-              <a:avLst/>
-            </a:prstGeom>
-            <a:solidFill>
-              <a:schemeClr val="bg1">
-                <a:lumMod val="95000"/>
-              </a:schemeClr>
-            </a:solidFill>
-            <a:ln w="9525">
-              <a:noFill/>
-              <a:miter lim="800000"/>
-              <a:headEnd/>
-              <a:tailEnd/>
-            </a:ln>
-          </p:spPr>
-          <p:txBody>
-            <a:bodyPr wrap="square">
-              <a:spAutoFit/>
-            </a:bodyPr>
-            <a:lstStyle/>
-            <a:p>
-              <a:pPr marL="84662" lvl="1" indent="-84662">
-                <a:buFont typeface="Arial" charset="0"/>
-                <a:buChar char="•"/>
-              </a:pPr>
-              <a:r>
-                <a:rPr lang="en-US" sz="815" dirty="0">
-                  <a:latin typeface="Segoe UI" panose="020B0502040204020203" pitchFamily="34" charset="0"/>
-                  <a:ea typeface="Segoe UI" panose="020B0502040204020203" pitchFamily="34" charset="0"/>
-                  <a:cs typeface="Segoe UI" panose="020B0502040204020203" pitchFamily="34" charset="0"/>
-                </a:rPr>
-                <a:t>Execute model design</a:t>
-              </a:r>
-            </a:p>
-            <a:p>
-              <a:pPr marL="84662" lvl="1" indent="-84662">
-                <a:buFont typeface="Arial" charset="0"/>
-                <a:buChar char="•"/>
-              </a:pPr>
-              <a:r>
-                <a:rPr lang="en-US" sz="815" dirty="0">
-                  <a:latin typeface="Segoe UI" panose="020B0502040204020203" pitchFamily="34" charset="0"/>
-                  <a:ea typeface="Segoe UI" panose="020B0502040204020203" pitchFamily="34" charset="0"/>
-                  <a:cs typeface="Segoe UI" panose="020B0502040204020203" pitchFamily="34" charset="0"/>
-                </a:rPr>
-                <a:t>Review/tune/iterate with history data derived with various criteria like time range</a:t>
-              </a:r>
-            </a:p>
-            <a:p>
-              <a:pPr marL="84662" lvl="1" indent="-84662">
-                <a:buFont typeface="Arial" charset="0"/>
-                <a:buChar char="•"/>
-              </a:pPr>
-              <a:r>
-                <a:rPr lang="en-US" sz="815" dirty="0">
-                  <a:latin typeface="Segoe UI" panose="020B0502040204020203" pitchFamily="34" charset="0"/>
-                  <a:ea typeface="Segoe UI" panose="020B0502040204020203" pitchFamily="34" charset="0"/>
-                  <a:cs typeface="Segoe UI" panose="020B0502040204020203" pitchFamily="34" charset="0"/>
-                </a:rPr>
-                <a:t>Interpret modeling results for evaluation</a:t>
-              </a:r>
-            </a:p>
-            <a:p>
-              <a:pPr marL="84662" lvl="1" indent="-84662">
-                <a:buFont typeface="Arial" charset="0"/>
-                <a:buChar char="•"/>
-              </a:pPr>
-              <a:endParaRPr lang="en-US" sz="667" dirty="0">
-                <a:latin typeface="Segoe UI" panose="020B0502040204020203" pitchFamily="34" charset="0"/>
-                <a:ea typeface="Segoe UI" panose="020B0502040204020203" pitchFamily="34" charset="0"/>
-                <a:cs typeface="Segoe UI" panose="020B0502040204020203" pitchFamily="34" charset="0"/>
-              </a:endParaRPr>
-            </a:p>
-          </p:txBody>
-        </p:sp>
-      </p:grpSp>
       <p:sp>
         <p:nvSpPr>
-          <p:cNvPr id="93" name="Slide Number Placeholder 3"/>
+          <p:cNvPr id="4" name="Slide Number Placeholder 3">
+            <a:extLst>
+              <a:ext uri="{FF2B5EF4-FFF2-40B4-BE49-F238E27FC236}">
+                <a16:creationId xmlns:a16="http://schemas.microsoft.com/office/drawing/2014/main" id="{868F65E9-3C90-41FB-8881-DF7FED83FD3F}"/>
+              </a:ext>
+            </a:extLst>
+          </p:cNvPr>
           <p:cNvSpPr>
             <a:spLocks noGrp="1"/>
           </p:cNvSpPr>
@@ -25252,129 +24703,112 @@
             <p:ph type="sldNum" sz="quarter" idx="16"/>
           </p:nvPr>
         </p:nvSpPr>
+        <p:spPr/>
+        <p:txBody>
+          <a:bodyPr/>
+          <a:lstStyle/>
+          <a:p>
+            <a:fld id="{2EFEF571-C9B4-4D92-A7F7-315B894862A8}" type="slidenum">
+              <a:rPr lang="en-US" smtClean="0"/>
+              <a:pPr/>
+              <a:t>7</a:t>
+            </a:fld>
+            <a:endParaRPr lang="en-US" dirty="0"/>
+          </a:p>
+        </p:txBody>
+      </p:sp>
+      <p:pic>
+        <p:nvPicPr>
+          <p:cNvPr id="5" name="Picture 4">
+            <a:extLst>
+              <a:ext uri="{FF2B5EF4-FFF2-40B4-BE49-F238E27FC236}">
+                <a16:creationId xmlns:a16="http://schemas.microsoft.com/office/drawing/2014/main" id="{475C8744-8DAF-4AB8-B02B-67F6F25AC881}"/>
+              </a:ext>
+            </a:extLst>
+          </p:cNvPr>
+          <p:cNvPicPr>
+            <a:picLocks noChangeAspect="1"/>
+          </p:cNvPicPr>
+          <p:nvPr/>
+        </p:nvPicPr>
+        <p:blipFill>
+          <a:blip r:embed="rId2"/>
+          <a:stretch>
+            <a:fillRect/>
+          </a:stretch>
+        </p:blipFill>
         <p:spPr>
+          <a:xfrm>
+            <a:off x="892222" y="642962"/>
+            <a:ext cx="5684848" cy="3857575"/>
+          </a:xfrm>
           <a:prstGeom prst="rect">
             <a:avLst/>
           </a:prstGeom>
         </p:spPr>
-        <p:txBody>
-          <a:bodyPr/>
-          <a:lstStyle/>
-          <a:p>
-            <a:fld id="{7F4389A1-D915-498A-9B19-FD45F34EF8F2}" type="slidenum">
-              <a:rPr lang="en-US" smtClean="0"/>
-              <a:pPr/>
-              <a:t>6</a:t>
-            </a:fld>
-            <a:endParaRPr lang="en-US" dirty="0"/>
-          </a:p>
-        </p:txBody>
-      </p:sp>
+      </p:pic>
       <p:sp>
         <p:nvSpPr>
-          <p:cNvPr id="59" name="Rectangle 88"/>
-          <p:cNvSpPr>
-            <a:spLocks noChangeArrowheads="1"/>
-          </p:cNvSpPr>
+          <p:cNvPr id="6" name="Rectangle 5">
+            <a:extLst>
+              <a:ext uri="{FF2B5EF4-FFF2-40B4-BE49-F238E27FC236}">
+                <a16:creationId xmlns:a16="http://schemas.microsoft.com/office/drawing/2014/main" id="{DAE706AA-4D6C-4948-B05A-1E306DB6FD61}"/>
+              </a:ext>
+            </a:extLst>
+          </p:cNvPr>
+          <p:cNvSpPr/>
           <p:nvPr/>
         </p:nvSpPr>
-        <p:spPr bwMode="auto">
+        <p:spPr>
           <a:xfrm>
-            <a:off x="6363587" y="2561096"/>
-            <a:ext cx="2005825" cy="685252"/>
+            <a:off x="-505048" y="-64924"/>
+            <a:ext cx="4625355" cy="707886"/>
           </a:xfrm>
           <a:prstGeom prst="rect">
             <a:avLst/>
           </a:prstGeom>
-          <a:solidFill>
-            <a:schemeClr val="bg1">
-              <a:lumMod val="95000"/>
-            </a:schemeClr>
-          </a:solidFill>
-          <a:ln w="9525">
-            <a:noFill/>
-            <a:miter lim="800000"/>
-            <a:headEnd/>
-            <a:tailEnd/>
-          </a:ln>
+          <a:noFill/>
         </p:spPr>
         <p:txBody>
-          <a:bodyPr wrap="square">
+          <a:bodyPr wrap="square" lIns="91440" tIns="45720" rIns="91440" bIns="45720">
             <a:spAutoFit/>
           </a:bodyPr>
           <a:lstStyle/>
           <a:p>
-            <a:pPr marL="84662" lvl="1" indent="-84662">
-              <a:buFont typeface="Arial" charset="0"/>
-              <a:buChar char="•"/>
-            </a:pPr>
-            <a:r>
-              <a:rPr lang="en-US" sz="815" dirty="0">
-                <a:latin typeface="Segoe UI" panose="020B0502040204020203" pitchFamily="34" charset="0"/>
-                <a:ea typeface="Segoe UI" panose="020B0502040204020203" pitchFamily="34" charset="0"/>
-                <a:cs typeface="Segoe UI" panose="020B0502040204020203" pitchFamily="34" charset="0"/>
+            <a:pPr algn="ctr"/>
+            <a:r>
+              <a:rPr lang="en-US" sz="4000" b="0" cap="none" spc="0" dirty="0">
+                <a:ln w="0"/>
+                <a:solidFill>
+                  <a:schemeClr val="tx1"/>
+                </a:solidFill>
+                <a:effectLst>
+                  <a:outerShdw blurRad="38100" dist="19050" dir="2700000" algn="tl" rotWithShape="0">
+                    <a:schemeClr val="dk1">
+                      <a:alpha val="40000"/>
+                    </a:schemeClr>
+                  </a:outerShdw>
+                </a:effectLst>
               </a:rPr>
-              <a:t>Execute model on validation set</a:t>
-            </a:r>
-          </a:p>
-          <a:p>
-            <a:pPr marL="84662" lvl="1" indent="-84662">
-              <a:buFont typeface="Arial" charset="0"/>
-              <a:buChar char="•"/>
-            </a:pPr>
-            <a:r>
-              <a:rPr lang="en-US" sz="815" dirty="0">
-                <a:latin typeface="Segoe UI" panose="020B0502040204020203" pitchFamily="34" charset="0"/>
-                <a:ea typeface="Segoe UI" panose="020B0502040204020203" pitchFamily="34" charset="0"/>
-                <a:cs typeface="Segoe UI" panose="020B0502040204020203" pitchFamily="34" charset="0"/>
-              </a:rPr>
-              <a:t>Review results and validate with success criteria.</a:t>
-            </a:r>
-          </a:p>
-          <a:p>
-            <a:pPr marL="84662" lvl="1" indent="-84662">
-              <a:buFont typeface="Arial" charset="0"/>
-              <a:buChar char="•"/>
-            </a:pPr>
-            <a:r>
-              <a:rPr lang="en-US" sz="815" dirty="0">
-                <a:latin typeface="Segoe UI" panose="020B0502040204020203" pitchFamily="34" charset="0"/>
-                <a:ea typeface="Segoe UI" panose="020B0502040204020203" pitchFamily="34" charset="0"/>
-                <a:cs typeface="Segoe UI" panose="020B0502040204020203" pitchFamily="34" charset="0"/>
-              </a:rPr>
-              <a:t>Iterate as necessary</a:t>
-            </a:r>
-          </a:p>
-          <a:p>
-            <a:pPr marL="84662" lvl="1" indent="-84662">
-              <a:buFont typeface="Arial" charset="0"/>
-              <a:buChar char="•"/>
-            </a:pPr>
-            <a:endParaRPr lang="en-US" sz="593" dirty="0">
-              <a:latin typeface="Segoe UI" panose="020B0502040204020203" pitchFamily="34" charset="0"/>
-              <a:ea typeface="Segoe UI" panose="020B0502040204020203" pitchFamily="34" charset="0"/>
-              <a:cs typeface="Segoe UI" panose="020B0502040204020203" pitchFamily="34" charset="0"/>
-            </a:endParaRPr>
+              <a:t>Lift Chart</a:t>
+            </a:r>
           </a:p>
         </p:txBody>
       </p:sp>
     </p:spTree>
     <p:extLst>
       <p:ext uri="{BB962C8B-B14F-4D97-AF65-F5344CB8AC3E}">
-        <p14:creationId xmlns:p14="http://schemas.microsoft.com/office/powerpoint/2010/main" val="3857502869"/>
+        <p14:creationId xmlns:p14="http://schemas.microsoft.com/office/powerpoint/2010/main" val="1467482836"/>
       </p:ext>
     </p:extLst>
   </p:cSld>
   <p:clrMapOvr>
     <a:masterClrMapping/>
   </p:clrMapOvr>
-  <p:transition>
-    <p:wipe dir="r"/>
-  </p:transition>
 </p:sld>
 </file>
 
-<file path=ppt/slides/slide7.xml><?xml version="1.0" encoding="utf-8"?>
+<file path=ppt/slides/slide8.xml><?xml version="1.0" encoding="utf-8"?>
 <p:sld xmlns:a="http://schemas.openxmlformats.org/drawingml/2006/main" xmlns:r="http://schemas.openxmlformats.org/officeDocument/2006/relationships" xmlns:p="http://schemas.openxmlformats.org/presentationml/2006/main">
   <p:cSld>
     <p:spTree>

--- a/Capstone Project Presentation_Final.pptx
+++ b/Capstone Project Presentation_Final.pptx
@@ -5,20 +5,22 @@
     <p:sldMasterId id="2147483707" r:id="rId1"/>
   </p:sldMasterIdLst>
   <p:notesMasterIdLst>
-    <p:notesMasterId r:id="rId10"/>
+    <p:notesMasterId r:id="rId12"/>
   </p:notesMasterIdLst>
   <p:handoutMasterIdLst>
-    <p:handoutMasterId r:id="rId11"/>
+    <p:handoutMasterId r:id="rId13"/>
   </p:handoutMasterIdLst>
   <p:sldIdLst>
     <p:sldId id="256" r:id="rId2"/>
     <p:sldId id="1398" r:id="rId3"/>
     <p:sldId id="416" r:id="rId4"/>
-    <p:sldId id="1404" r:id="rId5"/>
-    <p:sldId id="1401" r:id="rId6"/>
-    <p:sldId id="1402" r:id="rId7"/>
-    <p:sldId id="1405" r:id="rId8"/>
-    <p:sldId id="270" r:id="rId9"/>
+    <p:sldId id="1401" r:id="rId5"/>
+    <p:sldId id="1402" r:id="rId6"/>
+    <p:sldId id="1406" r:id="rId7"/>
+    <p:sldId id="1407" r:id="rId8"/>
+    <p:sldId id="1405" r:id="rId9"/>
+    <p:sldId id="1404" r:id="rId10"/>
+    <p:sldId id="270" r:id="rId11"/>
   </p:sldIdLst>
   <p:sldSz cx="9144000" cy="5143500" type="screen16x9"/>
   <p:notesSz cx="6858000" cy="9144000"/>
@@ -10629,49 +10631,6 @@
           </a:p>
         </p:txBody>
       </p:sp>
-      <p:cxnSp>
-        <p:nvCxnSpPr>
-          <p:cNvPr id="8" name="Straight Connector 7">
-            <a:extLst>
-              <a:ext uri="{FF2B5EF4-FFF2-40B4-BE49-F238E27FC236}">
-                <a16:creationId xmlns:a16="http://schemas.microsoft.com/office/drawing/2014/main" id="{B2D38650-2189-4A4F-AD30-9C41C4094C5F}"/>
-              </a:ext>
-            </a:extLst>
-          </p:cNvPr>
-          <p:cNvCxnSpPr>
-            <a:cxnSpLocks/>
-          </p:cNvCxnSpPr>
-          <p:nvPr userDrawn="1"/>
-        </p:nvCxnSpPr>
-        <p:spPr bwMode="black">
-          <a:xfrm>
-            <a:off x="457200" y="2928574"/>
-            <a:ext cx="2286000" cy="0"/>
-          </a:xfrm>
-          <a:prstGeom prst="line">
-            <a:avLst/>
-          </a:prstGeom>
-          <a:ln>
-            <a:solidFill>
-              <a:schemeClr val="accent6"/>
-            </a:solidFill>
-          </a:ln>
-        </p:spPr>
-        <p:style>
-          <a:lnRef idx="1">
-            <a:schemeClr val="accent1"/>
-          </a:lnRef>
-          <a:fillRef idx="0">
-            <a:schemeClr val="accent1"/>
-          </a:fillRef>
-          <a:effectRef idx="0">
-            <a:schemeClr val="accent1"/>
-          </a:effectRef>
-          <a:fontRef idx="minor">
-            <a:schemeClr val="tx1"/>
-          </a:fontRef>
-        </p:style>
-      </p:cxnSp>
     </p:spTree>
     <p:extLst>
       <p:ext uri="{BB962C8B-B14F-4D97-AF65-F5344CB8AC3E}">
@@ -23285,17 +23244,28 @@
         </p:nvSpPr>
         <p:spPr>
           <a:xfrm>
-            <a:off x="457199" y="2356438"/>
-            <a:ext cx="8637181" cy="387798"/>
+            <a:off x="457199" y="1580841"/>
+            <a:ext cx="8637181" cy="1163395"/>
           </a:xfrm>
         </p:spPr>
         <p:txBody>
           <a:bodyPr/>
           <a:lstStyle/>
           <a:p>
+            <a:pPr algn="ctr"/>
             <a:r>
               <a:rPr lang="en-US" sz="2800" dirty="0"/>
-              <a:t>Capstone Project  –  Manivannan Karuppusamy</a:t>
+              <a:t>Asset Marketability Scoring Model</a:t>
+            </a:r>
+            <a:br>
+              <a:rPr lang="en-US" sz="2800" dirty="0"/>
+            </a:br>
+            <a:br>
+              <a:rPr lang="en-US" sz="2800" dirty="0"/>
+            </a:br>
+            <a:r>
+              <a:rPr lang="en-US" sz="2800" dirty="0"/>
+              <a:t>		</a:t>
             </a:r>
           </a:p>
         </p:txBody>
@@ -23318,13 +23288,19 @@
         </p:nvSpPr>
         <p:spPr>
           <a:xfrm>
-            <a:off x="457200" y="3118104"/>
-            <a:ext cx="5029200" cy="276999"/>
+            <a:off x="5882963" y="2996919"/>
+            <a:ext cx="3261037" cy="630942"/>
           </a:xfrm>
         </p:spPr>
         <p:txBody>
           <a:bodyPr/>
           <a:lstStyle/>
+          <a:p>
+            <a:r>
+              <a:rPr lang="en-US" dirty="0"/>
+              <a:t>Manivannan Karuppusamy</a:t>
+            </a:r>
+          </a:p>
           <a:p>
             <a:r>
               <a:rPr lang="en-US" dirty="0"/>
@@ -23366,6 +23342,65 @@
     <p:extLst>
       <p:ext uri="{BB962C8B-B14F-4D97-AF65-F5344CB8AC3E}">
         <p14:creationId xmlns:p14="http://schemas.microsoft.com/office/powerpoint/2010/main" val="505501213"/>
+      </p:ext>
+    </p:extLst>
+  </p:cSld>
+  <p:clrMapOvr>
+    <a:masterClrMapping/>
+  </p:clrMapOvr>
+</p:sld>
+</file>
+
+<file path=ppt/slides/slide10.xml><?xml version="1.0" encoding="utf-8"?>
+<p:sld xmlns:a="http://schemas.openxmlformats.org/drawingml/2006/main" xmlns:r="http://schemas.openxmlformats.org/officeDocument/2006/relationships" xmlns:p="http://schemas.openxmlformats.org/presentationml/2006/main">
+  <p:cSld>
+    <p:spTree>
+      <p:nvGrpSpPr>
+        <p:cNvPr id="1" name=""/>
+        <p:cNvGrpSpPr/>
+        <p:nvPr/>
+      </p:nvGrpSpPr>
+      <p:grpSpPr>
+        <a:xfrm>
+          <a:off x="0" y="0"/>
+          <a:ext cx="0" cy="0"/>
+          <a:chOff x="0" y="0"/>
+          <a:chExt cx="0" cy="0"/>
+        </a:xfrm>
+      </p:grpSpPr>
+      <p:sp>
+        <p:nvSpPr>
+          <p:cNvPr id="2" name="Title 1">
+            <a:extLst>
+              <a:ext uri="{FF2B5EF4-FFF2-40B4-BE49-F238E27FC236}">
+                <a16:creationId xmlns:a16="http://schemas.microsoft.com/office/drawing/2014/main" id="{E1083F23-C768-4142-9883-3318F953E306}"/>
+              </a:ext>
+            </a:extLst>
+          </p:cNvPr>
+          <p:cNvSpPr>
+            <a:spLocks noGrp="1"/>
+          </p:cNvSpPr>
+          <p:nvPr>
+            <p:ph type="title"/>
+          </p:nvPr>
+        </p:nvSpPr>
+        <p:spPr/>
+        <p:txBody>
+          <a:bodyPr/>
+          <a:lstStyle/>
+          <a:p>
+            <a:r>
+              <a:rPr lang="en-US"/>
+              <a:t>Thank you</a:t>
+            </a:r>
+            <a:endParaRPr lang="en-US" dirty="0"/>
+          </a:p>
+        </p:txBody>
+      </p:sp>
+    </p:spTree>
+    <p:extLst>
+      <p:ext uri="{BB962C8B-B14F-4D97-AF65-F5344CB8AC3E}">
+        <p14:creationId xmlns:p14="http://schemas.microsoft.com/office/powerpoint/2010/main" val="1784034382"/>
       </p:ext>
     </p:extLst>
   </p:cSld>
@@ -23890,7 +23925,7 @@
           <p:cNvPr id="3" name="Slide Number Placeholder 2">
             <a:extLst>
               <a:ext uri="{FF2B5EF4-FFF2-40B4-BE49-F238E27FC236}">
-                <a16:creationId xmlns:a16="http://schemas.microsoft.com/office/drawing/2014/main" id="{0D5B885F-5314-4A4A-A35C-68023726F3C6}"/>
+                <a16:creationId xmlns:a16="http://schemas.microsoft.com/office/drawing/2014/main" id="{8EF4C459-7BED-4C09-BCD9-F51C7D6C01E4}"/>
               </a:ext>
             </a:extLst>
           </p:cNvPr>
@@ -23920,7 +23955,7 @@
           <p:cNvPr id="2" name="Title 1">
             <a:extLst>
               <a:ext uri="{FF2B5EF4-FFF2-40B4-BE49-F238E27FC236}">
-                <a16:creationId xmlns:a16="http://schemas.microsoft.com/office/drawing/2014/main" id="{D8FA8AC4-DE24-4D2A-ABBE-AF0D5F9C0A88}"/>
+                <a16:creationId xmlns:a16="http://schemas.microsoft.com/office/drawing/2014/main" id="{DB34D643-7EE7-45B6-8F51-307671C8887C}"/>
               </a:ext>
             </a:extLst>
           </p:cNvPr>
@@ -23933,8 +23968,8 @@
         </p:nvSpPr>
         <p:spPr>
           <a:xfrm>
-            <a:off x="771525" y="138055"/>
-            <a:ext cx="8372475" cy="403225"/>
+            <a:off x="650136" y="119103"/>
+            <a:ext cx="8372475" cy="404812"/>
           </a:xfrm>
         </p:spPr>
         <p:txBody>
@@ -23942,107 +23977,220 @@
           <a:lstStyle/>
           <a:p>
             <a:r>
-              <a:rPr lang="en-US" dirty="0"/>
-              <a:t>Model/Business Benefits</a:t>
-            </a:r>
+              <a:rPr lang="en-US" sz="2400" dirty="0">
+                <a:solidFill>
+                  <a:srgbClr val="3D97BB"/>
+                </a:solidFill>
+                <a:ea typeface="ＭＳ Ｐゴシック"/>
+                <a:cs typeface="ＭＳ Ｐゴシック"/>
+              </a:rPr>
+              <a:t>Modeling Approach/Methodology</a:t>
+            </a:r>
+            <a:endParaRPr lang="en-US" sz="2400" dirty="0"/>
           </a:p>
         </p:txBody>
       </p:sp>
       <p:sp>
         <p:nvSpPr>
-          <p:cNvPr id="5" name="TextBox 4">
+          <p:cNvPr id="5" name="Rectangle 4">
             <a:extLst>
               <a:ext uri="{FF2B5EF4-FFF2-40B4-BE49-F238E27FC236}">
-                <a16:creationId xmlns:a16="http://schemas.microsoft.com/office/drawing/2014/main" id="{85BD0189-FFDD-4D57-9709-CF06141B4931}"/>
+                <a16:creationId xmlns:a16="http://schemas.microsoft.com/office/drawing/2014/main" id="{527DF60B-A9E6-49A9-AF0A-E2BE627A9B87}"/>
               </a:ext>
             </a:extLst>
           </p:cNvPr>
-          <p:cNvSpPr txBox="1"/>
+          <p:cNvSpPr/>
           <p:nvPr/>
         </p:nvSpPr>
         <p:spPr>
           <a:xfrm>
-            <a:off x="310896" y="750085"/>
-            <a:ext cx="7499497" cy="2308324"/>
+            <a:off x="539496" y="694313"/>
+            <a:ext cx="7931994" cy="3754874"/>
           </a:xfrm>
           <a:prstGeom prst="rect">
             <a:avLst/>
           </a:prstGeom>
-          <a:noFill/>
         </p:spPr>
         <p:txBody>
-          <a:bodyPr wrap="square" rtlCol="0">
+          <a:bodyPr wrap="square">
             <a:spAutoFit/>
           </a:bodyPr>
           <a:lstStyle/>
           <a:p>
-            <a:pPr marL="285750" indent="-285750">
-              <a:buFontTx/>
-              <a:buChar char="-"/>
+            <a:pPr defTabSz="677296"/>
+            <a:r>
+              <a:rPr lang="en-US" sz="1700" b="1" u="sng" dirty="0">
+                <a:solidFill>
+                  <a:prstClr val="black"/>
+                </a:solidFill>
+                <a:latin typeface="Calibri"/>
+              </a:rPr>
+              <a:t>Objective:</a:t>
+            </a:r>
+            <a:r>
+              <a:rPr lang="en-US" sz="1700" b="1" dirty="0">
+                <a:solidFill>
+                  <a:prstClr val="black"/>
+                </a:solidFill>
+                <a:latin typeface="Calibri"/>
+              </a:rPr>
+              <a:t>  </a:t>
+            </a:r>
+            <a:r>
+              <a:rPr lang="en-US" sz="1700" dirty="0">
+                <a:solidFill>
+                  <a:prstClr val="black"/>
+                </a:solidFill>
+                <a:latin typeface="Calibri"/>
+              </a:rPr>
+              <a:t>Estimate the probability of sale of the Asset by assigning scores to each</a:t>
+            </a:r>
+          </a:p>
+          <a:p>
+            <a:pPr defTabSz="677296"/>
+            <a:r>
+              <a:rPr lang="en-US" sz="1700" dirty="0">
+                <a:solidFill>
+                  <a:prstClr val="black"/>
+                </a:solidFill>
+                <a:latin typeface="Calibri"/>
+              </a:rPr>
+              <a:t>attribute as impact – the combined output becomes the Asset Score</a:t>
+            </a:r>
+          </a:p>
+          <a:p>
+            <a:pPr defTabSz="677296"/>
+            <a:endParaRPr lang="en-US" sz="1700" dirty="0">
+              <a:solidFill>
+                <a:prstClr val="black"/>
+              </a:solidFill>
+              <a:latin typeface="Calibri"/>
+            </a:endParaRPr>
+          </a:p>
+          <a:p>
+            <a:pPr defTabSz="677296"/>
+            <a:r>
+              <a:rPr lang="en-US" sz="1700" b="1" u="sng" dirty="0">
+                <a:solidFill>
+                  <a:prstClr val="black"/>
+                </a:solidFill>
+                <a:latin typeface="Calibri"/>
+              </a:rPr>
+              <a:t>Approach/Methodology:</a:t>
+            </a:r>
+            <a:endParaRPr lang="en-US" sz="1700" dirty="0">
+              <a:solidFill>
+                <a:prstClr val="black"/>
+              </a:solidFill>
+              <a:latin typeface="Calibri"/>
+            </a:endParaRPr>
+          </a:p>
+          <a:p>
+            <a:pPr marL="253986" indent="-253986" defTabSz="677296">
+              <a:buFont typeface="Arial" panose="020B0604020202020204" pitchFamily="34" charset="0"/>
+              <a:buChar char="•"/>
             </a:pPr>
             <a:r>
-              <a:rPr lang="en-US" dirty="0">
+              <a:rPr lang="en-US" sz="1700" dirty="0">
                 <a:solidFill>
-                  <a:schemeClr val="tx2"/>
+                  <a:prstClr val="black"/>
                 </a:solidFill>
+                <a:latin typeface="Calibri"/>
               </a:rPr>
-              <a:t>Based on the model probabilities/ score will determine the properties that can be sold in the market within 90 days of listing</a:t>
-            </a:r>
-          </a:p>
-          <a:p>
-            <a:pPr marL="285750" indent="-285750">
-              <a:buFontTx/>
-              <a:buChar char="-"/>
+              <a:t>Initially assume that only property characteristic will be determinants of the </a:t>
+            </a:r>
+          </a:p>
+          <a:p>
+            <a:pPr defTabSz="677296"/>
+            <a:r>
+              <a:rPr lang="en-US" sz="1700" dirty="0">
+                <a:solidFill>
+                  <a:prstClr val="black"/>
+                </a:solidFill>
+                <a:latin typeface="Calibri"/>
+              </a:rPr>
+              <a:t>probability of sale, such as # of bedrooms, Age,  # of bathrooms,  Built Area </a:t>
+            </a:r>
+          </a:p>
+          <a:p>
+            <a:pPr defTabSz="677296"/>
+            <a:r>
+              <a:rPr lang="en-US" sz="1700" dirty="0">
+                <a:solidFill>
+                  <a:prstClr val="black"/>
+                </a:solidFill>
+                <a:latin typeface="Calibri"/>
+              </a:rPr>
+              <a:t>(Sq. footage), lot area etc.  - expand as validation/iterations occur</a:t>
+            </a:r>
+          </a:p>
+          <a:p>
+            <a:pPr marL="253986" indent="-253986" defTabSz="677296">
+              <a:buFont typeface="Arial" panose="020B0604020202020204" pitchFamily="34" charset="0"/>
+              <a:buChar char="•"/>
             </a:pPr>
             <a:r>
-              <a:rPr lang="en-US" dirty="0">
+              <a:rPr lang="en-US" sz="1700" dirty="0">
                 <a:solidFill>
-                  <a:schemeClr val="tx2"/>
+                  <a:prstClr val="black"/>
                 </a:solidFill>
+                <a:latin typeface="Calibri"/>
               </a:rPr>
-              <a:t>Rank ordering the properties based on the score and targeting the hot properties based on the list</a:t>
-            </a:r>
-          </a:p>
-          <a:p>
-            <a:pPr marL="285750" indent="-285750">
-              <a:buFontTx/>
-              <a:buChar char="-"/>
+              <a:t>Assign points to Property characteristics in order to derive a numerical value that </a:t>
+            </a:r>
+          </a:p>
+          <a:p>
+            <a:pPr defTabSz="677296"/>
+            <a:r>
+              <a:rPr lang="en-US" sz="1700" dirty="0">
+                <a:solidFill>
+                  <a:prstClr val="black"/>
+                </a:solidFill>
+                <a:latin typeface="Calibri"/>
+              </a:rPr>
+              <a:t>reflects the probability of a sale</a:t>
+            </a:r>
+          </a:p>
+          <a:p>
+            <a:pPr marL="253986" indent="-253986" defTabSz="677296">
+              <a:buFont typeface="Arial" panose="020B0604020202020204" pitchFamily="34" charset="0"/>
+              <a:buChar char="•"/>
             </a:pPr>
             <a:r>
-              <a:rPr lang="en-US" dirty="0">
+              <a:rPr lang="en-US" sz="1700" dirty="0">
                 <a:solidFill>
-                  <a:schemeClr val="tx2"/>
+                  <a:prstClr val="black"/>
                 </a:solidFill>
+                <a:latin typeface="Calibri"/>
               </a:rPr>
-              <a:t>Reducing the manual review, saving $$ in the entire recycle process</a:t>
-            </a:r>
-          </a:p>
-          <a:p>
-            <a:pPr marL="285750" indent="-285750">
-              <a:buFontTx/>
-              <a:buChar char="-"/>
+              <a:t>The score is estimated using a regression model, with the regression coefficients mathematically transformed into Points</a:t>
+            </a:r>
+          </a:p>
+          <a:p>
+            <a:pPr marL="253986" indent="-253986" defTabSz="677296">
+              <a:buFont typeface="Arial" panose="020B0604020202020204" pitchFamily="34" charset="0"/>
+              <a:buChar char="•"/>
             </a:pPr>
             <a:r>
-              <a:rPr lang="en-US" dirty="0">
+              <a:rPr lang="en-US" sz="1700" dirty="0">
                 <a:solidFill>
-                  <a:schemeClr val="tx2"/>
+                  <a:prstClr val="black"/>
                 </a:solidFill>
+                <a:latin typeface="Calibri"/>
               </a:rPr>
-              <a:t>Quick sale of properties, reduces valuation cost, pressure of holding the properties for longer duration.</a:t>
-            </a:r>
-          </a:p>
-          <a:p>
-            <a:pPr marL="285750" indent="-285750">
-              <a:buFontTx/>
-              <a:buChar char="-"/>
-            </a:pPr>
-            <a:r>
-              <a:rPr lang="en-US" dirty="0">
+              <a:t>The pre-modeling stage provides the data preparation, derive new characteristics</a:t>
+            </a:r>
+          </a:p>
+          <a:p>
+            <a:pPr defTabSz="677296"/>
+            <a:r>
+              <a:rPr lang="en-US" sz="1700" dirty="0">
                 <a:solidFill>
-                  <a:schemeClr val="tx2"/>
+                  <a:prstClr val="black"/>
                 </a:solidFill>
+                <a:latin typeface="Calibri"/>
               </a:rPr>
-              <a:t>Overcoming the repetitive process </a:t>
+              <a:t> such as ratios, interaction terms, attributes and critical characteristic using Weight of evidence (WOE) and Information value (IV)</a:t>
             </a:r>
           </a:p>
         </p:txBody>
@@ -24050,7 +24198,7 @@
     </p:spTree>
     <p:extLst>
       <p:ext uri="{BB962C8B-B14F-4D97-AF65-F5344CB8AC3E}">
-        <p14:creationId xmlns:p14="http://schemas.microsoft.com/office/powerpoint/2010/main" val="67611266"/>
+        <p14:creationId xmlns:p14="http://schemas.microsoft.com/office/powerpoint/2010/main" val="1380573063"/>
       </p:ext>
     </p:extLst>
   </p:cSld>
@@ -24125,311 +24273,6 @@
         </p:nvSpPr>
         <p:spPr>
           <a:xfrm>
-            <a:off x="650136" y="119103"/>
-            <a:ext cx="8372475" cy="404812"/>
-          </a:xfrm>
-        </p:spPr>
-        <p:txBody>
-          <a:bodyPr/>
-          <a:lstStyle/>
-          <a:p>
-            <a:r>
-              <a:rPr lang="en-US" sz="2400" dirty="0">
-                <a:solidFill>
-                  <a:srgbClr val="3D97BB"/>
-                </a:solidFill>
-                <a:ea typeface="ＭＳ Ｐゴシック"/>
-                <a:cs typeface="ＭＳ Ｐゴシック"/>
-              </a:rPr>
-              <a:t>Modeling Approach/Methodology</a:t>
-            </a:r>
-            <a:endParaRPr lang="en-US" sz="2400" dirty="0"/>
-          </a:p>
-        </p:txBody>
-      </p:sp>
-      <p:sp>
-        <p:nvSpPr>
-          <p:cNvPr id="5" name="Rectangle 4">
-            <a:extLst>
-              <a:ext uri="{FF2B5EF4-FFF2-40B4-BE49-F238E27FC236}">
-                <a16:creationId xmlns:a16="http://schemas.microsoft.com/office/drawing/2014/main" id="{527DF60B-A9E6-49A9-AF0A-E2BE627A9B87}"/>
-              </a:ext>
-            </a:extLst>
-          </p:cNvPr>
-          <p:cNvSpPr/>
-          <p:nvPr/>
-        </p:nvSpPr>
-        <p:spPr>
-          <a:xfrm>
-            <a:off x="539496" y="694313"/>
-            <a:ext cx="7931994" cy="3754874"/>
-          </a:xfrm>
-          <a:prstGeom prst="rect">
-            <a:avLst/>
-          </a:prstGeom>
-        </p:spPr>
-        <p:txBody>
-          <a:bodyPr wrap="square">
-            <a:spAutoFit/>
-          </a:bodyPr>
-          <a:lstStyle/>
-          <a:p>
-            <a:pPr defTabSz="677296"/>
-            <a:r>
-              <a:rPr lang="en-US" sz="1700" b="1" u="sng" dirty="0">
-                <a:solidFill>
-                  <a:prstClr val="black"/>
-                </a:solidFill>
-                <a:latin typeface="Calibri"/>
-              </a:rPr>
-              <a:t>Objective:</a:t>
-            </a:r>
-            <a:r>
-              <a:rPr lang="en-US" sz="1700" b="1" dirty="0">
-                <a:solidFill>
-                  <a:prstClr val="black"/>
-                </a:solidFill>
-                <a:latin typeface="Calibri"/>
-              </a:rPr>
-              <a:t>  </a:t>
-            </a:r>
-            <a:r>
-              <a:rPr lang="en-US" sz="1700" dirty="0">
-                <a:solidFill>
-                  <a:prstClr val="black"/>
-                </a:solidFill>
-                <a:latin typeface="Calibri"/>
-              </a:rPr>
-              <a:t>Estimate the probability of sale of the Asset by assigning scores to each</a:t>
-            </a:r>
-          </a:p>
-          <a:p>
-            <a:pPr defTabSz="677296"/>
-            <a:r>
-              <a:rPr lang="en-US" sz="1700" dirty="0">
-                <a:solidFill>
-                  <a:prstClr val="black"/>
-                </a:solidFill>
-                <a:latin typeface="Calibri"/>
-              </a:rPr>
-              <a:t>attribute as impact – the combined output becomes the Asset Score</a:t>
-            </a:r>
-          </a:p>
-          <a:p>
-            <a:pPr defTabSz="677296"/>
-            <a:endParaRPr lang="en-US" sz="1700" dirty="0">
-              <a:solidFill>
-                <a:prstClr val="black"/>
-              </a:solidFill>
-              <a:latin typeface="Calibri"/>
-            </a:endParaRPr>
-          </a:p>
-          <a:p>
-            <a:pPr defTabSz="677296"/>
-            <a:r>
-              <a:rPr lang="en-US" sz="1700" b="1" u="sng" dirty="0">
-                <a:solidFill>
-                  <a:prstClr val="black"/>
-                </a:solidFill>
-                <a:latin typeface="Calibri"/>
-              </a:rPr>
-              <a:t>Approach/Methodology:</a:t>
-            </a:r>
-            <a:endParaRPr lang="en-US" sz="1700" dirty="0">
-              <a:solidFill>
-                <a:prstClr val="black"/>
-              </a:solidFill>
-              <a:latin typeface="Calibri"/>
-            </a:endParaRPr>
-          </a:p>
-          <a:p>
-            <a:pPr marL="253986" indent="-253986" defTabSz="677296">
-              <a:buFont typeface="Arial" panose="020B0604020202020204" pitchFamily="34" charset="0"/>
-              <a:buChar char="•"/>
-            </a:pPr>
-            <a:r>
-              <a:rPr lang="en-US" sz="1700" dirty="0">
-                <a:solidFill>
-                  <a:prstClr val="black"/>
-                </a:solidFill>
-                <a:latin typeface="Calibri"/>
-              </a:rPr>
-              <a:t>Initially assume that only property characteristic will be determinants of the </a:t>
-            </a:r>
-          </a:p>
-          <a:p>
-            <a:pPr defTabSz="677296"/>
-            <a:r>
-              <a:rPr lang="en-US" sz="1700" dirty="0">
-                <a:solidFill>
-                  <a:prstClr val="black"/>
-                </a:solidFill>
-                <a:latin typeface="Calibri"/>
-              </a:rPr>
-              <a:t>probability of sale, such as # of bedrooms, Age,  # of bathrooms,  Built Area </a:t>
-            </a:r>
-          </a:p>
-          <a:p>
-            <a:pPr defTabSz="677296"/>
-            <a:r>
-              <a:rPr lang="en-US" sz="1700" dirty="0">
-                <a:solidFill>
-                  <a:prstClr val="black"/>
-                </a:solidFill>
-                <a:latin typeface="Calibri"/>
-              </a:rPr>
-              <a:t>(Sq. footage), lot area etc.  - expand as validation/iterations occur</a:t>
-            </a:r>
-          </a:p>
-          <a:p>
-            <a:pPr marL="253986" indent="-253986" defTabSz="677296">
-              <a:buFont typeface="Arial" panose="020B0604020202020204" pitchFamily="34" charset="0"/>
-              <a:buChar char="•"/>
-            </a:pPr>
-            <a:r>
-              <a:rPr lang="en-US" sz="1700" dirty="0">
-                <a:solidFill>
-                  <a:prstClr val="black"/>
-                </a:solidFill>
-                <a:latin typeface="Calibri"/>
-              </a:rPr>
-              <a:t>Assign points to Property characteristics in order to derive a numerical value that </a:t>
-            </a:r>
-          </a:p>
-          <a:p>
-            <a:pPr defTabSz="677296"/>
-            <a:r>
-              <a:rPr lang="en-US" sz="1700" dirty="0">
-                <a:solidFill>
-                  <a:prstClr val="black"/>
-                </a:solidFill>
-                <a:latin typeface="Calibri"/>
-              </a:rPr>
-              <a:t>reflects the probability of a sale</a:t>
-            </a:r>
-          </a:p>
-          <a:p>
-            <a:pPr marL="253986" indent="-253986" defTabSz="677296">
-              <a:buFont typeface="Arial" panose="020B0604020202020204" pitchFamily="34" charset="0"/>
-              <a:buChar char="•"/>
-            </a:pPr>
-            <a:r>
-              <a:rPr lang="en-US" sz="1700" dirty="0">
-                <a:solidFill>
-                  <a:prstClr val="black"/>
-                </a:solidFill>
-                <a:latin typeface="Calibri"/>
-              </a:rPr>
-              <a:t>The score is estimated using a regression model, with the regression coefficients mathematically transformed into Points</a:t>
-            </a:r>
-          </a:p>
-          <a:p>
-            <a:pPr marL="253986" indent="-253986" defTabSz="677296">
-              <a:buFont typeface="Arial" panose="020B0604020202020204" pitchFamily="34" charset="0"/>
-              <a:buChar char="•"/>
-            </a:pPr>
-            <a:r>
-              <a:rPr lang="en-US" sz="1700" dirty="0">
-                <a:solidFill>
-                  <a:prstClr val="black"/>
-                </a:solidFill>
-                <a:latin typeface="Calibri"/>
-              </a:rPr>
-              <a:t>The pre-modeling stage provides the data preparation, derive new characteristics</a:t>
-            </a:r>
-          </a:p>
-          <a:p>
-            <a:pPr defTabSz="677296"/>
-            <a:r>
-              <a:rPr lang="en-US" sz="1700" dirty="0">
-                <a:solidFill>
-                  <a:prstClr val="black"/>
-                </a:solidFill>
-                <a:latin typeface="Calibri"/>
-              </a:rPr>
-              <a:t> such as ratios, interaction terms, attributes and critical characteristic using Weight of evidence (WOE) and Information value (IV)</a:t>
-            </a:r>
-          </a:p>
-        </p:txBody>
-      </p:sp>
-    </p:spTree>
-    <p:extLst>
-      <p:ext uri="{BB962C8B-B14F-4D97-AF65-F5344CB8AC3E}">
-        <p14:creationId xmlns:p14="http://schemas.microsoft.com/office/powerpoint/2010/main" val="1380573063"/>
-      </p:ext>
-    </p:extLst>
-  </p:cSld>
-  <p:clrMapOvr>
-    <a:masterClrMapping/>
-  </p:clrMapOvr>
-</p:sld>
-</file>
-
-<file path=ppt/slides/slide6.xml><?xml version="1.0" encoding="utf-8"?>
-<p:sld xmlns:a="http://schemas.openxmlformats.org/drawingml/2006/main" xmlns:r="http://schemas.openxmlformats.org/officeDocument/2006/relationships" xmlns:p="http://schemas.openxmlformats.org/presentationml/2006/main">
-  <p:cSld>
-    <p:spTree>
-      <p:nvGrpSpPr>
-        <p:cNvPr id="1" name=""/>
-        <p:cNvGrpSpPr/>
-        <p:nvPr/>
-      </p:nvGrpSpPr>
-      <p:grpSpPr>
-        <a:xfrm>
-          <a:off x="0" y="0"/>
-          <a:ext cx="0" cy="0"/>
-          <a:chOff x="0" y="0"/>
-          <a:chExt cx="0" cy="0"/>
-        </a:xfrm>
-      </p:grpSpPr>
-      <p:sp>
-        <p:nvSpPr>
-          <p:cNvPr id="3" name="Slide Number Placeholder 2">
-            <a:extLst>
-              <a:ext uri="{FF2B5EF4-FFF2-40B4-BE49-F238E27FC236}">
-                <a16:creationId xmlns:a16="http://schemas.microsoft.com/office/drawing/2014/main" id="{8EF4C459-7BED-4C09-BCD9-F51C7D6C01E4}"/>
-              </a:ext>
-            </a:extLst>
-          </p:cNvPr>
-          <p:cNvSpPr>
-            <a:spLocks noGrp="1"/>
-          </p:cNvSpPr>
-          <p:nvPr>
-            <p:ph type="sldNum" sz="quarter" idx="16"/>
-          </p:nvPr>
-        </p:nvSpPr>
-        <p:spPr/>
-        <p:txBody>
-          <a:bodyPr/>
-          <a:lstStyle/>
-          <a:p>
-            <a:fld id="{B32AB80A-78BA-6B42-BA0D-B44ACF890F5A}" type="slidenum">
-              <a:rPr lang="en-US" smtClean="0"/>
-              <a:pPr/>
-              <a:t>6</a:t>
-            </a:fld>
-            <a:endParaRPr lang="en-US" dirty="0"/>
-          </a:p>
-        </p:txBody>
-      </p:sp>
-      <p:sp>
-        <p:nvSpPr>
-          <p:cNvPr id="2" name="Title 1">
-            <a:extLst>
-              <a:ext uri="{FF2B5EF4-FFF2-40B4-BE49-F238E27FC236}">
-                <a16:creationId xmlns:a16="http://schemas.microsoft.com/office/drawing/2014/main" id="{DB34D643-7EE7-45B6-8F51-307671C8887C}"/>
-              </a:ext>
-            </a:extLst>
-          </p:cNvPr>
-          <p:cNvSpPr>
-            <a:spLocks noGrp="1"/>
-          </p:cNvSpPr>
-          <p:nvPr>
-            <p:ph type="title" idx="4294967295"/>
-          </p:nvPr>
-        </p:nvSpPr>
-        <p:spPr>
-          <a:xfrm>
             <a:off x="771525" y="148471"/>
             <a:ext cx="8372475" cy="404812"/>
           </a:xfrm>
@@ -24556,25 +24399,7 @@
                 </a:solidFill>
                 <a:latin typeface="Calibri"/>
               </a:rPr>
-              <a:t>Different iteration models will be done and based of several Metrics - AIC, Concordance and </a:t>
-            </a:r>
-            <a:r>
-              <a:rPr lang="en-US" dirty="0" err="1">
-                <a:solidFill>
-                  <a:prstClr val="black"/>
-                </a:solidFill>
-                <a:latin typeface="Calibri"/>
-              </a:rPr>
-              <a:t>Disconcordance</a:t>
-            </a:r>
-            <a:r>
-              <a:rPr lang="en-US" dirty="0">
-                <a:solidFill>
-                  <a:prstClr val="black"/>
-                </a:solidFill>
-                <a:latin typeface="Calibri"/>
-              </a:rPr>
-              <a:t>, Divergence and KS stats we will choose the best model.</a:t>
+              <a:t>Different iteration models will be done and based of several Metrics - AIC, Concordance and Disconcordance, Divergence and KS stats we will choose the best model.</a:t>
             </a:r>
           </a:p>
           <a:p>
@@ -24641,7 +24466,7 @@
 </p:sld>
 </file>
 
-<file path=ppt/slides/slide7.xml><?xml version="1.0" encoding="utf-8"?>
+<file path=ppt/slides/slide6.xml><?xml version="1.0" encoding="utf-8"?>
 <p:sld xmlns:a="http://schemas.openxmlformats.org/drawingml/2006/main" xmlns:r="http://schemas.openxmlformats.org/officeDocument/2006/relationships" xmlns:p="http://schemas.openxmlformats.org/presentationml/2006/main">
   <p:cSld>
     <p:spTree>
@@ -24711,7 +24536,2824 @@
             <a:fld id="{2EFEF571-C9B4-4D92-A7F7-315B894862A8}" type="slidenum">
               <a:rPr lang="en-US" smtClean="0"/>
               <a:pPr/>
+              <a:t>6</a:t>
+            </a:fld>
+            <a:endParaRPr lang="en-US" dirty="0"/>
+          </a:p>
+        </p:txBody>
+      </p:sp>
+      <p:sp>
+        <p:nvSpPr>
+          <p:cNvPr id="6" name="Rectangle 5">
+            <a:extLst>
+              <a:ext uri="{FF2B5EF4-FFF2-40B4-BE49-F238E27FC236}">
+                <a16:creationId xmlns:a16="http://schemas.microsoft.com/office/drawing/2014/main" id="{DAE706AA-4D6C-4948-B05A-1E306DB6FD61}"/>
+              </a:ext>
+            </a:extLst>
+          </p:cNvPr>
+          <p:cNvSpPr/>
+          <p:nvPr/>
+        </p:nvSpPr>
+        <p:spPr>
+          <a:xfrm>
+            <a:off x="531106" y="112067"/>
+            <a:ext cx="4625355" cy="461665"/>
+          </a:xfrm>
+          <a:prstGeom prst="rect">
+            <a:avLst/>
+          </a:prstGeom>
+          <a:noFill/>
+        </p:spPr>
+        <p:txBody>
+          <a:bodyPr wrap="square" lIns="91440" tIns="45720" rIns="91440" bIns="45720">
+            <a:spAutoFit/>
+          </a:bodyPr>
+          <a:lstStyle/>
+          <a:p>
+            <a:pPr algn="ctr"/>
+            <a:r>
+              <a:rPr lang="en-US" sz="2400" b="0" cap="none" spc="0" dirty="0">
+                <a:ln w="0"/>
+                <a:solidFill>
+                  <a:schemeClr val="tx1"/>
+                </a:solidFill>
+                <a:effectLst>
+                  <a:outerShdw blurRad="38100" dist="19050" dir="2700000" algn="tl" rotWithShape="0">
+                    <a:schemeClr val="dk1">
+                      <a:alpha val="40000"/>
+                    </a:schemeClr>
+                  </a:outerShdw>
+                </a:effectLst>
+              </a:rPr>
+              <a:t>WOE for Independent variables</a:t>
+            </a:r>
+          </a:p>
+        </p:txBody>
+      </p:sp>
+      <p:pic>
+        <p:nvPicPr>
+          <p:cNvPr id="7" name="Picture 6">
+            <a:extLst>
+              <a:ext uri="{FF2B5EF4-FFF2-40B4-BE49-F238E27FC236}">
+                <a16:creationId xmlns:a16="http://schemas.microsoft.com/office/drawing/2014/main" id="{C72135FA-05CC-4447-ABDE-5C8F761F6397}"/>
+              </a:ext>
+            </a:extLst>
+          </p:cNvPr>
+          <p:cNvPicPr>
+            <a:picLocks noChangeAspect="1"/>
+          </p:cNvPicPr>
+          <p:nvPr/>
+        </p:nvPicPr>
+        <p:blipFill>
+          <a:blip r:embed="rId2"/>
+          <a:stretch>
+            <a:fillRect/>
+          </a:stretch>
+        </p:blipFill>
+        <p:spPr>
+          <a:xfrm>
+            <a:off x="121185" y="743919"/>
+            <a:ext cx="8895971" cy="3872148"/>
+          </a:xfrm>
+          <a:prstGeom prst="rect">
+            <a:avLst/>
+          </a:prstGeom>
+        </p:spPr>
+      </p:pic>
+    </p:spTree>
+    <p:extLst>
+      <p:ext uri="{BB962C8B-B14F-4D97-AF65-F5344CB8AC3E}">
+        <p14:creationId xmlns:p14="http://schemas.microsoft.com/office/powerpoint/2010/main" val="2339871926"/>
+      </p:ext>
+    </p:extLst>
+  </p:cSld>
+  <p:clrMapOvr>
+    <a:masterClrMapping/>
+  </p:clrMapOvr>
+</p:sld>
+</file>
+
+<file path=ppt/slides/slide7.xml><?xml version="1.0" encoding="utf-8"?>
+<p:sld xmlns:a="http://schemas.openxmlformats.org/drawingml/2006/main" xmlns:r="http://schemas.openxmlformats.org/officeDocument/2006/relationships" xmlns:p="http://schemas.openxmlformats.org/presentationml/2006/main">
+  <p:cSld>
+    <p:spTree>
+      <p:nvGrpSpPr>
+        <p:cNvPr id="1" name=""/>
+        <p:cNvGrpSpPr/>
+        <p:nvPr/>
+      </p:nvGrpSpPr>
+      <p:grpSpPr>
+        <a:xfrm>
+          <a:off x="0" y="0"/>
+          <a:ext cx="0" cy="0"/>
+          <a:chOff x="0" y="0"/>
+          <a:chExt cx="0" cy="0"/>
+        </a:xfrm>
+      </p:grpSpPr>
+      <p:sp>
+        <p:nvSpPr>
+          <p:cNvPr id="3" name="Footer Placeholder 2">
+            <a:extLst>
+              <a:ext uri="{FF2B5EF4-FFF2-40B4-BE49-F238E27FC236}">
+                <a16:creationId xmlns:a16="http://schemas.microsoft.com/office/drawing/2014/main" id="{1A25B53B-1D90-4E20-8F93-9739BB3F57BD}"/>
+              </a:ext>
+            </a:extLst>
+          </p:cNvPr>
+          <p:cNvSpPr>
+            <a:spLocks noGrp="1"/>
+          </p:cNvSpPr>
+          <p:nvPr>
+            <p:ph type="ftr" sz="quarter" idx="15"/>
+          </p:nvPr>
+        </p:nvSpPr>
+        <p:spPr/>
+        <p:txBody>
+          <a:bodyPr/>
+          <a:lstStyle/>
+          <a:p>
+            <a:r>
+              <a:rPr lang="en-US"/>
+              <a:t>© 2018 Cognizant</a:t>
+            </a:r>
+            <a:endParaRPr lang="en-US" dirty="0"/>
+          </a:p>
+        </p:txBody>
+      </p:sp>
+      <p:sp>
+        <p:nvSpPr>
+          <p:cNvPr id="4" name="Slide Number Placeholder 3">
+            <a:extLst>
+              <a:ext uri="{FF2B5EF4-FFF2-40B4-BE49-F238E27FC236}">
+                <a16:creationId xmlns:a16="http://schemas.microsoft.com/office/drawing/2014/main" id="{85BC6D9A-570F-4545-AB70-9D8E1FF1B1B5}"/>
+              </a:ext>
+            </a:extLst>
+          </p:cNvPr>
+          <p:cNvSpPr>
+            <a:spLocks noGrp="1"/>
+          </p:cNvSpPr>
+          <p:nvPr>
+            <p:ph type="sldNum" sz="quarter" idx="16"/>
+          </p:nvPr>
+        </p:nvSpPr>
+        <p:spPr/>
+        <p:txBody>
+          <a:bodyPr/>
+          <a:lstStyle/>
+          <a:p>
+            <a:fld id="{2EFEF571-C9B4-4D92-A7F7-315B894862A8}" type="slidenum">
+              <a:rPr lang="en-US" smtClean="0"/>
+              <a:pPr/>
               <a:t>7</a:t>
+            </a:fld>
+            <a:endParaRPr lang="en-US" dirty="0"/>
+          </a:p>
+        </p:txBody>
+      </p:sp>
+      <p:graphicFrame>
+        <p:nvGraphicFramePr>
+          <p:cNvPr id="5" name="Table 4">
+            <a:extLst>
+              <a:ext uri="{FF2B5EF4-FFF2-40B4-BE49-F238E27FC236}">
+                <a16:creationId xmlns:a16="http://schemas.microsoft.com/office/drawing/2014/main" id="{1D6FF720-7758-49D7-8A51-74A1DB1DD079}"/>
+              </a:ext>
+            </a:extLst>
+          </p:cNvPr>
+          <p:cNvGraphicFramePr>
+            <a:graphicFrameLocks noGrp="1"/>
+          </p:cNvGraphicFramePr>
+          <p:nvPr>
+            <p:extLst>
+              <p:ext uri="{D42A27DB-BD31-4B8C-83A1-F6EECF244321}">
+                <p14:modId xmlns:p14="http://schemas.microsoft.com/office/powerpoint/2010/main" val="2946474913"/>
+              </p:ext>
+            </p:extLst>
+          </p:nvPr>
+        </p:nvGraphicFramePr>
+        <p:xfrm>
+          <a:off x="539496" y="683045"/>
+          <a:ext cx="7998576" cy="3922002"/>
+        </p:xfrm>
+        <a:graphic>
+          <a:graphicData uri="http://schemas.openxmlformats.org/drawingml/2006/table">
+            <a:tbl>
+              <a:tblPr>
+                <a:tableStyleId>{5C22544A-7EE6-4342-B048-85BDC9FD1C3A}</a:tableStyleId>
+              </a:tblPr>
+              <a:tblGrid>
+                <a:gridCol w="3950317">
+                  <a:extLst>
+                    <a:ext uri="{9D8B030D-6E8A-4147-A177-3AD203B41FA5}">
+                      <a16:colId xmlns:a16="http://schemas.microsoft.com/office/drawing/2014/main" val="3225224579"/>
+                    </a:ext>
+                  </a:extLst>
+                </a:gridCol>
+                <a:gridCol w="914123">
+                  <a:extLst>
+                    <a:ext uri="{9D8B030D-6E8A-4147-A177-3AD203B41FA5}">
+                      <a16:colId xmlns:a16="http://schemas.microsoft.com/office/drawing/2014/main" val="248907411"/>
+                    </a:ext>
+                  </a:extLst>
+                </a:gridCol>
+                <a:gridCol w="914123">
+                  <a:extLst>
+                    <a:ext uri="{9D8B030D-6E8A-4147-A177-3AD203B41FA5}">
+                      <a16:colId xmlns:a16="http://schemas.microsoft.com/office/drawing/2014/main" val="2666793328"/>
+                    </a:ext>
+                  </a:extLst>
+                </a:gridCol>
+                <a:gridCol w="669269">
+                  <a:extLst>
+                    <a:ext uri="{9D8B030D-6E8A-4147-A177-3AD203B41FA5}">
+                      <a16:colId xmlns:a16="http://schemas.microsoft.com/office/drawing/2014/main" val="42170597"/>
+                    </a:ext>
+                  </a:extLst>
+                </a:gridCol>
+                <a:gridCol w="767210">
+                  <a:extLst>
+                    <a:ext uri="{9D8B030D-6E8A-4147-A177-3AD203B41FA5}">
+                      <a16:colId xmlns:a16="http://schemas.microsoft.com/office/drawing/2014/main" val="3683190005"/>
+                    </a:ext>
+                  </a:extLst>
+                </a:gridCol>
+                <a:gridCol w="783534">
+                  <a:extLst>
+                    <a:ext uri="{9D8B030D-6E8A-4147-A177-3AD203B41FA5}">
+                      <a16:colId xmlns:a16="http://schemas.microsoft.com/office/drawing/2014/main" val="527565173"/>
+                    </a:ext>
+                  </a:extLst>
+                </a:gridCol>
+              </a:tblGrid>
+              <a:tr h="230706">
+                <a:tc>
+                  <a:txBody>
+                    <a:bodyPr/>
+                    <a:lstStyle/>
+                    <a:p>
+                      <a:pPr algn="l" fontAlgn="b"/>
+                      <a:r>
+                        <a:rPr lang="en-US" sz="1100" u="none" strike="noStrike">
+                          <a:effectLst/>
+                        </a:rPr>
+                        <a:t>Coefficients:</a:t>
+                      </a:r>
+                      <a:endParaRPr lang="en-US" sz="1100" b="0" i="0" u="none" strike="noStrike">
+                        <a:solidFill>
+                          <a:srgbClr val="000000"/>
+                        </a:solidFill>
+                        <a:effectLst/>
+                        <a:latin typeface="Calibri" panose="020F0502020204030204" pitchFamily="34" charset="0"/>
+                      </a:endParaRPr>
+                    </a:p>
+                  </a:txBody>
+                  <a:tcPr marL="9525" marR="9525" marT="9525" marB="0" anchor="b"/>
+                </a:tc>
+                <a:tc>
+                  <a:txBody>
+                    <a:bodyPr/>
+                    <a:lstStyle/>
+                    <a:p>
+                      <a:pPr algn="l" fontAlgn="b"/>
+                      <a:endParaRPr lang="en-US" sz="1100" b="0" i="0" u="none" strike="noStrike">
+                        <a:solidFill>
+                          <a:srgbClr val="000000"/>
+                        </a:solidFill>
+                        <a:effectLst/>
+                        <a:latin typeface="Calibri" panose="020F0502020204030204" pitchFamily="34" charset="0"/>
+                      </a:endParaRPr>
+                    </a:p>
+                  </a:txBody>
+                  <a:tcPr marL="9525" marR="9525" marT="9525" marB="0" anchor="b"/>
+                </a:tc>
+                <a:tc>
+                  <a:txBody>
+                    <a:bodyPr/>
+                    <a:lstStyle/>
+                    <a:p>
+                      <a:pPr algn="l" fontAlgn="b"/>
+                      <a:endParaRPr lang="en-US" sz="1100" b="0" i="0" u="none" strike="noStrike">
+                        <a:solidFill>
+                          <a:srgbClr val="000000"/>
+                        </a:solidFill>
+                        <a:effectLst/>
+                        <a:latin typeface="Calibri" panose="020F0502020204030204" pitchFamily="34" charset="0"/>
+                      </a:endParaRPr>
+                    </a:p>
+                  </a:txBody>
+                  <a:tcPr marL="9525" marR="9525" marT="9525" marB="0" anchor="b"/>
+                </a:tc>
+                <a:tc>
+                  <a:txBody>
+                    <a:bodyPr/>
+                    <a:lstStyle/>
+                    <a:p>
+                      <a:pPr algn="l" fontAlgn="b"/>
+                      <a:endParaRPr lang="en-US" sz="1100" b="0" i="0" u="none" strike="noStrike">
+                        <a:solidFill>
+                          <a:srgbClr val="000000"/>
+                        </a:solidFill>
+                        <a:effectLst/>
+                        <a:latin typeface="Calibri" panose="020F0502020204030204" pitchFamily="34" charset="0"/>
+                      </a:endParaRPr>
+                    </a:p>
+                  </a:txBody>
+                  <a:tcPr marL="9525" marR="9525" marT="9525" marB="0" anchor="b"/>
+                </a:tc>
+                <a:tc>
+                  <a:txBody>
+                    <a:bodyPr/>
+                    <a:lstStyle/>
+                    <a:p>
+                      <a:pPr algn="l" fontAlgn="b"/>
+                      <a:endParaRPr lang="en-US" sz="1100" b="0" i="0" u="none" strike="noStrike">
+                        <a:solidFill>
+                          <a:srgbClr val="000000"/>
+                        </a:solidFill>
+                        <a:effectLst/>
+                        <a:latin typeface="Calibri" panose="020F0502020204030204" pitchFamily="34" charset="0"/>
+                      </a:endParaRPr>
+                    </a:p>
+                  </a:txBody>
+                  <a:tcPr marL="9525" marR="9525" marT="9525" marB="0" anchor="b"/>
+                </a:tc>
+                <a:tc>
+                  <a:txBody>
+                    <a:bodyPr/>
+                    <a:lstStyle/>
+                    <a:p>
+                      <a:pPr algn="l" fontAlgn="b"/>
+                      <a:endParaRPr lang="en-US" sz="1100" b="0" i="0" u="none" strike="noStrike">
+                        <a:solidFill>
+                          <a:srgbClr val="000000"/>
+                        </a:solidFill>
+                        <a:effectLst/>
+                        <a:latin typeface="Calibri" panose="020F0502020204030204" pitchFamily="34" charset="0"/>
+                      </a:endParaRPr>
+                    </a:p>
+                  </a:txBody>
+                  <a:tcPr marL="9525" marR="9525" marT="9525" marB="0" anchor="b"/>
+                </a:tc>
+                <a:extLst>
+                  <a:ext uri="{0D108BD9-81ED-4DB2-BD59-A6C34878D82A}">
+                    <a16:rowId xmlns:a16="http://schemas.microsoft.com/office/drawing/2014/main" val="1564115610"/>
+                  </a:ext>
+                </a:extLst>
+              </a:tr>
+              <a:tr h="230706">
+                <a:tc>
+                  <a:txBody>
+                    <a:bodyPr/>
+                    <a:lstStyle/>
+                    <a:p>
+                      <a:pPr algn="l" fontAlgn="b"/>
+                      <a:r>
+                        <a:rPr lang="en-US" sz="1100" u="none" strike="noStrike">
+                          <a:effectLst/>
+                        </a:rPr>
+                        <a:t> </a:t>
+                      </a:r>
+                      <a:endParaRPr lang="en-US" sz="1100" b="0" i="0" u="none" strike="noStrike">
+                        <a:solidFill>
+                          <a:srgbClr val="000000"/>
+                        </a:solidFill>
+                        <a:effectLst/>
+                        <a:latin typeface="Calibri" panose="020F0502020204030204" pitchFamily="34" charset="0"/>
+                      </a:endParaRPr>
+                    </a:p>
+                  </a:txBody>
+                  <a:tcPr marL="9525" marR="9525" marT="9525" marB="0" anchor="b"/>
+                </a:tc>
+                <a:tc>
+                  <a:txBody>
+                    <a:bodyPr/>
+                    <a:lstStyle/>
+                    <a:p>
+                      <a:pPr algn="l" fontAlgn="b"/>
+                      <a:r>
+                        <a:rPr lang="en-US" sz="1100" u="none" strike="noStrike">
+                          <a:effectLst/>
+                        </a:rPr>
+                        <a:t>Estimate</a:t>
+                      </a:r>
+                      <a:endParaRPr lang="en-US" sz="1100" b="1" i="0" u="none" strike="noStrike">
+                        <a:solidFill>
+                          <a:srgbClr val="000000"/>
+                        </a:solidFill>
+                        <a:effectLst/>
+                        <a:latin typeface="Calibri" panose="020F0502020204030204" pitchFamily="34" charset="0"/>
+                      </a:endParaRPr>
+                    </a:p>
+                  </a:txBody>
+                  <a:tcPr marL="9525" marR="9525" marT="9525" marB="0" anchor="b"/>
+                </a:tc>
+                <a:tc>
+                  <a:txBody>
+                    <a:bodyPr/>
+                    <a:lstStyle/>
+                    <a:p>
+                      <a:pPr algn="l" fontAlgn="b"/>
+                      <a:r>
+                        <a:rPr lang="en-US" sz="1100" u="none" strike="noStrike">
+                          <a:effectLst/>
+                        </a:rPr>
+                        <a:t>Std. Error</a:t>
+                      </a:r>
+                      <a:endParaRPr lang="en-US" sz="1100" b="1" i="0" u="none" strike="noStrike">
+                        <a:solidFill>
+                          <a:srgbClr val="000000"/>
+                        </a:solidFill>
+                        <a:effectLst/>
+                        <a:latin typeface="Calibri" panose="020F0502020204030204" pitchFamily="34" charset="0"/>
+                      </a:endParaRPr>
+                    </a:p>
+                  </a:txBody>
+                  <a:tcPr marL="9525" marR="9525" marT="9525" marB="0" anchor="b"/>
+                </a:tc>
+                <a:tc>
+                  <a:txBody>
+                    <a:bodyPr/>
+                    <a:lstStyle/>
+                    <a:p>
+                      <a:pPr algn="l" fontAlgn="b"/>
+                      <a:r>
+                        <a:rPr lang="en-US" sz="1100" u="none" strike="noStrike">
+                          <a:effectLst/>
+                        </a:rPr>
+                        <a:t>Z value</a:t>
+                      </a:r>
+                      <a:endParaRPr lang="en-US" sz="1100" b="1" i="0" u="none" strike="noStrike">
+                        <a:solidFill>
+                          <a:srgbClr val="000000"/>
+                        </a:solidFill>
+                        <a:effectLst/>
+                        <a:latin typeface="Calibri" panose="020F0502020204030204" pitchFamily="34" charset="0"/>
+                      </a:endParaRPr>
+                    </a:p>
+                  </a:txBody>
+                  <a:tcPr marL="9525" marR="9525" marT="9525" marB="0" anchor="b"/>
+                </a:tc>
+                <a:tc>
+                  <a:txBody>
+                    <a:bodyPr/>
+                    <a:lstStyle/>
+                    <a:p>
+                      <a:pPr algn="l" fontAlgn="b"/>
+                      <a:r>
+                        <a:rPr lang="en-US" sz="1100" u="none" strike="noStrike">
+                          <a:effectLst/>
+                        </a:rPr>
+                        <a:t>Pr(&gt;|z|)</a:t>
+                      </a:r>
+                      <a:endParaRPr lang="en-US" sz="1100" b="1" i="0" u="none" strike="noStrike">
+                        <a:solidFill>
+                          <a:srgbClr val="000000"/>
+                        </a:solidFill>
+                        <a:effectLst/>
+                        <a:latin typeface="Calibri" panose="020F0502020204030204" pitchFamily="34" charset="0"/>
+                      </a:endParaRPr>
+                    </a:p>
+                  </a:txBody>
+                  <a:tcPr marL="9525" marR="9525" marT="9525" marB="0" anchor="b"/>
+                </a:tc>
+                <a:tc>
+                  <a:txBody>
+                    <a:bodyPr/>
+                    <a:lstStyle/>
+                    <a:p>
+                      <a:pPr algn="l" fontAlgn="b"/>
+                      <a:r>
+                        <a:rPr lang="en-US" sz="1100" u="none" strike="noStrike">
+                          <a:effectLst/>
+                        </a:rPr>
+                        <a:t> </a:t>
+                      </a:r>
+                      <a:endParaRPr lang="en-US" sz="1100" b="0" i="0" u="none" strike="noStrike">
+                        <a:solidFill>
+                          <a:srgbClr val="000000"/>
+                        </a:solidFill>
+                        <a:effectLst/>
+                        <a:latin typeface="Calibri" panose="020F0502020204030204" pitchFamily="34" charset="0"/>
+                      </a:endParaRPr>
+                    </a:p>
+                  </a:txBody>
+                  <a:tcPr marL="9525" marR="9525" marT="9525" marB="0" anchor="b"/>
+                </a:tc>
+                <a:extLst>
+                  <a:ext uri="{0D108BD9-81ED-4DB2-BD59-A6C34878D82A}">
+                    <a16:rowId xmlns:a16="http://schemas.microsoft.com/office/drawing/2014/main" val="4243087674"/>
+                  </a:ext>
+                </a:extLst>
+              </a:tr>
+              <a:tr h="230706">
+                <a:tc>
+                  <a:txBody>
+                    <a:bodyPr/>
+                    <a:lstStyle/>
+                    <a:p>
+                      <a:pPr algn="l" fontAlgn="b"/>
+                      <a:r>
+                        <a:rPr lang="en-US" sz="1100" u="none" strike="noStrike">
+                          <a:effectLst/>
+                        </a:rPr>
+                        <a:t>(Intercept)</a:t>
+                      </a:r>
+                      <a:endParaRPr lang="en-US" sz="1100" b="0" i="0" u="none" strike="noStrike">
+                        <a:solidFill>
+                          <a:srgbClr val="000000"/>
+                        </a:solidFill>
+                        <a:effectLst/>
+                        <a:latin typeface="Calibri" panose="020F0502020204030204" pitchFamily="34" charset="0"/>
+                      </a:endParaRPr>
+                    </a:p>
+                  </a:txBody>
+                  <a:tcPr marL="9525" marR="9525" marT="9525" marB="0" anchor="b"/>
+                </a:tc>
+                <a:tc>
+                  <a:txBody>
+                    <a:bodyPr/>
+                    <a:lstStyle/>
+                    <a:p>
+                      <a:pPr algn="r" fontAlgn="b"/>
+                      <a:r>
+                        <a:rPr lang="en-US" sz="1100" u="none" strike="noStrike">
+                          <a:effectLst/>
+                        </a:rPr>
+                        <a:t>0.32524</a:t>
+                      </a:r>
+                      <a:endParaRPr lang="en-US" sz="1100" b="0" i="0" u="none" strike="noStrike">
+                        <a:solidFill>
+                          <a:srgbClr val="000000"/>
+                        </a:solidFill>
+                        <a:effectLst/>
+                        <a:latin typeface="Calibri" panose="020F0502020204030204" pitchFamily="34" charset="0"/>
+                      </a:endParaRPr>
+                    </a:p>
+                  </a:txBody>
+                  <a:tcPr marL="9525" marR="9525" marT="9525" marB="0" anchor="b"/>
+                </a:tc>
+                <a:tc>
+                  <a:txBody>
+                    <a:bodyPr/>
+                    <a:lstStyle/>
+                    <a:p>
+                      <a:pPr algn="r" fontAlgn="b"/>
+                      <a:r>
+                        <a:rPr lang="en-US" sz="1100" u="none" strike="noStrike">
+                          <a:effectLst/>
+                        </a:rPr>
+                        <a:t>0.01869</a:t>
+                      </a:r>
+                      <a:endParaRPr lang="en-US" sz="1100" b="0" i="0" u="none" strike="noStrike">
+                        <a:solidFill>
+                          <a:srgbClr val="000000"/>
+                        </a:solidFill>
+                        <a:effectLst/>
+                        <a:latin typeface="Calibri" panose="020F0502020204030204" pitchFamily="34" charset="0"/>
+                      </a:endParaRPr>
+                    </a:p>
+                  </a:txBody>
+                  <a:tcPr marL="9525" marR="9525" marT="9525" marB="0" anchor="b"/>
+                </a:tc>
+                <a:tc>
+                  <a:txBody>
+                    <a:bodyPr/>
+                    <a:lstStyle/>
+                    <a:p>
+                      <a:pPr algn="r" fontAlgn="b"/>
+                      <a:r>
+                        <a:rPr lang="en-US" sz="1100" u="none" strike="noStrike">
+                          <a:effectLst/>
+                        </a:rPr>
+                        <a:t>17.401</a:t>
+                      </a:r>
+                      <a:endParaRPr lang="en-US" sz="1100" b="0" i="0" u="none" strike="noStrike">
+                        <a:solidFill>
+                          <a:srgbClr val="000000"/>
+                        </a:solidFill>
+                        <a:effectLst/>
+                        <a:latin typeface="Calibri" panose="020F0502020204030204" pitchFamily="34" charset="0"/>
+                      </a:endParaRPr>
+                    </a:p>
+                  </a:txBody>
+                  <a:tcPr marL="9525" marR="9525" marT="9525" marB="0" anchor="b"/>
+                </a:tc>
+                <a:tc>
+                  <a:txBody>
+                    <a:bodyPr/>
+                    <a:lstStyle/>
+                    <a:p>
+                      <a:pPr algn="r" fontAlgn="b"/>
+                      <a:r>
+                        <a:rPr lang="en-US" sz="1100" u="none" strike="noStrike">
+                          <a:effectLst/>
+                        </a:rPr>
+                        <a:t>2.00E-16</a:t>
+                      </a:r>
+                      <a:endParaRPr lang="en-US" sz="1100" b="0" i="0" u="none" strike="noStrike">
+                        <a:solidFill>
+                          <a:srgbClr val="000000"/>
+                        </a:solidFill>
+                        <a:effectLst/>
+                        <a:latin typeface="Calibri" panose="020F0502020204030204" pitchFamily="34" charset="0"/>
+                      </a:endParaRPr>
+                    </a:p>
+                  </a:txBody>
+                  <a:tcPr marL="9525" marR="9525" marT="9525" marB="0" anchor="b"/>
+                </a:tc>
+                <a:tc>
+                  <a:txBody>
+                    <a:bodyPr/>
+                    <a:lstStyle/>
+                    <a:p>
+                      <a:pPr algn="l" fontAlgn="b"/>
+                      <a:r>
+                        <a:rPr lang="en-US" sz="1100" u="none" strike="noStrike">
+                          <a:effectLst/>
+                        </a:rPr>
+                        <a:t>***</a:t>
+                      </a:r>
+                      <a:endParaRPr lang="en-US" sz="1100" b="0" i="0" u="none" strike="noStrike">
+                        <a:solidFill>
+                          <a:srgbClr val="000000"/>
+                        </a:solidFill>
+                        <a:effectLst/>
+                        <a:latin typeface="Calibri" panose="020F0502020204030204" pitchFamily="34" charset="0"/>
+                      </a:endParaRPr>
+                    </a:p>
+                  </a:txBody>
+                  <a:tcPr marL="9525" marR="9525" marT="9525" marB="0" anchor="b"/>
+                </a:tc>
+                <a:extLst>
+                  <a:ext uri="{0D108BD9-81ED-4DB2-BD59-A6C34878D82A}">
+                    <a16:rowId xmlns:a16="http://schemas.microsoft.com/office/drawing/2014/main" val="4281347892"/>
+                  </a:ext>
+                </a:extLst>
+              </a:tr>
+              <a:tr h="230706">
+                <a:tc>
+                  <a:txBody>
+                    <a:bodyPr/>
+                    <a:lstStyle/>
+                    <a:p>
+                      <a:pPr algn="l" fontAlgn="b"/>
+                      <a:r>
+                        <a:rPr lang="en-US" sz="1100" u="none" strike="noStrike">
+                          <a:effectLst/>
+                        </a:rPr>
+                        <a:t>Occ_St_MEwoe</a:t>
+                      </a:r>
+                      <a:endParaRPr lang="en-US" sz="1100" b="0" i="0" u="none" strike="noStrike">
+                        <a:solidFill>
+                          <a:srgbClr val="000000"/>
+                        </a:solidFill>
+                        <a:effectLst/>
+                        <a:latin typeface="Calibri" panose="020F0502020204030204" pitchFamily="34" charset="0"/>
+                      </a:endParaRPr>
+                    </a:p>
+                  </a:txBody>
+                  <a:tcPr marL="9525" marR="9525" marT="9525" marB="0" anchor="b"/>
+                </a:tc>
+                <a:tc>
+                  <a:txBody>
+                    <a:bodyPr/>
+                    <a:lstStyle/>
+                    <a:p>
+                      <a:pPr algn="r" fontAlgn="b"/>
+                      <a:r>
+                        <a:rPr lang="en-US" sz="1100" u="none" strike="noStrike">
+                          <a:effectLst/>
+                        </a:rPr>
+                        <a:t>1.26603</a:t>
+                      </a:r>
+                      <a:endParaRPr lang="en-US" sz="1100" b="0" i="0" u="none" strike="noStrike">
+                        <a:solidFill>
+                          <a:srgbClr val="000000"/>
+                        </a:solidFill>
+                        <a:effectLst/>
+                        <a:latin typeface="Calibri" panose="020F0502020204030204" pitchFamily="34" charset="0"/>
+                      </a:endParaRPr>
+                    </a:p>
+                  </a:txBody>
+                  <a:tcPr marL="9525" marR="9525" marT="9525" marB="0" anchor="b"/>
+                </a:tc>
+                <a:tc>
+                  <a:txBody>
+                    <a:bodyPr/>
+                    <a:lstStyle/>
+                    <a:p>
+                      <a:pPr algn="r" fontAlgn="b"/>
+                      <a:r>
+                        <a:rPr lang="en-US" sz="1100" u="none" strike="noStrike">
+                          <a:effectLst/>
+                        </a:rPr>
+                        <a:t>0.12899</a:t>
+                      </a:r>
+                      <a:endParaRPr lang="en-US" sz="1100" b="0" i="0" u="none" strike="noStrike">
+                        <a:solidFill>
+                          <a:srgbClr val="000000"/>
+                        </a:solidFill>
+                        <a:effectLst/>
+                        <a:latin typeface="Calibri" panose="020F0502020204030204" pitchFamily="34" charset="0"/>
+                      </a:endParaRPr>
+                    </a:p>
+                  </a:txBody>
+                  <a:tcPr marL="9525" marR="9525" marT="9525" marB="0" anchor="b"/>
+                </a:tc>
+                <a:tc>
+                  <a:txBody>
+                    <a:bodyPr/>
+                    <a:lstStyle/>
+                    <a:p>
+                      <a:pPr algn="r" fontAlgn="b"/>
+                      <a:r>
+                        <a:rPr lang="en-US" sz="1100" u="none" strike="noStrike">
+                          <a:effectLst/>
+                        </a:rPr>
+                        <a:t>9.815</a:t>
+                      </a:r>
+                      <a:endParaRPr lang="en-US" sz="1100" b="0" i="0" u="none" strike="noStrike">
+                        <a:solidFill>
+                          <a:srgbClr val="000000"/>
+                        </a:solidFill>
+                        <a:effectLst/>
+                        <a:latin typeface="Calibri" panose="020F0502020204030204" pitchFamily="34" charset="0"/>
+                      </a:endParaRPr>
+                    </a:p>
+                  </a:txBody>
+                  <a:tcPr marL="9525" marR="9525" marT="9525" marB="0" anchor="b"/>
+                </a:tc>
+                <a:tc>
+                  <a:txBody>
+                    <a:bodyPr/>
+                    <a:lstStyle/>
+                    <a:p>
+                      <a:pPr algn="r" fontAlgn="b"/>
+                      <a:r>
+                        <a:rPr lang="en-US" sz="1100" u="none" strike="noStrike">
+                          <a:effectLst/>
+                        </a:rPr>
+                        <a:t>2.00E-16</a:t>
+                      </a:r>
+                      <a:endParaRPr lang="en-US" sz="1100" b="0" i="0" u="none" strike="noStrike">
+                        <a:solidFill>
+                          <a:srgbClr val="000000"/>
+                        </a:solidFill>
+                        <a:effectLst/>
+                        <a:latin typeface="Calibri" panose="020F0502020204030204" pitchFamily="34" charset="0"/>
+                      </a:endParaRPr>
+                    </a:p>
+                  </a:txBody>
+                  <a:tcPr marL="9525" marR="9525" marT="9525" marB="0" anchor="b"/>
+                </a:tc>
+                <a:tc>
+                  <a:txBody>
+                    <a:bodyPr/>
+                    <a:lstStyle/>
+                    <a:p>
+                      <a:pPr algn="l" fontAlgn="b"/>
+                      <a:r>
+                        <a:rPr lang="en-US" sz="1100" u="none" strike="noStrike">
+                          <a:effectLst/>
+                        </a:rPr>
+                        <a:t>***</a:t>
+                      </a:r>
+                      <a:endParaRPr lang="en-US" sz="1100" b="0" i="0" u="none" strike="noStrike">
+                        <a:solidFill>
+                          <a:srgbClr val="000000"/>
+                        </a:solidFill>
+                        <a:effectLst/>
+                        <a:latin typeface="Calibri" panose="020F0502020204030204" pitchFamily="34" charset="0"/>
+                      </a:endParaRPr>
+                    </a:p>
+                  </a:txBody>
+                  <a:tcPr marL="9525" marR="9525" marT="9525" marB="0" anchor="b"/>
+                </a:tc>
+                <a:extLst>
+                  <a:ext uri="{0D108BD9-81ED-4DB2-BD59-A6C34878D82A}">
+                    <a16:rowId xmlns:a16="http://schemas.microsoft.com/office/drawing/2014/main" val="3977451825"/>
+                  </a:ext>
+                </a:extLst>
+              </a:tr>
+              <a:tr h="230706">
+                <a:tc>
+                  <a:txBody>
+                    <a:bodyPr/>
+                    <a:lstStyle/>
+                    <a:p>
+                      <a:pPr algn="l" fontAlgn="b"/>
+                      <a:r>
+                        <a:rPr lang="en-US" sz="1100" u="none" strike="noStrike">
+                          <a:effectLst/>
+                        </a:rPr>
+                        <a:t>price_drift_binwoe</a:t>
+                      </a:r>
+                      <a:endParaRPr lang="en-US" sz="1100" b="0" i="0" u="none" strike="noStrike">
+                        <a:solidFill>
+                          <a:srgbClr val="000000"/>
+                        </a:solidFill>
+                        <a:effectLst/>
+                        <a:latin typeface="Calibri" panose="020F0502020204030204" pitchFamily="34" charset="0"/>
+                      </a:endParaRPr>
+                    </a:p>
+                  </a:txBody>
+                  <a:tcPr marL="9525" marR="9525" marT="9525" marB="0" anchor="b"/>
+                </a:tc>
+                <a:tc>
+                  <a:txBody>
+                    <a:bodyPr/>
+                    <a:lstStyle/>
+                    <a:p>
+                      <a:pPr algn="r" fontAlgn="b"/>
+                      <a:r>
+                        <a:rPr lang="en-US" sz="1100" u="none" strike="noStrike">
+                          <a:effectLst/>
+                        </a:rPr>
+                        <a:t>0.77849</a:t>
+                      </a:r>
+                      <a:endParaRPr lang="en-US" sz="1100" b="0" i="0" u="none" strike="noStrike">
+                        <a:solidFill>
+                          <a:srgbClr val="000000"/>
+                        </a:solidFill>
+                        <a:effectLst/>
+                        <a:latin typeface="Calibri" panose="020F0502020204030204" pitchFamily="34" charset="0"/>
+                      </a:endParaRPr>
+                    </a:p>
+                  </a:txBody>
+                  <a:tcPr marL="9525" marR="9525" marT="9525" marB="0" anchor="b"/>
+                </a:tc>
+                <a:tc>
+                  <a:txBody>
+                    <a:bodyPr/>
+                    <a:lstStyle/>
+                    <a:p>
+                      <a:pPr algn="r" fontAlgn="b"/>
+                      <a:r>
+                        <a:rPr lang="en-US" sz="1100" u="none" strike="noStrike">
+                          <a:effectLst/>
+                        </a:rPr>
+                        <a:t>0.10047</a:t>
+                      </a:r>
+                      <a:endParaRPr lang="en-US" sz="1100" b="0" i="0" u="none" strike="noStrike">
+                        <a:solidFill>
+                          <a:srgbClr val="000000"/>
+                        </a:solidFill>
+                        <a:effectLst/>
+                        <a:latin typeface="Calibri" panose="020F0502020204030204" pitchFamily="34" charset="0"/>
+                      </a:endParaRPr>
+                    </a:p>
+                  </a:txBody>
+                  <a:tcPr marL="9525" marR="9525" marT="9525" marB="0" anchor="b"/>
+                </a:tc>
+                <a:tc>
+                  <a:txBody>
+                    <a:bodyPr/>
+                    <a:lstStyle/>
+                    <a:p>
+                      <a:pPr algn="r" fontAlgn="b"/>
+                      <a:r>
+                        <a:rPr lang="en-US" sz="1100" u="none" strike="noStrike">
+                          <a:effectLst/>
+                        </a:rPr>
+                        <a:t>7.748</a:t>
+                      </a:r>
+                      <a:endParaRPr lang="en-US" sz="1100" b="0" i="0" u="none" strike="noStrike">
+                        <a:solidFill>
+                          <a:srgbClr val="000000"/>
+                        </a:solidFill>
+                        <a:effectLst/>
+                        <a:latin typeface="Calibri" panose="020F0502020204030204" pitchFamily="34" charset="0"/>
+                      </a:endParaRPr>
+                    </a:p>
+                  </a:txBody>
+                  <a:tcPr marL="9525" marR="9525" marT="9525" marB="0" anchor="b"/>
+                </a:tc>
+                <a:tc>
+                  <a:txBody>
+                    <a:bodyPr/>
+                    <a:lstStyle/>
+                    <a:p>
+                      <a:pPr algn="r" fontAlgn="b"/>
+                      <a:r>
+                        <a:rPr lang="en-US" sz="1100" u="none" strike="noStrike">
+                          <a:effectLst/>
+                        </a:rPr>
+                        <a:t>9.31E-15</a:t>
+                      </a:r>
+                      <a:endParaRPr lang="en-US" sz="1100" b="0" i="0" u="none" strike="noStrike">
+                        <a:solidFill>
+                          <a:srgbClr val="000000"/>
+                        </a:solidFill>
+                        <a:effectLst/>
+                        <a:latin typeface="Calibri" panose="020F0502020204030204" pitchFamily="34" charset="0"/>
+                      </a:endParaRPr>
+                    </a:p>
+                  </a:txBody>
+                  <a:tcPr marL="9525" marR="9525" marT="9525" marB="0" anchor="b"/>
+                </a:tc>
+                <a:tc>
+                  <a:txBody>
+                    <a:bodyPr/>
+                    <a:lstStyle/>
+                    <a:p>
+                      <a:pPr algn="l" fontAlgn="b"/>
+                      <a:r>
+                        <a:rPr lang="en-US" sz="1100" u="none" strike="noStrike">
+                          <a:effectLst/>
+                        </a:rPr>
+                        <a:t>***</a:t>
+                      </a:r>
+                      <a:endParaRPr lang="en-US" sz="1100" b="0" i="0" u="none" strike="noStrike">
+                        <a:solidFill>
+                          <a:srgbClr val="000000"/>
+                        </a:solidFill>
+                        <a:effectLst/>
+                        <a:latin typeface="Calibri" panose="020F0502020204030204" pitchFamily="34" charset="0"/>
+                      </a:endParaRPr>
+                    </a:p>
+                  </a:txBody>
+                  <a:tcPr marL="9525" marR="9525" marT="9525" marB="0" anchor="b"/>
+                </a:tc>
+                <a:extLst>
+                  <a:ext uri="{0D108BD9-81ED-4DB2-BD59-A6C34878D82A}">
+                    <a16:rowId xmlns:a16="http://schemas.microsoft.com/office/drawing/2014/main" val="4191279418"/>
+                  </a:ext>
+                </a:extLst>
+              </a:tr>
+              <a:tr h="230706">
+                <a:tc>
+                  <a:txBody>
+                    <a:bodyPr/>
+                    <a:lstStyle/>
+                    <a:p>
+                      <a:pPr algn="l" fontAlgn="b"/>
+                      <a:r>
+                        <a:rPr lang="en-US" sz="1100" u="none" strike="noStrike">
+                          <a:effectLst/>
+                        </a:rPr>
+                        <a:t>CURRENT_UPB_binwoe</a:t>
+                      </a:r>
+                      <a:endParaRPr lang="en-US" sz="1100" b="0" i="0" u="none" strike="noStrike">
+                        <a:solidFill>
+                          <a:srgbClr val="000000"/>
+                        </a:solidFill>
+                        <a:effectLst/>
+                        <a:latin typeface="Calibri" panose="020F0502020204030204" pitchFamily="34" charset="0"/>
+                      </a:endParaRPr>
+                    </a:p>
+                  </a:txBody>
+                  <a:tcPr marL="9525" marR="9525" marT="9525" marB="0" anchor="b"/>
+                </a:tc>
+                <a:tc>
+                  <a:txBody>
+                    <a:bodyPr/>
+                    <a:lstStyle/>
+                    <a:p>
+                      <a:pPr algn="r" fontAlgn="b"/>
+                      <a:r>
+                        <a:rPr lang="en-US" sz="1100" u="none" strike="noStrike">
+                          <a:effectLst/>
+                        </a:rPr>
+                        <a:t>0.9107</a:t>
+                      </a:r>
+                      <a:endParaRPr lang="en-US" sz="1100" b="0" i="0" u="none" strike="noStrike">
+                        <a:solidFill>
+                          <a:srgbClr val="000000"/>
+                        </a:solidFill>
+                        <a:effectLst/>
+                        <a:latin typeface="Calibri" panose="020F0502020204030204" pitchFamily="34" charset="0"/>
+                      </a:endParaRPr>
+                    </a:p>
+                  </a:txBody>
+                  <a:tcPr marL="9525" marR="9525" marT="9525" marB="0" anchor="b"/>
+                </a:tc>
+                <a:tc>
+                  <a:txBody>
+                    <a:bodyPr/>
+                    <a:lstStyle/>
+                    <a:p>
+                      <a:pPr algn="r" fontAlgn="b"/>
+                      <a:r>
+                        <a:rPr lang="en-US" sz="1100" u="none" strike="noStrike">
+                          <a:effectLst/>
+                        </a:rPr>
+                        <a:t>0.18656</a:t>
+                      </a:r>
+                      <a:endParaRPr lang="en-US" sz="1100" b="0" i="0" u="none" strike="noStrike">
+                        <a:solidFill>
+                          <a:srgbClr val="000000"/>
+                        </a:solidFill>
+                        <a:effectLst/>
+                        <a:latin typeface="Calibri" panose="020F0502020204030204" pitchFamily="34" charset="0"/>
+                      </a:endParaRPr>
+                    </a:p>
+                  </a:txBody>
+                  <a:tcPr marL="9525" marR="9525" marT="9525" marB="0" anchor="b"/>
+                </a:tc>
+                <a:tc>
+                  <a:txBody>
+                    <a:bodyPr/>
+                    <a:lstStyle/>
+                    <a:p>
+                      <a:pPr algn="r" fontAlgn="b"/>
+                      <a:r>
+                        <a:rPr lang="en-US" sz="1100" u="none" strike="noStrike">
+                          <a:effectLst/>
+                        </a:rPr>
+                        <a:t>4.882</a:t>
+                      </a:r>
+                      <a:endParaRPr lang="en-US" sz="1100" b="0" i="0" u="none" strike="noStrike">
+                        <a:solidFill>
+                          <a:srgbClr val="000000"/>
+                        </a:solidFill>
+                        <a:effectLst/>
+                        <a:latin typeface="Calibri" panose="020F0502020204030204" pitchFamily="34" charset="0"/>
+                      </a:endParaRPr>
+                    </a:p>
+                  </a:txBody>
+                  <a:tcPr marL="9525" marR="9525" marT="9525" marB="0" anchor="b"/>
+                </a:tc>
+                <a:tc>
+                  <a:txBody>
+                    <a:bodyPr/>
+                    <a:lstStyle/>
+                    <a:p>
+                      <a:pPr algn="r" fontAlgn="b"/>
+                      <a:r>
+                        <a:rPr lang="en-US" sz="1100" u="none" strike="noStrike">
+                          <a:effectLst/>
+                        </a:rPr>
+                        <a:t>1.05E-06</a:t>
+                      </a:r>
+                      <a:endParaRPr lang="en-US" sz="1100" b="0" i="0" u="none" strike="noStrike">
+                        <a:solidFill>
+                          <a:srgbClr val="000000"/>
+                        </a:solidFill>
+                        <a:effectLst/>
+                        <a:latin typeface="Calibri" panose="020F0502020204030204" pitchFamily="34" charset="0"/>
+                      </a:endParaRPr>
+                    </a:p>
+                  </a:txBody>
+                  <a:tcPr marL="9525" marR="9525" marT="9525" marB="0" anchor="b"/>
+                </a:tc>
+                <a:tc>
+                  <a:txBody>
+                    <a:bodyPr/>
+                    <a:lstStyle/>
+                    <a:p>
+                      <a:pPr algn="l" fontAlgn="b"/>
+                      <a:r>
+                        <a:rPr lang="en-US" sz="1100" u="none" strike="noStrike">
+                          <a:effectLst/>
+                        </a:rPr>
+                        <a:t>***</a:t>
+                      </a:r>
+                      <a:endParaRPr lang="en-US" sz="1100" b="0" i="0" u="none" strike="noStrike">
+                        <a:solidFill>
+                          <a:srgbClr val="000000"/>
+                        </a:solidFill>
+                        <a:effectLst/>
+                        <a:latin typeface="Calibri" panose="020F0502020204030204" pitchFamily="34" charset="0"/>
+                      </a:endParaRPr>
+                    </a:p>
+                  </a:txBody>
+                  <a:tcPr marL="9525" marR="9525" marT="9525" marB="0" anchor="b"/>
+                </a:tc>
+                <a:extLst>
+                  <a:ext uri="{0D108BD9-81ED-4DB2-BD59-A6C34878D82A}">
+                    <a16:rowId xmlns:a16="http://schemas.microsoft.com/office/drawing/2014/main" val="2041646776"/>
+                  </a:ext>
+                </a:extLst>
+              </a:tr>
+              <a:tr h="230706">
+                <a:tc>
+                  <a:txBody>
+                    <a:bodyPr/>
+                    <a:lstStyle/>
+                    <a:p>
+                      <a:pPr algn="l" fontAlgn="b"/>
+                      <a:r>
+                        <a:rPr lang="en-US" sz="1100" u="none" strike="noStrike">
+                          <a:effectLst/>
+                        </a:rPr>
+                        <a:t>Agent_Prop_Conditionwoe</a:t>
+                      </a:r>
+                      <a:endParaRPr lang="en-US" sz="1100" b="0" i="0" u="none" strike="noStrike">
+                        <a:solidFill>
+                          <a:srgbClr val="000000"/>
+                        </a:solidFill>
+                        <a:effectLst/>
+                        <a:latin typeface="Calibri" panose="020F0502020204030204" pitchFamily="34" charset="0"/>
+                      </a:endParaRPr>
+                    </a:p>
+                  </a:txBody>
+                  <a:tcPr marL="9525" marR="9525" marT="9525" marB="0" anchor="b"/>
+                </a:tc>
+                <a:tc>
+                  <a:txBody>
+                    <a:bodyPr/>
+                    <a:lstStyle/>
+                    <a:p>
+                      <a:pPr algn="r" fontAlgn="b"/>
+                      <a:r>
+                        <a:rPr lang="en-US" sz="1100" u="none" strike="noStrike">
+                          <a:effectLst/>
+                        </a:rPr>
+                        <a:t>1.2855</a:t>
+                      </a:r>
+                      <a:endParaRPr lang="en-US" sz="1100" b="0" i="0" u="none" strike="noStrike">
+                        <a:solidFill>
+                          <a:srgbClr val="000000"/>
+                        </a:solidFill>
+                        <a:effectLst/>
+                        <a:latin typeface="Calibri" panose="020F0502020204030204" pitchFamily="34" charset="0"/>
+                      </a:endParaRPr>
+                    </a:p>
+                  </a:txBody>
+                  <a:tcPr marL="9525" marR="9525" marT="9525" marB="0" anchor="b"/>
+                </a:tc>
+                <a:tc>
+                  <a:txBody>
+                    <a:bodyPr/>
+                    <a:lstStyle/>
+                    <a:p>
+                      <a:pPr algn="r" fontAlgn="b"/>
+                      <a:r>
+                        <a:rPr lang="en-US" sz="1100" u="none" strike="noStrike">
+                          <a:effectLst/>
+                        </a:rPr>
+                        <a:t>0.18478</a:t>
+                      </a:r>
+                      <a:endParaRPr lang="en-US" sz="1100" b="0" i="0" u="none" strike="noStrike">
+                        <a:solidFill>
+                          <a:srgbClr val="000000"/>
+                        </a:solidFill>
+                        <a:effectLst/>
+                        <a:latin typeface="Calibri" panose="020F0502020204030204" pitchFamily="34" charset="0"/>
+                      </a:endParaRPr>
+                    </a:p>
+                  </a:txBody>
+                  <a:tcPr marL="9525" marR="9525" marT="9525" marB="0" anchor="b"/>
+                </a:tc>
+                <a:tc>
+                  <a:txBody>
+                    <a:bodyPr/>
+                    <a:lstStyle/>
+                    <a:p>
+                      <a:pPr algn="r" fontAlgn="b"/>
+                      <a:r>
+                        <a:rPr lang="en-US" sz="1100" u="none" strike="noStrike">
+                          <a:effectLst/>
+                        </a:rPr>
+                        <a:t>6.957</a:t>
+                      </a:r>
+                      <a:endParaRPr lang="en-US" sz="1100" b="0" i="0" u="none" strike="noStrike">
+                        <a:solidFill>
+                          <a:srgbClr val="000000"/>
+                        </a:solidFill>
+                        <a:effectLst/>
+                        <a:latin typeface="Calibri" panose="020F0502020204030204" pitchFamily="34" charset="0"/>
+                      </a:endParaRPr>
+                    </a:p>
+                  </a:txBody>
+                  <a:tcPr marL="9525" marR="9525" marT="9525" marB="0" anchor="b"/>
+                </a:tc>
+                <a:tc>
+                  <a:txBody>
+                    <a:bodyPr/>
+                    <a:lstStyle/>
+                    <a:p>
+                      <a:pPr algn="r" fontAlgn="b"/>
+                      <a:r>
+                        <a:rPr lang="en-US" sz="1100" u="none" strike="noStrike">
+                          <a:effectLst/>
+                        </a:rPr>
+                        <a:t>3.48E-12</a:t>
+                      </a:r>
+                      <a:endParaRPr lang="en-US" sz="1100" b="0" i="0" u="none" strike="noStrike">
+                        <a:solidFill>
+                          <a:srgbClr val="000000"/>
+                        </a:solidFill>
+                        <a:effectLst/>
+                        <a:latin typeface="Calibri" panose="020F0502020204030204" pitchFamily="34" charset="0"/>
+                      </a:endParaRPr>
+                    </a:p>
+                  </a:txBody>
+                  <a:tcPr marL="9525" marR="9525" marT="9525" marB="0" anchor="b"/>
+                </a:tc>
+                <a:tc>
+                  <a:txBody>
+                    <a:bodyPr/>
+                    <a:lstStyle/>
+                    <a:p>
+                      <a:pPr algn="l" fontAlgn="b"/>
+                      <a:r>
+                        <a:rPr lang="en-US" sz="1100" u="none" strike="noStrike">
+                          <a:effectLst/>
+                        </a:rPr>
+                        <a:t>***</a:t>
+                      </a:r>
+                      <a:endParaRPr lang="en-US" sz="1100" b="0" i="0" u="none" strike="noStrike">
+                        <a:solidFill>
+                          <a:srgbClr val="000000"/>
+                        </a:solidFill>
+                        <a:effectLst/>
+                        <a:latin typeface="Calibri" panose="020F0502020204030204" pitchFamily="34" charset="0"/>
+                      </a:endParaRPr>
+                    </a:p>
+                  </a:txBody>
+                  <a:tcPr marL="9525" marR="9525" marT="9525" marB="0" anchor="b"/>
+                </a:tc>
+                <a:extLst>
+                  <a:ext uri="{0D108BD9-81ED-4DB2-BD59-A6C34878D82A}">
+                    <a16:rowId xmlns:a16="http://schemas.microsoft.com/office/drawing/2014/main" val="1912051659"/>
+                  </a:ext>
+                </a:extLst>
+              </a:tr>
+              <a:tr h="230706">
+                <a:tc>
+                  <a:txBody>
+                    <a:bodyPr/>
+                    <a:lstStyle/>
+                    <a:p>
+                      <a:pPr algn="l" fontAlgn="b"/>
+                      <a:r>
+                        <a:rPr lang="en-US" sz="1100" u="none" strike="noStrike">
+                          <a:effectLst/>
+                        </a:rPr>
+                        <a:t>Price_sqft_binwoe</a:t>
+                      </a:r>
+                      <a:endParaRPr lang="en-US" sz="1100" b="0" i="0" u="none" strike="noStrike">
+                        <a:solidFill>
+                          <a:srgbClr val="000000"/>
+                        </a:solidFill>
+                        <a:effectLst/>
+                        <a:latin typeface="Calibri" panose="020F0502020204030204" pitchFamily="34" charset="0"/>
+                      </a:endParaRPr>
+                    </a:p>
+                  </a:txBody>
+                  <a:tcPr marL="9525" marR="9525" marT="9525" marB="0" anchor="b"/>
+                </a:tc>
+                <a:tc>
+                  <a:txBody>
+                    <a:bodyPr/>
+                    <a:lstStyle/>
+                    <a:p>
+                      <a:pPr algn="r" fontAlgn="b"/>
+                      <a:r>
+                        <a:rPr lang="en-US" sz="1100" u="none" strike="noStrike">
+                          <a:effectLst/>
+                        </a:rPr>
+                        <a:t>0.89356</a:t>
+                      </a:r>
+                      <a:endParaRPr lang="en-US" sz="1100" b="0" i="0" u="none" strike="noStrike">
+                        <a:solidFill>
+                          <a:srgbClr val="000000"/>
+                        </a:solidFill>
+                        <a:effectLst/>
+                        <a:latin typeface="Calibri" panose="020F0502020204030204" pitchFamily="34" charset="0"/>
+                      </a:endParaRPr>
+                    </a:p>
+                  </a:txBody>
+                  <a:tcPr marL="9525" marR="9525" marT="9525" marB="0" anchor="b"/>
+                </a:tc>
+                <a:tc>
+                  <a:txBody>
+                    <a:bodyPr/>
+                    <a:lstStyle/>
+                    <a:p>
+                      <a:pPr algn="r" fontAlgn="b"/>
+                      <a:r>
+                        <a:rPr lang="en-US" sz="1100" u="none" strike="noStrike">
+                          <a:effectLst/>
+                        </a:rPr>
+                        <a:t>0.17856</a:t>
+                      </a:r>
+                      <a:endParaRPr lang="en-US" sz="1100" b="0" i="0" u="none" strike="noStrike">
+                        <a:solidFill>
+                          <a:srgbClr val="000000"/>
+                        </a:solidFill>
+                        <a:effectLst/>
+                        <a:latin typeface="Calibri" panose="020F0502020204030204" pitchFamily="34" charset="0"/>
+                      </a:endParaRPr>
+                    </a:p>
+                  </a:txBody>
+                  <a:tcPr marL="9525" marR="9525" marT="9525" marB="0" anchor="b"/>
+                </a:tc>
+                <a:tc>
+                  <a:txBody>
+                    <a:bodyPr/>
+                    <a:lstStyle/>
+                    <a:p>
+                      <a:pPr algn="r" fontAlgn="b"/>
+                      <a:r>
+                        <a:rPr lang="en-US" sz="1100" u="none" strike="noStrike">
+                          <a:effectLst/>
+                        </a:rPr>
+                        <a:t>5.004</a:t>
+                      </a:r>
+                      <a:endParaRPr lang="en-US" sz="1100" b="0" i="0" u="none" strike="noStrike">
+                        <a:solidFill>
+                          <a:srgbClr val="000000"/>
+                        </a:solidFill>
+                        <a:effectLst/>
+                        <a:latin typeface="Calibri" panose="020F0502020204030204" pitchFamily="34" charset="0"/>
+                      </a:endParaRPr>
+                    </a:p>
+                  </a:txBody>
+                  <a:tcPr marL="9525" marR="9525" marT="9525" marB="0" anchor="b"/>
+                </a:tc>
+                <a:tc>
+                  <a:txBody>
+                    <a:bodyPr/>
+                    <a:lstStyle/>
+                    <a:p>
+                      <a:pPr algn="r" fontAlgn="b"/>
+                      <a:r>
+                        <a:rPr lang="en-US" sz="1100" u="none" strike="noStrike">
+                          <a:effectLst/>
+                        </a:rPr>
+                        <a:t>5.61E-07</a:t>
+                      </a:r>
+                      <a:endParaRPr lang="en-US" sz="1100" b="0" i="0" u="none" strike="noStrike">
+                        <a:solidFill>
+                          <a:srgbClr val="000000"/>
+                        </a:solidFill>
+                        <a:effectLst/>
+                        <a:latin typeface="Calibri" panose="020F0502020204030204" pitchFamily="34" charset="0"/>
+                      </a:endParaRPr>
+                    </a:p>
+                  </a:txBody>
+                  <a:tcPr marL="9525" marR="9525" marT="9525" marB="0" anchor="b"/>
+                </a:tc>
+                <a:tc>
+                  <a:txBody>
+                    <a:bodyPr/>
+                    <a:lstStyle/>
+                    <a:p>
+                      <a:pPr algn="l" fontAlgn="b"/>
+                      <a:r>
+                        <a:rPr lang="en-US" sz="1100" u="none" strike="noStrike">
+                          <a:effectLst/>
+                        </a:rPr>
+                        <a:t>***</a:t>
+                      </a:r>
+                      <a:endParaRPr lang="en-US" sz="1100" b="0" i="0" u="none" strike="noStrike">
+                        <a:solidFill>
+                          <a:srgbClr val="000000"/>
+                        </a:solidFill>
+                        <a:effectLst/>
+                        <a:latin typeface="Calibri" panose="020F0502020204030204" pitchFamily="34" charset="0"/>
+                      </a:endParaRPr>
+                    </a:p>
+                  </a:txBody>
+                  <a:tcPr marL="9525" marR="9525" marT="9525" marB="0" anchor="b"/>
+                </a:tc>
+                <a:extLst>
+                  <a:ext uri="{0D108BD9-81ED-4DB2-BD59-A6C34878D82A}">
+                    <a16:rowId xmlns:a16="http://schemas.microsoft.com/office/drawing/2014/main" val="2357638419"/>
+                  </a:ext>
+                </a:extLst>
+              </a:tr>
+              <a:tr h="230706">
+                <a:tc>
+                  <a:txBody>
+                    <a:bodyPr/>
+                    <a:lstStyle/>
+                    <a:p>
+                      <a:pPr algn="l" fontAlgn="b"/>
+                      <a:r>
+                        <a:rPr lang="en-US" sz="1100" u="none" strike="noStrike">
+                          <a:effectLst/>
+                        </a:rPr>
+                        <a:t>Drv_Valuation_Typewoe</a:t>
+                      </a:r>
+                      <a:endParaRPr lang="en-US" sz="1100" b="0" i="0" u="none" strike="noStrike">
+                        <a:solidFill>
+                          <a:srgbClr val="000000"/>
+                        </a:solidFill>
+                        <a:effectLst/>
+                        <a:latin typeface="Calibri" panose="020F0502020204030204" pitchFamily="34" charset="0"/>
+                      </a:endParaRPr>
+                    </a:p>
+                  </a:txBody>
+                  <a:tcPr marL="9525" marR="9525" marT="9525" marB="0" anchor="b"/>
+                </a:tc>
+                <a:tc>
+                  <a:txBody>
+                    <a:bodyPr/>
+                    <a:lstStyle/>
+                    <a:p>
+                      <a:pPr algn="r" fontAlgn="b"/>
+                      <a:r>
+                        <a:rPr lang="en-US" sz="1100" u="none" strike="noStrike">
+                          <a:effectLst/>
+                        </a:rPr>
+                        <a:t>0.92471</a:t>
+                      </a:r>
+                      <a:endParaRPr lang="en-US" sz="1100" b="0" i="0" u="none" strike="noStrike">
+                        <a:solidFill>
+                          <a:srgbClr val="000000"/>
+                        </a:solidFill>
+                        <a:effectLst/>
+                        <a:latin typeface="Calibri" panose="020F0502020204030204" pitchFamily="34" charset="0"/>
+                      </a:endParaRPr>
+                    </a:p>
+                  </a:txBody>
+                  <a:tcPr marL="9525" marR="9525" marT="9525" marB="0" anchor="b"/>
+                </a:tc>
+                <a:tc>
+                  <a:txBody>
+                    <a:bodyPr/>
+                    <a:lstStyle/>
+                    <a:p>
+                      <a:pPr algn="r" fontAlgn="b"/>
+                      <a:r>
+                        <a:rPr lang="en-US" sz="1100" u="none" strike="noStrike">
+                          <a:effectLst/>
+                        </a:rPr>
+                        <a:t>0.02849</a:t>
+                      </a:r>
+                      <a:endParaRPr lang="en-US" sz="1100" b="0" i="0" u="none" strike="noStrike">
+                        <a:solidFill>
+                          <a:srgbClr val="000000"/>
+                        </a:solidFill>
+                        <a:effectLst/>
+                        <a:latin typeface="Calibri" panose="020F0502020204030204" pitchFamily="34" charset="0"/>
+                      </a:endParaRPr>
+                    </a:p>
+                  </a:txBody>
+                  <a:tcPr marL="9525" marR="9525" marT="9525" marB="0" anchor="b"/>
+                </a:tc>
+                <a:tc>
+                  <a:txBody>
+                    <a:bodyPr/>
+                    <a:lstStyle/>
+                    <a:p>
+                      <a:pPr algn="r" fontAlgn="b"/>
+                      <a:r>
+                        <a:rPr lang="en-US" sz="1100" u="none" strike="noStrike">
+                          <a:effectLst/>
+                        </a:rPr>
+                        <a:t>32.453</a:t>
+                      </a:r>
+                      <a:endParaRPr lang="en-US" sz="1100" b="0" i="0" u="none" strike="noStrike">
+                        <a:solidFill>
+                          <a:srgbClr val="000000"/>
+                        </a:solidFill>
+                        <a:effectLst/>
+                        <a:latin typeface="Calibri" panose="020F0502020204030204" pitchFamily="34" charset="0"/>
+                      </a:endParaRPr>
+                    </a:p>
+                  </a:txBody>
+                  <a:tcPr marL="9525" marR="9525" marT="9525" marB="0" anchor="b"/>
+                </a:tc>
+                <a:tc>
+                  <a:txBody>
+                    <a:bodyPr/>
+                    <a:lstStyle/>
+                    <a:p>
+                      <a:pPr algn="r" fontAlgn="b"/>
+                      <a:r>
+                        <a:rPr lang="en-US" sz="1100" u="none" strike="noStrike">
+                          <a:effectLst/>
+                        </a:rPr>
+                        <a:t>2.00E-16</a:t>
+                      </a:r>
+                      <a:endParaRPr lang="en-US" sz="1100" b="0" i="0" u="none" strike="noStrike">
+                        <a:solidFill>
+                          <a:srgbClr val="000000"/>
+                        </a:solidFill>
+                        <a:effectLst/>
+                        <a:latin typeface="Calibri" panose="020F0502020204030204" pitchFamily="34" charset="0"/>
+                      </a:endParaRPr>
+                    </a:p>
+                  </a:txBody>
+                  <a:tcPr marL="9525" marR="9525" marT="9525" marB="0" anchor="b"/>
+                </a:tc>
+                <a:tc>
+                  <a:txBody>
+                    <a:bodyPr/>
+                    <a:lstStyle/>
+                    <a:p>
+                      <a:pPr algn="l" fontAlgn="b"/>
+                      <a:r>
+                        <a:rPr lang="en-US" sz="1100" u="none" strike="noStrike">
+                          <a:effectLst/>
+                        </a:rPr>
+                        <a:t>***</a:t>
+                      </a:r>
+                      <a:endParaRPr lang="en-US" sz="1100" b="0" i="0" u="none" strike="noStrike">
+                        <a:solidFill>
+                          <a:srgbClr val="000000"/>
+                        </a:solidFill>
+                        <a:effectLst/>
+                        <a:latin typeface="Calibri" panose="020F0502020204030204" pitchFamily="34" charset="0"/>
+                      </a:endParaRPr>
+                    </a:p>
+                  </a:txBody>
+                  <a:tcPr marL="9525" marR="9525" marT="9525" marB="0" anchor="b"/>
+                </a:tc>
+                <a:extLst>
+                  <a:ext uri="{0D108BD9-81ED-4DB2-BD59-A6C34878D82A}">
+                    <a16:rowId xmlns:a16="http://schemas.microsoft.com/office/drawing/2014/main" val="3978961575"/>
+                  </a:ext>
+                </a:extLst>
+              </a:tr>
+              <a:tr h="230706">
+                <a:tc>
+                  <a:txBody>
+                    <a:bodyPr/>
+                    <a:lstStyle/>
+                    <a:p>
+                      <a:pPr algn="l" fontAlgn="b"/>
+                      <a:r>
+                        <a:rPr lang="en-US" sz="1100" u="none" strike="noStrike">
+                          <a:effectLst/>
+                        </a:rPr>
+                        <a:t>bath_binwoe</a:t>
+                      </a:r>
+                      <a:endParaRPr lang="en-US" sz="1100" b="0" i="0" u="none" strike="noStrike">
+                        <a:solidFill>
+                          <a:srgbClr val="000000"/>
+                        </a:solidFill>
+                        <a:effectLst/>
+                        <a:latin typeface="Calibri" panose="020F0502020204030204" pitchFamily="34" charset="0"/>
+                      </a:endParaRPr>
+                    </a:p>
+                  </a:txBody>
+                  <a:tcPr marL="9525" marR="9525" marT="9525" marB="0" anchor="b"/>
+                </a:tc>
+                <a:tc>
+                  <a:txBody>
+                    <a:bodyPr/>
+                    <a:lstStyle/>
+                    <a:p>
+                      <a:pPr algn="r" fontAlgn="b"/>
+                      <a:r>
+                        <a:rPr lang="en-US" sz="1100" u="none" strike="noStrike">
+                          <a:effectLst/>
+                        </a:rPr>
+                        <a:t>1.00881</a:t>
+                      </a:r>
+                      <a:endParaRPr lang="en-US" sz="1100" b="0" i="0" u="none" strike="noStrike">
+                        <a:solidFill>
+                          <a:srgbClr val="000000"/>
+                        </a:solidFill>
+                        <a:effectLst/>
+                        <a:latin typeface="Calibri" panose="020F0502020204030204" pitchFamily="34" charset="0"/>
+                      </a:endParaRPr>
+                    </a:p>
+                  </a:txBody>
+                  <a:tcPr marL="9525" marR="9525" marT="9525" marB="0" anchor="b"/>
+                </a:tc>
+                <a:tc>
+                  <a:txBody>
+                    <a:bodyPr/>
+                    <a:lstStyle/>
+                    <a:p>
+                      <a:pPr algn="r" fontAlgn="b"/>
+                      <a:r>
+                        <a:rPr lang="en-US" sz="1100" u="none" strike="noStrike">
+                          <a:effectLst/>
+                        </a:rPr>
+                        <a:t>0.12188</a:t>
+                      </a:r>
+                      <a:endParaRPr lang="en-US" sz="1100" b="0" i="0" u="none" strike="noStrike">
+                        <a:solidFill>
+                          <a:srgbClr val="000000"/>
+                        </a:solidFill>
+                        <a:effectLst/>
+                        <a:latin typeface="Calibri" panose="020F0502020204030204" pitchFamily="34" charset="0"/>
+                      </a:endParaRPr>
+                    </a:p>
+                  </a:txBody>
+                  <a:tcPr marL="9525" marR="9525" marT="9525" marB="0" anchor="b"/>
+                </a:tc>
+                <a:tc>
+                  <a:txBody>
+                    <a:bodyPr/>
+                    <a:lstStyle/>
+                    <a:p>
+                      <a:pPr algn="r" fontAlgn="b"/>
+                      <a:r>
+                        <a:rPr lang="en-US" sz="1100" u="none" strike="noStrike">
+                          <a:effectLst/>
+                        </a:rPr>
+                        <a:t>8.277</a:t>
+                      </a:r>
+                      <a:endParaRPr lang="en-US" sz="1100" b="0" i="0" u="none" strike="noStrike">
+                        <a:solidFill>
+                          <a:srgbClr val="000000"/>
+                        </a:solidFill>
+                        <a:effectLst/>
+                        <a:latin typeface="Calibri" panose="020F0502020204030204" pitchFamily="34" charset="0"/>
+                      </a:endParaRPr>
+                    </a:p>
+                  </a:txBody>
+                  <a:tcPr marL="9525" marR="9525" marT="9525" marB="0" anchor="b"/>
+                </a:tc>
+                <a:tc>
+                  <a:txBody>
+                    <a:bodyPr/>
+                    <a:lstStyle/>
+                    <a:p>
+                      <a:pPr algn="r" fontAlgn="b"/>
+                      <a:r>
+                        <a:rPr lang="en-US" sz="1100" u="none" strike="noStrike">
+                          <a:effectLst/>
+                        </a:rPr>
+                        <a:t>2.00E-16</a:t>
+                      </a:r>
+                      <a:endParaRPr lang="en-US" sz="1100" b="0" i="0" u="none" strike="noStrike">
+                        <a:solidFill>
+                          <a:srgbClr val="000000"/>
+                        </a:solidFill>
+                        <a:effectLst/>
+                        <a:latin typeface="Calibri" panose="020F0502020204030204" pitchFamily="34" charset="0"/>
+                      </a:endParaRPr>
+                    </a:p>
+                  </a:txBody>
+                  <a:tcPr marL="9525" marR="9525" marT="9525" marB="0" anchor="b"/>
+                </a:tc>
+                <a:tc>
+                  <a:txBody>
+                    <a:bodyPr/>
+                    <a:lstStyle/>
+                    <a:p>
+                      <a:pPr algn="l" fontAlgn="b"/>
+                      <a:r>
+                        <a:rPr lang="en-US" sz="1100" u="none" strike="noStrike">
+                          <a:effectLst/>
+                        </a:rPr>
+                        <a:t>***</a:t>
+                      </a:r>
+                      <a:endParaRPr lang="en-US" sz="1100" b="0" i="0" u="none" strike="noStrike">
+                        <a:solidFill>
+                          <a:srgbClr val="000000"/>
+                        </a:solidFill>
+                        <a:effectLst/>
+                        <a:latin typeface="Calibri" panose="020F0502020204030204" pitchFamily="34" charset="0"/>
+                      </a:endParaRPr>
+                    </a:p>
+                  </a:txBody>
+                  <a:tcPr marL="9525" marR="9525" marT="9525" marB="0" anchor="b"/>
+                </a:tc>
+                <a:extLst>
+                  <a:ext uri="{0D108BD9-81ED-4DB2-BD59-A6C34878D82A}">
+                    <a16:rowId xmlns:a16="http://schemas.microsoft.com/office/drawing/2014/main" val="1950880925"/>
+                  </a:ext>
+                </a:extLst>
+              </a:tr>
+              <a:tr h="230706">
+                <a:tc>
+                  <a:txBody>
+                    <a:bodyPr/>
+                    <a:lstStyle/>
+                    <a:p>
+                      <a:pPr algn="l" fontAlgn="b"/>
+                      <a:r>
+                        <a:rPr lang="en-US" sz="1100" u="none" strike="noStrike">
+                          <a:effectLst/>
+                        </a:rPr>
+                        <a:t>State1woe</a:t>
+                      </a:r>
+                      <a:endParaRPr lang="en-US" sz="1100" b="0" i="0" u="none" strike="noStrike">
+                        <a:solidFill>
+                          <a:srgbClr val="000000"/>
+                        </a:solidFill>
+                        <a:effectLst/>
+                        <a:latin typeface="Calibri" panose="020F0502020204030204" pitchFamily="34" charset="0"/>
+                      </a:endParaRPr>
+                    </a:p>
+                  </a:txBody>
+                  <a:tcPr marL="9525" marR="9525" marT="9525" marB="0" anchor="b"/>
+                </a:tc>
+                <a:tc>
+                  <a:txBody>
+                    <a:bodyPr/>
+                    <a:lstStyle/>
+                    <a:p>
+                      <a:pPr algn="r" fontAlgn="b"/>
+                      <a:r>
+                        <a:rPr lang="en-US" sz="1100" u="none" strike="noStrike">
+                          <a:effectLst/>
+                        </a:rPr>
+                        <a:t>0.97382</a:t>
+                      </a:r>
+                      <a:endParaRPr lang="en-US" sz="1100" b="0" i="0" u="none" strike="noStrike">
+                        <a:solidFill>
+                          <a:srgbClr val="000000"/>
+                        </a:solidFill>
+                        <a:effectLst/>
+                        <a:latin typeface="Calibri" panose="020F0502020204030204" pitchFamily="34" charset="0"/>
+                      </a:endParaRPr>
+                    </a:p>
+                  </a:txBody>
+                  <a:tcPr marL="9525" marR="9525" marT="9525" marB="0" anchor="b"/>
+                </a:tc>
+                <a:tc>
+                  <a:txBody>
+                    <a:bodyPr/>
+                    <a:lstStyle/>
+                    <a:p>
+                      <a:pPr algn="r" fontAlgn="b"/>
+                      <a:r>
+                        <a:rPr lang="en-US" sz="1100" u="none" strike="noStrike">
+                          <a:effectLst/>
+                        </a:rPr>
+                        <a:t>0.0565</a:t>
+                      </a:r>
+                      <a:endParaRPr lang="en-US" sz="1100" b="0" i="0" u="none" strike="noStrike">
+                        <a:solidFill>
+                          <a:srgbClr val="000000"/>
+                        </a:solidFill>
+                        <a:effectLst/>
+                        <a:latin typeface="Calibri" panose="020F0502020204030204" pitchFamily="34" charset="0"/>
+                      </a:endParaRPr>
+                    </a:p>
+                  </a:txBody>
+                  <a:tcPr marL="9525" marR="9525" marT="9525" marB="0" anchor="b"/>
+                </a:tc>
+                <a:tc>
+                  <a:txBody>
+                    <a:bodyPr/>
+                    <a:lstStyle/>
+                    <a:p>
+                      <a:pPr algn="r" fontAlgn="b"/>
+                      <a:r>
+                        <a:rPr lang="en-US" sz="1100" u="none" strike="noStrike">
+                          <a:effectLst/>
+                        </a:rPr>
+                        <a:t>17.236</a:t>
+                      </a:r>
+                      <a:endParaRPr lang="en-US" sz="1100" b="0" i="0" u="none" strike="noStrike">
+                        <a:solidFill>
+                          <a:srgbClr val="000000"/>
+                        </a:solidFill>
+                        <a:effectLst/>
+                        <a:latin typeface="Calibri" panose="020F0502020204030204" pitchFamily="34" charset="0"/>
+                      </a:endParaRPr>
+                    </a:p>
+                  </a:txBody>
+                  <a:tcPr marL="9525" marR="9525" marT="9525" marB="0" anchor="b"/>
+                </a:tc>
+                <a:tc>
+                  <a:txBody>
+                    <a:bodyPr/>
+                    <a:lstStyle/>
+                    <a:p>
+                      <a:pPr algn="r" fontAlgn="b"/>
+                      <a:r>
+                        <a:rPr lang="en-US" sz="1100" u="none" strike="noStrike">
+                          <a:effectLst/>
+                        </a:rPr>
+                        <a:t>2.00E-16</a:t>
+                      </a:r>
+                      <a:endParaRPr lang="en-US" sz="1100" b="0" i="0" u="none" strike="noStrike">
+                        <a:solidFill>
+                          <a:srgbClr val="000000"/>
+                        </a:solidFill>
+                        <a:effectLst/>
+                        <a:latin typeface="Calibri" panose="020F0502020204030204" pitchFamily="34" charset="0"/>
+                      </a:endParaRPr>
+                    </a:p>
+                  </a:txBody>
+                  <a:tcPr marL="9525" marR="9525" marT="9525" marB="0" anchor="b"/>
+                </a:tc>
+                <a:tc>
+                  <a:txBody>
+                    <a:bodyPr/>
+                    <a:lstStyle/>
+                    <a:p>
+                      <a:pPr algn="l" fontAlgn="b"/>
+                      <a:r>
+                        <a:rPr lang="en-US" sz="1100" u="none" strike="noStrike">
+                          <a:effectLst/>
+                        </a:rPr>
+                        <a:t>***</a:t>
+                      </a:r>
+                      <a:endParaRPr lang="en-US" sz="1100" b="0" i="0" u="none" strike="noStrike">
+                        <a:solidFill>
+                          <a:srgbClr val="000000"/>
+                        </a:solidFill>
+                        <a:effectLst/>
+                        <a:latin typeface="Calibri" panose="020F0502020204030204" pitchFamily="34" charset="0"/>
+                      </a:endParaRPr>
+                    </a:p>
+                  </a:txBody>
+                  <a:tcPr marL="9525" marR="9525" marT="9525" marB="0" anchor="b"/>
+                </a:tc>
+                <a:extLst>
+                  <a:ext uri="{0D108BD9-81ED-4DB2-BD59-A6C34878D82A}">
+                    <a16:rowId xmlns:a16="http://schemas.microsoft.com/office/drawing/2014/main" val="194869788"/>
+                  </a:ext>
+                </a:extLst>
+              </a:tr>
+              <a:tr h="230706">
+                <a:tc>
+                  <a:txBody>
+                    <a:bodyPr/>
+                    <a:lstStyle/>
+                    <a:p>
+                      <a:pPr algn="l" fontAlgn="b"/>
+                      <a:r>
+                        <a:rPr lang="en-US" sz="1100" u="none" strike="noStrike">
+                          <a:effectLst/>
+                        </a:rPr>
+                        <a:t>Avg_Sold_Days_of_BPO_Sold_Comps_binwoe</a:t>
+                      </a:r>
+                      <a:endParaRPr lang="en-US" sz="1100" b="0" i="0" u="none" strike="noStrike">
+                        <a:solidFill>
+                          <a:srgbClr val="000000"/>
+                        </a:solidFill>
+                        <a:effectLst/>
+                        <a:latin typeface="Calibri" panose="020F0502020204030204" pitchFamily="34" charset="0"/>
+                      </a:endParaRPr>
+                    </a:p>
+                  </a:txBody>
+                  <a:tcPr marL="9525" marR="9525" marT="9525" marB="0" anchor="b"/>
+                </a:tc>
+                <a:tc>
+                  <a:txBody>
+                    <a:bodyPr/>
+                    <a:lstStyle/>
+                    <a:p>
+                      <a:pPr algn="r" fontAlgn="b"/>
+                      <a:r>
+                        <a:rPr lang="en-US" sz="1100" u="none" strike="noStrike">
+                          <a:effectLst/>
+                        </a:rPr>
+                        <a:t>-0.27138</a:t>
+                      </a:r>
+                      <a:endParaRPr lang="en-US" sz="1100" b="0" i="0" u="none" strike="noStrike">
+                        <a:solidFill>
+                          <a:srgbClr val="000000"/>
+                        </a:solidFill>
+                        <a:effectLst/>
+                        <a:latin typeface="Calibri" panose="020F0502020204030204" pitchFamily="34" charset="0"/>
+                      </a:endParaRPr>
+                    </a:p>
+                  </a:txBody>
+                  <a:tcPr marL="9525" marR="9525" marT="9525" marB="0" anchor="b"/>
+                </a:tc>
+                <a:tc>
+                  <a:txBody>
+                    <a:bodyPr/>
+                    <a:lstStyle/>
+                    <a:p>
+                      <a:pPr algn="r" fontAlgn="b"/>
+                      <a:r>
+                        <a:rPr lang="en-US" sz="1100" u="none" strike="noStrike">
+                          <a:effectLst/>
+                        </a:rPr>
+                        <a:t>0.11884</a:t>
+                      </a:r>
+                      <a:endParaRPr lang="en-US" sz="1100" b="0" i="0" u="none" strike="noStrike">
+                        <a:solidFill>
+                          <a:srgbClr val="000000"/>
+                        </a:solidFill>
+                        <a:effectLst/>
+                        <a:latin typeface="Calibri" panose="020F0502020204030204" pitchFamily="34" charset="0"/>
+                      </a:endParaRPr>
+                    </a:p>
+                  </a:txBody>
+                  <a:tcPr marL="9525" marR="9525" marT="9525" marB="0" anchor="b"/>
+                </a:tc>
+                <a:tc>
+                  <a:txBody>
+                    <a:bodyPr/>
+                    <a:lstStyle/>
+                    <a:p>
+                      <a:pPr algn="r" fontAlgn="b"/>
+                      <a:r>
+                        <a:rPr lang="en-US" sz="1100" u="none" strike="noStrike">
+                          <a:effectLst/>
+                        </a:rPr>
+                        <a:t>-2.284</a:t>
+                      </a:r>
+                      <a:endParaRPr lang="en-US" sz="1100" b="0" i="0" u="none" strike="noStrike">
+                        <a:solidFill>
+                          <a:srgbClr val="000000"/>
+                        </a:solidFill>
+                        <a:effectLst/>
+                        <a:latin typeface="Calibri" panose="020F0502020204030204" pitchFamily="34" charset="0"/>
+                      </a:endParaRPr>
+                    </a:p>
+                  </a:txBody>
+                  <a:tcPr marL="9525" marR="9525" marT="9525" marB="0" anchor="b"/>
+                </a:tc>
+                <a:tc>
+                  <a:txBody>
+                    <a:bodyPr/>
+                    <a:lstStyle/>
+                    <a:p>
+                      <a:pPr algn="r" fontAlgn="b"/>
+                      <a:r>
+                        <a:rPr lang="en-US" sz="1100" u="none" strike="noStrike">
+                          <a:effectLst/>
+                        </a:rPr>
+                        <a:t>0.0224</a:t>
+                      </a:r>
+                      <a:endParaRPr lang="en-US" sz="1100" b="0" i="0" u="none" strike="noStrike">
+                        <a:solidFill>
+                          <a:srgbClr val="000000"/>
+                        </a:solidFill>
+                        <a:effectLst/>
+                        <a:latin typeface="Calibri" panose="020F0502020204030204" pitchFamily="34" charset="0"/>
+                      </a:endParaRPr>
+                    </a:p>
+                  </a:txBody>
+                  <a:tcPr marL="9525" marR="9525" marT="9525" marB="0" anchor="b"/>
+                </a:tc>
+                <a:tc>
+                  <a:txBody>
+                    <a:bodyPr/>
+                    <a:lstStyle/>
+                    <a:p>
+                      <a:pPr algn="l" fontAlgn="b"/>
+                      <a:r>
+                        <a:rPr lang="en-US" sz="1100" u="none" strike="noStrike">
+                          <a:effectLst/>
+                        </a:rPr>
+                        <a:t>*</a:t>
+                      </a:r>
+                      <a:endParaRPr lang="en-US" sz="1100" b="0" i="0" u="none" strike="noStrike">
+                        <a:solidFill>
+                          <a:srgbClr val="000000"/>
+                        </a:solidFill>
+                        <a:effectLst/>
+                        <a:latin typeface="Calibri" panose="020F0502020204030204" pitchFamily="34" charset="0"/>
+                      </a:endParaRPr>
+                    </a:p>
+                  </a:txBody>
+                  <a:tcPr marL="9525" marR="9525" marT="9525" marB="0" anchor="b"/>
+                </a:tc>
+                <a:extLst>
+                  <a:ext uri="{0D108BD9-81ED-4DB2-BD59-A6C34878D82A}">
+                    <a16:rowId xmlns:a16="http://schemas.microsoft.com/office/drawing/2014/main" val="3859474840"/>
+                  </a:ext>
+                </a:extLst>
+              </a:tr>
+              <a:tr h="230706">
+                <a:tc>
+                  <a:txBody>
+                    <a:bodyPr/>
+                    <a:lstStyle/>
+                    <a:p>
+                      <a:pPr algn="l" fontAlgn="b"/>
+                      <a:r>
+                        <a:rPr lang="en-US" sz="1100" u="none" strike="noStrike">
+                          <a:effectLst/>
+                        </a:rPr>
+                        <a:t>season_invwoe</a:t>
+                      </a:r>
+                      <a:endParaRPr lang="en-US" sz="1100" b="0" i="0" u="none" strike="noStrike">
+                        <a:solidFill>
+                          <a:srgbClr val="000000"/>
+                        </a:solidFill>
+                        <a:effectLst/>
+                        <a:latin typeface="Calibri" panose="020F0502020204030204" pitchFamily="34" charset="0"/>
+                      </a:endParaRPr>
+                    </a:p>
+                  </a:txBody>
+                  <a:tcPr marL="9525" marR="9525" marT="9525" marB="0" anchor="b"/>
+                </a:tc>
+                <a:tc>
+                  <a:txBody>
+                    <a:bodyPr/>
+                    <a:lstStyle/>
+                    <a:p>
+                      <a:pPr algn="r" fontAlgn="b"/>
+                      <a:r>
+                        <a:rPr lang="en-US" sz="1100" u="none" strike="noStrike">
+                          <a:effectLst/>
+                        </a:rPr>
+                        <a:t>0.76902</a:t>
+                      </a:r>
+                      <a:endParaRPr lang="en-US" sz="1100" b="0" i="0" u="none" strike="noStrike">
+                        <a:solidFill>
+                          <a:srgbClr val="000000"/>
+                        </a:solidFill>
+                        <a:effectLst/>
+                        <a:latin typeface="Calibri" panose="020F0502020204030204" pitchFamily="34" charset="0"/>
+                      </a:endParaRPr>
+                    </a:p>
+                  </a:txBody>
+                  <a:tcPr marL="9525" marR="9525" marT="9525" marB="0" anchor="b"/>
+                </a:tc>
+                <a:tc>
+                  <a:txBody>
+                    <a:bodyPr/>
+                    <a:lstStyle/>
+                    <a:p>
+                      <a:pPr algn="r" fontAlgn="b"/>
+                      <a:r>
+                        <a:rPr lang="en-US" sz="1100" u="none" strike="noStrike">
+                          <a:effectLst/>
+                        </a:rPr>
+                        <a:t>0.04446</a:t>
+                      </a:r>
+                      <a:endParaRPr lang="en-US" sz="1100" b="0" i="0" u="none" strike="noStrike">
+                        <a:solidFill>
+                          <a:srgbClr val="000000"/>
+                        </a:solidFill>
+                        <a:effectLst/>
+                        <a:latin typeface="Calibri" panose="020F0502020204030204" pitchFamily="34" charset="0"/>
+                      </a:endParaRPr>
+                    </a:p>
+                  </a:txBody>
+                  <a:tcPr marL="9525" marR="9525" marT="9525" marB="0" anchor="b"/>
+                </a:tc>
+                <a:tc>
+                  <a:txBody>
+                    <a:bodyPr/>
+                    <a:lstStyle/>
+                    <a:p>
+                      <a:pPr algn="r" fontAlgn="b"/>
+                      <a:r>
+                        <a:rPr lang="en-US" sz="1100" u="none" strike="noStrike">
+                          <a:effectLst/>
+                        </a:rPr>
+                        <a:t>17.298</a:t>
+                      </a:r>
+                      <a:endParaRPr lang="en-US" sz="1100" b="0" i="0" u="none" strike="noStrike">
+                        <a:solidFill>
+                          <a:srgbClr val="000000"/>
+                        </a:solidFill>
+                        <a:effectLst/>
+                        <a:latin typeface="Calibri" panose="020F0502020204030204" pitchFamily="34" charset="0"/>
+                      </a:endParaRPr>
+                    </a:p>
+                  </a:txBody>
+                  <a:tcPr marL="9525" marR="9525" marT="9525" marB="0" anchor="b"/>
+                </a:tc>
+                <a:tc>
+                  <a:txBody>
+                    <a:bodyPr/>
+                    <a:lstStyle/>
+                    <a:p>
+                      <a:pPr algn="r" fontAlgn="b"/>
+                      <a:r>
+                        <a:rPr lang="en-US" sz="1100" u="none" strike="noStrike">
+                          <a:effectLst/>
+                        </a:rPr>
+                        <a:t>2.00E-16</a:t>
+                      </a:r>
+                      <a:endParaRPr lang="en-US" sz="1100" b="0" i="0" u="none" strike="noStrike">
+                        <a:solidFill>
+                          <a:srgbClr val="000000"/>
+                        </a:solidFill>
+                        <a:effectLst/>
+                        <a:latin typeface="Calibri" panose="020F0502020204030204" pitchFamily="34" charset="0"/>
+                      </a:endParaRPr>
+                    </a:p>
+                  </a:txBody>
+                  <a:tcPr marL="9525" marR="9525" marT="9525" marB="0" anchor="b"/>
+                </a:tc>
+                <a:tc>
+                  <a:txBody>
+                    <a:bodyPr/>
+                    <a:lstStyle/>
+                    <a:p>
+                      <a:pPr algn="l" fontAlgn="b"/>
+                      <a:r>
+                        <a:rPr lang="en-US" sz="1100" u="none" strike="noStrike">
+                          <a:effectLst/>
+                        </a:rPr>
+                        <a:t>***</a:t>
+                      </a:r>
+                      <a:endParaRPr lang="en-US" sz="1100" b="0" i="0" u="none" strike="noStrike">
+                        <a:solidFill>
+                          <a:srgbClr val="000000"/>
+                        </a:solidFill>
+                        <a:effectLst/>
+                        <a:latin typeface="Calibri" panose="020F0502020204030204" pitchFamily="34" charset="0"/>
+                      </a:endParaRPr>
+                    </a:p>
+                  </a:txBody>
+                  <a:tcPr marL="9525" marR="9525" marT="9525" marB="0" anchor="b"/>
+                </a:tc>
+                <a:extLst>
+                  <a:ext uri="{0D108BD9-81ED-4DB2-BD59-A6C34878D82A}">
+                    <a16:rowId xmlns:a16="http://schemas.microsoft.com/office/drawing/2014/main" val="4099972807"/>
+                  </a:ext>
+                </a:extLst>
+              </a:tr>
+              <a:tr h="230706">
+                <a:tc>
+                  <a:txBody>
+                    <a:bodyPr/>
+                    <a:lstStyle/>
+                    <a:p>
+                      <a:pPr algn="l" fontAlgn="b"/>
+                      <a:r>
+                        <a:rPr lang="en-US" sz="1100" u="none" strike="noStrike">
+                          <a:effectLst/>
+                        </a:rPr>
+                        <a:t>Census_Urban_Ruralwoe</a:t>
+                      </a:r>
+                      <a:endParaRPr lang="en-US" sz="1100" b="0" i="0" u="none" strike="noStrike">
+                        <a:solidFill>
+                          <a:srgbClr val="000000"/>
+                        </a:solidFill>
+                        <a:effectLst/>
+                        <a:latin typeface="Calibri" panose="020F0502020204030204" pitchFamily="34" charset="0"/>
+                      </a:endParaRPr>
+                    </a:p>
+                  </a:txBody>
+                  <a:tcPr marL="9525" marR="9525" marT="9525" marB="0" anchor="b"/>
+                </a:tc>
+                <a:tc>
+                  <a:txBody>
+                    <a:bodyPr/>
+                    <a:lstStyle/>
+                    <a:p>
+                      <a:pPr algn="r" fontAlgn="b"/>
+                      <a:r>
+                        <a:rPr lang="en-US" sz="1100" u="none" strike="noStrike">
+                          <a:effectLst/>
+                        </a:rPr>
+                        <a:t>0.81244</a:t>
+                      </a:r>
+                      <a:endParaRPr lang="en-US" sz="1100" b="0" i="0" u="none" strike="noStrike">
+                        <a:solidFill>
+                          <a:srgbClr val="000000"/>
+                        </a:solidFill>
+                        <a:effectLst/>
+                        <a:latin typeface="Calibri" panose="020F0502020204030204" pitchFamily="34" charset="0"/>
+                      </a:endParaRPr>
+                    </a:p>
+                  </a:txBody>
+                  <a:tcPr marL="9525" marR="9525" marT="9525" marB="0" anchor="b"/>
+                </a:tc>
+                <a:tc>
+                  <a:txBody>
+                    <a:bodyPr/>
+                    <a:lstStyle/>
+                    <a:p>
+                      <a:pPr algn="r" fontAlgn="b"/>
+                      <a:r>
+                        <a:rPr lang="en-US" sz="1100" u="none" strike="noStrike">
+                          <a:effectLst/>
+                        </a:rPr>
+                        <a:t>0.12174</a:t>
+                      </a:r>
+                      <a:endParaRPr lang="en-US" sz="1100" b="0" i="0" u="none" strike="noStrike">
+                        <a:solidFill>
+                          <a:srgbClr val="000000"/>
+                        </a:solidFill>
+                        <a:effectLst/>
+                        <a:latin typeface="Calibri" panose="020F0502020204030204" pitchFamily="34" charset="0"/>
+                      </a:endParaRPr>
+                    </a:p>
+                  </a:txBody>
+                  <a:tcPr marL="9525" marR="9525" marT="9525" marB="0" anchor="b"/>
+                </a:tc>
+                <a:tc>
+                  <a:txBody>
+                    <a:bodyPr/>
+                    <a:lstStyle/>
+                    <a:p>
+                      <a:pPr algn="r" fontAlgn="b"/>
+                      <a:r>
+                        <a:rPr lang="en-US" sz="1100" u="none" strike="noStrike">
+                          <a:effectLst/>
+                        </a:rPr>
+                        <a:t>6.673</a:t>
+                      </a:r>
+                      <a:endParaRPr lang="en-US" sz="1100" b="0" i="0" u="none" strike="noStrike">
+                        <a:solidFill>
+                          <a:srgbClr val="000000"/>
+                        </a:solidFill>
+                        <a:effectLst/>
+                        <a:latin typeface="Calibri" panose="020F0502020204030204" pitchFamily="34" charset="0"/>
+                      </a:endParaRPr>
+                    </a:p>
+                  </a:txBody>
+                  <a:tcPr marL="9525" marR="9525" marT="9525" marB="0" anchor="b"/>
+                </a:tc>
+                <a:tc>
+                  <a:txBody>
+                    <a:bodyPr/>
+                    <a:lstStyle/>
+                    <a:p>
+                      <a:pPr algn="r" fontAlgn="b"/>
+                      <a:r>
+                        <a:rPr lang="en-US" sz="1100" u="none" strike="noStrike">
+                          <a:effectLst/>
+                        </a:rPr>
+                        <a:t>2.50E-11</a:t>
+                      </a:r>
+                      <a:endParaRPr lang="en-US" sz="1100" b="0" i="0" u="none" strike="noStrike">
+                        <a:solidFill>
+                          <a:srgbClr val="000000"/>
+                        </a:solidFill>
+                        <a:effectLst/>
+                        <a:latin typeface="Calibri" panose="020F0502020204030204" pitchFamily="34" charset="0"/>
+                      </a:endParaRPr>
+                    </a:p>
+                  </a:txBody>
+                  <a:tcPr marL="9525" marR="9525" marT="9525" marB="0" anchor="b"/>
+                </a:tc>
+                <a:tc>
+                  <a:txBody>
+                    <a:bodyPr/>
+                    <a:lstStyle/>
+                    <a:p>
+                      <a:pPr algn="l" fontAlgn="b"/>
+                      <a:r>
+                        <a:rPr lang="en-US" sz="1100" u="none" strike="noStrike">
+                          <a:effectLst/>
+                        </a:rPr>
+                        <a:t>***</a:t>
+                      </a:r>
+                      <a:endParaRPr lang="en-US" sz="1100" b="0" i="0" u="none" strike="noStrike">
+                        <a:solidFill>
+                          <a:srgbClr val="000000"/>
+                        </a:solidFill>
+                        <a:effectLst/>
+                        <a:latin typeface="Calibri" panose="020F0502020204030204" pitchFamily="34" charset="0"/>
+                      </a:endParaRPr>
+                    </a:p>
+                  </a:txBody>
+                  <a:tcPr marL="9525" marR="9525" marT="9525" marB="0" anchor="b"/>
+                </a:tc>
+                <a:extLst>
+                  <a:ext uri="{0D108BD9-81ED-4DB2-BD59-A6C34878D82A}">
+                    <a16:rowId xmlns:a16="http://schemas.microsoft.com/office/drawing/2014/main" val="2168750499"/>
+                  </a:ext>
+                </a:extLst>
+              </a:tr>
+              <a:tr h="230706">
+                <a:tc>
+                  <a:txBody>
+                    <a:bodyPr/>
+                    <a:lstStyle/>
+                    <a:p>
+                      <a:pPr algn="l" fontAlgn="b"/>
+                      <a:r>
+                        <a:rPr lang="en-US" sz="1100" u="none" strike="noStrike">
+                          <a:effectLst/>
+                        </a:rPr>
+                        <a:t>Conditionwoe</a:t>
+                      </a:r>
+                      <a:endParaRPr lang="en-US" sz="1100" b="0" i="0" u="none" strike="noStrike">
+                        <a:solidFill>
+                          <a:srgbClr val="000000"/>
+                        </a:solidFill>
+                        <a:effectLst/>
+                        <a:latin typeface="Calibri" panose="020F0502020204030204" pitchFamily="34" charset="0"/>
+                      </a:endParaRPr>
+                    </a:p>
+                  </a:txBody>
+                  <a:tcPr marL="9525" marR="9525" marT="9525" marB="0" anchor="b"/>
+                </a:tc>
+                <a:tc>
+                  <a:txBody>
+                    <a:bodyPr/>
+                    <a:lstStyle/>
+                    <a:p>
+                      <a:pPr algn="r" fontAlgn="b"/>
+                      <a:r>
+                        <a:rPr lang="en-US" sz="1100" u="none" strike="noStrike">
+                          <a:effectLst/>
+                        </a:rPr>
+                        <a:t>0.71021</a:t>
+                      </a:r>
+                      <a:endParaRPr lang="en-US" sz="1100" b="0" i="0" u="none" strike="noStrike">
+                        <a:solidFill>
+                          <a:srgbClr val="000000"/>
+                        </a:solidFill>
+                        <a:effectLst/>
+                        <a:latin typeface="Calibri" panose="020F0502020204030204" pitchFamily="34" charset="0"/>
+                      </a:endParaRPr>
+                    </a:p>
+                  </a:txBody>
+                  <a:tcPr marL="9525" marR="9525" marT="9525" marB="0" anchor="b"/>
+                </a:tc>
+                <a:tc>
+                  <a:txBody>
+                    <a:bodyPr/>
+                    <a:lstStyle/>
+                    <a:p>
+                      <a:pPr algn="r" fontAlgn="b"/>
+                      <a:r>
+                        <a:rPr lang="en-US" sz="1100" u="none" strike="noStrike">
+                          <a:effectLst/>
+                        </a:rPr>
+                        <a:t>0.05887</a:t>
+                      </a:r>
+                      <a:endParaRPr lang="en-US" sz="1100" b="0" i="0" u="none" strike="noStrike">
+                        <a:solidFill>
+                          <a:srgbClr val="000000"/>
+                        </a:solidFill>
+                        <a:effectLst/>
+                        <a:latin typeface="Calibri" panose="020F0502020204030204" pitchFamily="34" charset="0"/>
+                      </a:endParaRPr>
+                    </a:p>
+                  </a:txBody>
+                  <a:tcPr marL="9525" marR="9525" marT="9525" marB="0" anchor="b"/>
+                </a:tc>
+                <a:tc>
+                  <a:txBody>
+                    <a:bodyPr/>
+                    <a:lstStyle/>
+                    <a:p>
+                      <a:pPr algn="r" fontAlgn="b"/>
+                      <a:r>
+                        <a:rPr lang="en-US" sz="1100" u="none" strike="noStrike">
+                          <a:effectLst/>
+                        </a:rPr>
+                        <a:t>12.064</a:t>
+                      </a:r>
+                      <a:endParaRPr lang="en-US" sz="1100" b="0" i="0" u="none" strike="noStrike">
+                        <a:solidFill>
+                          <a:srgbClr val="000000"/>
+                        </a:solidFill>
+                        <a:effectLst/>
+                        <a:latin typeface="Calibri" panose="020F0502020204030204" pitchFamily="34" charset="0"/>
+                      </a:endParaRPr>
+                    </a:p>
+                  </a:txBody>
+                  <a:tcPr marL="9525" marR="9525" marT="9525" marB="0" anchor="b"/>
+                </a:tc>
+                <a:tc>
+                  <a:txBody>
+                    <a:bodyPr/>
+                    <a:lstStyle/>
+                    <a:p>
+                      <a:pPr algn="r" fontAlgn="b"/>
+                      <a:r>
+                        <a:rPr lang="en-US" sz="1100" u="none" strike="noStrike">
+                          <a:effectLst/>
+                        </a:rPr>
+                        <a:t>2.00E-16</a:t>
+                      </a:r>
+                      <a:endParaRPr lang="en-US" sz="1100" b="0" i="0" u="none" strike="noStrike">
+                        <a:solidFill>
+                          <a:srgbClr val="000000"/>
+                        </a:solidFill>
+                        <a:effectLst/>
+                        <a:latin typeface="Calibri" panose="020F0502020204030204" pitchFamily="34" charset="0"/>
+                      </a:endParaRPr>
+                    </a:p>
+                  </a:txBody>
+                  <a:tcPr marL="9525" marR="9525" marT="9525" marB="0" anchor="b"/>
+                </a:tc>
+                <a:tc>
+                  <a:txBody>
+                    <a:bodyPr/>
+                    <a:lstStyle/>
+                    <a:p>
+                      <a:pPr algn="l" fontAlgn="b"/>
+                      <a:r>
+                        <a:rPr lang="en-US" sz="1100" u="none" strike="noStrike">
+                          <a:effectLst/>
+                        </a:rPr>
+                        <a:t>***</a:t>
+                      </a:r>
+                      <a:endParaRPr lang="en-US" sz="1100" b="0" i="0" u="none" strike="noStrike">
+                        <a:solidFill>
+                          <a:srgbClr val="000000"/>
+                        </a:solidFill>
+                        <a:effectLst/>
+                        <a:latin typeface="Calibri" panose="020F0502020204030204" pitchFamily="34" charset="0"/>
+                      </a:endParaRPr>
+                    </a:p>
+                  </a:txBody>
+                  <a:tcPr marL="9525" marR="9525" marT="9525" marB="0" anchor="b"/>
+                </a:tc>
+                <a:extLst>
+                  <a:ext uri="{0D108BD9-81ED-4DB2-BD59-A6C34878D82A}">
+                    <a16:rowId xmlns:a16="http://schemas.microsoft.com/office/drawing/2014/main" val="261608612"/>
+                  </a:ext>
+                </a:extLst>
+              </a:tr>
+              <a:tr h="230706">
+                <a:tc>
+                  <a:txBody>
+                    <a:bodyPr/>
+                    <a:lstStyle/>
+                    <a:p>
+                      <a:pPr algn="l" fontAlgn="b"/>
+                      <a:r>
+                        <a:rPr lang="en-US" sz="1100" u="none" strike="noStrike">
+                          <a:effectLst/>
+                        </a:rPr>
+                        <a:t>age_yr_binwoe</a:t>
+                      </a:r>
+                      <a:endParaRPr lang="en-US" sz="1100" b="0" i="0" u="none" strike="noStrike">
+                        <a:solidFill>
+                          <a:srgbClr val="000000"/>
+                        </a:solidFill>
+                        <a:effectLst/>
+                        <a:latin typeface="Calibri" panose="020F0502020204030204" pitchFamily="34" charset="0"/>
+                      </a:endParaRPr>
+                    </a:p>
+                  </a:txBody>
+                  <a:tcPr marL="9525" marR="9525" marT="9525" marB="0" anchor="b"/>
+                </a:tc>
+                <a:tc>
+                  <a:txBody>
+                    <a:bodyPr/>
+                    <a:lstStyle/>
+                    <a:p>
+                      <a:pPr algn="r" fontAlgn="b"/>
+                      <a:r>
+                        <a:rPr lang="en-US" sz="1100" u="none" strike="noStrike">
+                          <a:effectLst/>
+                        </a:rPr>
+                        <a:t>0.65777</a:t>
+                      </a:r>
+                      <a:endParaRPr lang="en-US" sz="1100" b="0" i="0" u="none" strike="noStrike">
+                        <a:solidFill>
+                          <a:srgbClr val="000000"/>
+                        </a:solidFill>
+                        <a:effectLst/>
+                        <a:latin typeface="Calibri" panose="020F0502020204030204" pitchFamily="34" charset="0"/>
+                      </a:endParaRPr>
+                    </a:p>
+                  </a:txBody>
+                  <a:tcPr marL="9525" marR="9525" marT="9525" marB="0" anchor="b"/>
+                </a:tc>
+                <a:tc>
+                  <a:txBody>
+                    <a:bodyPr/>
+                    <a:lstStyle/>
+                    <a:p>
+                      <a:pPr algn="r" fontAlgn="b"/>
+                      <a:r>
+                        <a:rPr lang="en-US" sz="1100" u="none" strike="noStrike">
+                          <a:effectLst/>
+                        </a:rPr>
+                        <a:t>0.10485</a:t>
+                      </a:r>
+                      <a:endParaRPr lang="en-US" sz="1100" b="0" i="0" u="none" strike="noStrike">
+                        <a:solidFill>
+                          <a:srgbClr val="000000"/>
+                        </a:solidFill>
+                        <a:effectLst/>
+                        <a:latin typeface="Calibri" panose="020F0502020204030204" pitchFamily="34" charset="0"/>
+                      </a:endParaRPr>
+                    </a:p>
+                  </a:txBody>
+                  <a:tcPr marL="9525" marR="9525" marT="9525" marB="0" anchor="b"/>
+                </a:tc>
+                <a:tc>
+                  <a:txBody>
+                    <a:bodyPr/>
+                    <a:lstStyle/>
+                    <a:p>
+                      <a:pPr algn="r" fontAlgn="b"/>
+                      <a:r>
+                        <a:rPr lang="en-US" sz="1100" u="none" strike="noStrike">
+                          <a:effectLst/>
+                        </a:rPr>
+                        <a:t>6.274</a:t>
+                      </a:r>
+                      <a:endParaRPr lang="en-US" sz="1100" b="0" i="0" u="none" strike="noStrike">
+                        <a:solidFill>
+                          <a:srgbClr val="000000"/>
+                        </a:solidFill>
+                        <a:effectLst/>
+                        <a:latin typeface="Calibri" panose="020F0502020204030204" pitchFamily="34" charset="0"/>
+                      </a:endParaRPr>
+                    </a:p>
+                  </a:txBody>
+                  <a:tcPr marL="9525" marR="9525" marT="9525" marB="0" anchor="b"/>
+                </a:tc>
+                <a:tc>
+                  <a:txBody>
+                    <a:bodyPr/>
+                    <a:lstStyle/>
+                    <a:p>
+                      <a:pPr algn="r" fontAlgn="b"/>
+                      <a:r>
+                        <a:rPr lang="en-US" sz="1100" u="none" strike="noStrike">
+                          <a:effectLst/>
+                        </a:rPr>
+                        <a:t>3.53E-10</a:t>
+                      </a:r>
+                      <a:endParaRPr lang="en-US" sz="1100" b="0" i="0" u="none" strike="noStrike">
+                        <a:solidFill>
+                          <a:srgbClr val="000000"/>
+                        </a:solidFill>
+                        <a:effectLst/>
+                        <a:latin typeface="Calibri" panose="020F0502020204030204" pitchFamily="34" charset="0"/>
+                      </a:endParaRPr>
+                    </a:p>
+                  </a:txBody>
+                  <a:tcPr marL="9525" marR="9525" marT="9525" marB="0" anchor="b"/>
+                </a:tc>
+                <a:tc>
+                  <a:txBody>
+                    <a:bodyPr/>
+                    <a:lstStyle/>
+                    <a:p>
+                      <a:pPr algn="l" fontAlgn="b"/>
+                      <a:r>
+                        <a:rPr lang="en-US" sz="1100" u="none" strike="noStrike">
+                          <a:effectLst/>
+                        </a:rPr>
+                        <a:t>***</a:t>
+                      </a:r>
+                      <a:endParaRPr lang="en-US" sz="1100" b="0" i="0" u="none" strike="noStrike">
+                        <a:solidFill>
+                          <a:srgbClr val="000000"/>
+                        </a:solidFill>
+                        <a:effectLst/>
+                        <a:latin typeface="Calibri" panose="020F0502020204030204" pitchFamily="34" charset="0"/>
+                      </a:endParaRPr>
+                    </a:p>
+                  </a:txBody>
+                  <a:tcPr marL="9525" marR="9525" marT="9525" marB="0" anchor="b"/>
+                </a:tc>
+                <a:extLst>
+                  <a:ext uri="{0D108BD9-81ED-4DB2-BD59-A6C34878D82A}">
+                    <a16:rowId xmlns:a16="http://schemas.microsoft.com/office/drawing/2014/main" val="2992308990"/>
+                  </a:ext>
+                </a:extLst>
+              </a:tr>
+              <a:tr h="230706">
+                <a:tc>
+                  <a:txBody>
+                    <a:bodyPr/>
+                    <a:lstStyle/>
+                    <a:p>
+                      <a:pPr algn="l" fontAlgn="b"/>
+                      <a:r>
+                        <a:rPr lang="en-US" sz="1100" u="none" strike="noStrike">
+                          <a:effectLst/>
+                        </a:rPr>
+                        <a:t>RP_Comp_Score_Avg_binwoe</a:t>
+                      </a:r>
+                      <a:endParaRPr lang="en-US" sz="1100" b="0" i="0" u="none" strike="noStrike">
+                        <a:solidFill>
+                          <a:srgbClr val="000000"/>
+                        </a:solidFill>
+                        <a:effectLst/>
+                        <a:latin typeface="Calibri" panose="020F0502020204030204" pitchFamily="34" charset="0"/>
+                      </a:endParaRPr>
+                    </a:p>
+                  </a:txBody>
+                  <a:tcPr marL="9525" marR="9525" marT="9525" marB="0" anchor="b"/>
+                </a:tc>
+                <a:tc>
+                  <a:txBody>
+                    <a:bodyPr/>
+                    <a:lstStyle/>
+                    <a:p>
+                      <a:pPr algn="r" fontAlgn="b"/>
+                      <a:r>
+                        <a:rPr lang="en-US" sz="1100" u="none" strike="noStrike">
+                          <a:effectLst/>
+                        </a:rPr>
+                        <a:t>0.45853</a:t>
+                      </a:r>
+                      <a:endParaRPr lang="en-US" sz="1100" b="0" i="0" u="none" strike="noStrike">
+                        <a:solidFill>
+                          <a:srgbClr val="000000"/>
+                        </a:solidFill>
+                        <a:effectLst/>
+                        <a:latin typeface="Calibri" panose="020F0502020204030204" pitchFamily="34" charset="0"/>
+                      </a:endParaRPr>
+                    </a:p>
+                  </a:txBody>
+                  <a:tcPr marL="9525" marR="9525" marT="9525" marB="0" anchor="b"/>
+                </a:tc>
+                <a:tc>
+                  <a:txBody>
+                    <a:bodyPr/>
+                    <a:lstStyle/>
+                    <a:p>
+                      <a:pPr algn="r" fontAlgn="b"/>
+                      <a:r>
+                        <a:rPr lang="en-US" sz="1100" u="none" strike="noStrike">
+                          <a:effectLst/>
+                        </a:rPr>
+                        <a:t>0.10071</a:t>
+                      </a:r>
+                      <a:endParaRPr lang="en-US" sz="1100" b="0" i="0" u="none" strike="noStrike">
+                        <a:solidFill>
+                          <a:srgbClr val="000000"/>
+                        </a:solidFill>
+                        <a:effectLst/>
+                        <a:latin typeface="Calibri" panose="020F0502020204030204" pitchFamily="34" charset="0"/>
+                      </a:endParaRPr>
+                    </a:p>
+                  </a:txBody>
+                  <a:tcPr marL="9525" marR="9525" marT="9525" marB="0" anchor="b"/>
+                </a:tc>
+                <a:tc>
+                  <a:txBody>
+                    <a:bodyPr/>
+                    <a:lstStyle/>
+                    <a:p>
+                      <a:pPr algn="r" fontAlgn="b"/>
+                      <a:r>
+                        <a:rPr lang="en-US" sz="1100" u="none" strike="noStrike">
+                          <a:effectLst/>
+                        </a:rPr>
+                        <a:t>4.553</a:t>
+                      </a:r>
+                      <a:endParaRPr lang="en-US" sz="1100" b="0" i="0" u="none" strike="noStrike">
+                        <a:solidFill>
+                          <a:srgbClr val="000000"/>
+                        </a:solidFill>
+                        <a:effectLst/>
+                        <a:latin typeface="Calibri" panose="020F0502020204030204" pitchFamily="34" charset="0"/>
+                      </a:endParaRPr>
+                    </a:p>
+                  </a:txBody>
+                  <a:tcPr marL="9525" marR="9525" marT="9525" marB="0" anchor="b"/>
+                </a:tc>
+                <a:tc>
+                  <a:txBody>
+                    <a:bodyPr/>
+                    <a:lstStyle/>
+                    <a:p>
+                      <a:pPr algn="r" fontAlgn="b"/>
+                      <a:r>
+                        <a:rPr lang="en-US" sz="1100" u="none" strike="noStrike">
+                          <a:effectLst/>
+                        </a:rPr>
+                        <a:t>5.29E-06</a:t>
+                      </a:r>
+                      <a:endParaRPr lang="en-US" sz="1100" b="0" i="0" u="none" strike="noStrike">
+                        <a:solidFill>
+                          <a:srgbClr val="000000"/>
+                        </a:solidFill>
+                        <a:effectLst/>
+                        <a:latin typeface="Calibri" panose="020F0502020204030204" pitchFamily="34" charset="0"/>
+                      </a:endParaRPr>
+                    </a:p>
+                  </a:txBody>
+                  <a:tcPr marL="9525" marR="9525" marT="9525" marB="0" anchor="b"/>
+                </a:tc>
+                <a:tc>
+                  <a:txBody>
+                    <a:bodyPr/>
+                    <a:lstStyle/>
+                    <a:p>
+                      <a:pPr algn="l" fontAlgn="b"/>
+                      <a:r>
+                        <a:rPr lang="en-US" sz="1100" u="none" strike="noStrike" dirty="0">
+                          <a:effectLst/>
+                        </a:rPr>
+                        <a:t>***</a:t>
+                      </a:r>
+                      <a:endParaRPr lang="en-US" sz="1100" b="0" i="0" u="none" strike="noStrike" dirty="0">
+                        <a:solidFill>
+                          <a:srgbClr val="000000"/>
+                        </a:solidFill>
+                        <a:effectLst/>
+                        <a:latin typeface="Calibri" panose="020F0502020204030204" pitchFamily="34" charset="0"/>
+                      </a:endParaRPr>
+                    </a:p>
+                  </a:txBody>
+                  <a:tcPr marL="9525" marR="9525" marT="9525" marB="0" anchor="b"/>
+                </a:tc>
+                <a:extLst>
+                  <a:ext uri="{0D108BD9-81ED-4DB2-BD59-A6C34878D82A}">
+                    <a16:rowId xmlns:a16="http://schemas.microsoft.com/office/drawing/2014/main" val="1184705212"/>
+                  </a:ext>
+                </a:extLst>
+              </a:tr>
+            </a:tbl>
+          </a:graphicData>
+        </a:graphic>
+      </p:graphicFrame>
+      <p:sp>
+        <p:nvSpPr>
+          <p:cNvPr id="7" name="Rectangle 6">
+            <a:extLst>
+              <a:ext uri="{FF2B5EF4-FFF2-40B4-BE49-F238E27FC236}">
+                <a16:creationId xmlns:a16="http://schemas.microsoft.com/office/drawing/2014/main" id="{7A824424-3D54-420F-96C4-E7C158C5F802}"/>
+              </a:ext>
+            </a:extLst>
+          </p:cNvPr>
+          <p:cNvSpPr/>
+          <p:nvPr/>
+        </p:nvSpPr>
+        <p:spPr>
+          <a:xfrm>
+            <a:off x="-350244" y="123603"/>
+            <a:ext cx="4625355" cy="461665"/>
+          </a:xfrm>
+          <a:prstGeom prst="rect">
+            <a:avLst/>
+          </a:prstGeom>
+          <a:noFill/>
+        </p:spPr>
+        <p:txBody>
+          <a:bodyPr wrap="square" lIns="91440" tIns="45720" rIns="91440" bIns="45720">
+            <a:spAutoFit/>
+          </a:bodyPr>
+          <a:lstStyle/>
+          <a:p>
+            <a:pPr algn="ctr"/>
+            <a:r>
+              <a:rPr lang="en-US" sz="2400" b="0" cap="none" spc="0" dirty="0">
+                <a:ln w="0"/>
+                <a:solidFill>
+                  <a:schemeClr val="tx1"/>
+                </a:solidFill>
+                <a:effectLst>
+                  <a:outerShdw blurRad="38100" dist="19050" dir="2700000" algn="tl" rotWithShape="0">
+                    <a:schemeClr val="dk1">
+                      <a:alpha val="40000"/>
+                    </a:schemeClr>
+                  </a:outerShdw>
+                </a:effectLst>
+              </a:rPr>
+              <a:t>Modeling variables</a:t>
+            </a:r>
+          </a:p>
+        </p:txBody>
+      </p:sp>
+    </p:spTree>
+    <p:extLst>
+      <p:ext uri="{BB962C8B-B14F-4D97-AF65-F5344CB8AC3E}">
+        <p14:creationId xmlns:p14="http://schemas.microsoft.com/office/powerpoint/2010/main" val="1783692852"/>
+      </p:ext>
+    </p:extLst>
+  </p:cSld>
+  <p:clrMapOvr>
+    <a:masterClrMapping/>
+  </p:clrMapOvr>
+</p:sld>
+</file>
+
+<file path=ppt/slides/slide8.xml><?xml version="1.0" encoding="utf-8"?>
+<p:sld xmlns:a="http://schemas.openxmlformats.org/drawingml/2006/main" xmlns:r="http://schemas.openxmlformats.org/officeDocument/2006/relationships" xmlns:p="http://schemas.openxmlformats.org/presentationml/2006/main">
+  <p:cSld>
+    <p:spTree>
+      <p:nvGrpSpPr>
+        <p:cNvPr id="1" name=""/>
+        <p:cNvGrpSpPr/>
+        <p:nvPr/>
+      </p:nvGrpSpPr>
+      <p:grpSpPr>
+        <a:xfrm>
+          <a:off x="0" y="0"/>
+          <a:ext cx="0" cy="0"/>
+          <a:chOff x="0" y="0"/>
+          <a:chExt cx="0" cy="0"/>
+        </a:xfrm>
+      </p:grpSpPr>
+      <p:sp>
+        <p:nvSpPr>
+          <p:cNvPr id="3" name="Footer Placeholder 2">
+            <a:extLst>
+              <a:ext uri="{FF2B5EF4-FFF2-40B4-BE49-F238E27FC236}">
+                <a16:creationId xmlns:a16="http://schemas.microsoft.com/office/drawing/2014/main" id="{C7E9DB39-CBC6-4BC2-9503-9187A6DB2AE3}"/>
+              </a:ext>
+            </a:extLst>
+          </p:cNvPr>
+          <p:cNvSpPr>
+            <a:spLocks noGrp="1"/>
+          </p:cNvSpPr>
+          <p:nvPr>
+            <p:ph type="ftr" sz="quarter" idx="15"/>
+          </p:nvPr>
+        </p:nvSpPr>
+        <p:spPr/>
+        <p:txBody>
+          <a:bodyPr/>
+          <a:lstStyle/>
+          <a:p>
+            <a:r>
+              <a:rPr lang="en-US"/>
+              <a:t>© 2018 Cognizant</a:t>
+            </a:r>
+            <a:endParaRPr lang="en-US" dirty="0"/>
+          </a:p>
+        </p:txBody>
+      </p:sp>
+      <p:sp>
+        <p:nvSpPr>
+          <p:cNvPr id="4" name="Slide Number Placeholder 3">
+            <a:extLst>
+              <a:ext uri="{FF2B5EF4-FFF2-40B4-BE49-F238E27FC236}">
+                <a16:creationId xmlns:a16="http://schemas.microsoft.com/office/drawing/2014/main" id="{868F65E9-3C90-41FB-8881-DF7FED83FD3F}"/>
+              </a:ext>
+            </a:extLst>
+          </p:cNvPr>
+          <p:cNvSpPr>
+            <a:spLocks noGrp="1"/>
+          </p:cNvSpPr>
+          <p:nvPr>
+            <p:ph type="sldNum" sz="quarter" idx="16"/>
+          </p:nvPr>
+        </p:nvSpPr>
+        <p:spPr/>
+        <p:txBody>
+          <a:bodyPr/>
+          <a:lstStyle/>
+          <a:p>
+            <a:fld id="{2EFEF571-C9B4-4D92-A7F7-315B894862A8}" type="slidenum">
+              <a:rPr lang="en-US" smtClean="0"/>
+              <a:pPr/>
+              <a:t>8</a:t>
             </a:fld>
             <a:endParaRPr lang="en-US" dirty="0"/>
           </a:p>
@@ -24740,7 +27382,7 @@
         <p:spPr>
           <a:xfrm>
             <a:off x="892222" y="642962"/>
-            <a:ext cx="5684848" cy="3857575"/>
+            <a:ext cx="5761966" cy="3909905"/>
           </a:xfrm>
           <a:prstGeom prst="rect">
             <a:avLst/>
@@ -24808,7 +27450,7 @@
 </p:sld>
 </file>
 
-<file path=ppt/slides/slide8.xml><?xml version="1.0" encoding="utf-8"?>
+<file path=ppt/slides/slide9.xml><?xml version="1.0" encoding="utf-8"?>
 <p:sld xmlns:a="http://schemas.openxmlformats.org/drawingml/2006/main" xmlns:r="http://schemas.openxmlformats.org/officeDocument/2006/relationships" xmlns:p="http://schemas.openxmlformats.org/presentationml/2006/main">
   <p:cSld>
     <p:spTree>
@@ -24827,10 +27469,10 @@
       </p:grpSpPr>
       <p:sp>
         <p:nvSpPr>
-          <p:cNvPr id="2" name="Title 1">
+          <p:cNvPr id="3" name="Slide Number Placeholder 2">
             <a:extLst>
               <a:ext uri="{FF2B5EF4-FFF2-40B4-BE49-F238E27FC236}">
-                <a16:creationId xmlns:a16="http://schemas.microsoft.com/office/drawing/2014/main" id="{E1083F23-C768-4142-9883-3318F953E306}"/>
+                <a16:creationId xmlns:a16="http://schemas.microsoft.com/office/drawing/2014/main" id="{0D5B885F-5314-4A4A-A35C-68023726F3C6}"/>
               </a:ext>
             </a:extLst>
           </p:cNvPr>
@@ -24838,7 +27480,7 @@
             <a:spLocks noGrp="1"/>
           </p:cNvSpPr>
           <p:nvPr>
-            <p:ph type="title"/>
+            <p:ph type="sldNum" sz="quarter" idx="16"/>
           </p:nvPr>
         </p:nvSpPr>
         <p:spPr/>
@@ -24846,18 +27488,151 @@
           <a:bodyPr/>
           <a:lstStyle/>
           <a:p>
-            <a:r>
-              <a:rPr lang="en-US"/>
-              <a:t>Thank you</a:t>
-            </a:r>
+            <a:fld id="{B32AB80A-78BA-6B42-BA0D-B44ACF890F5A}" type="slidenum">
+              <a:rPr lang="en-US" smtClean="0"/>
+              <a:pPr/>
+              <a:t>9</a:t>
+            </a:fld>
             <a:endParaRPr lang="en-US" dirty="0"/>
+          </a:p>
+        </p:txBody>
+      </p:sp>
+      <p:sp>
+        <p:nvSpPr>
+          <p:cNvPr id="2" name="Title 1">
+            <a:extLst>
+              <a:ext uri="{FF2B5EF4-FFF2-40B4-BE49-F238E27FC236}">
+                <a16:creationId xmlns:a16="http://schemas.microsoft.com/office/drawing/2014/main" id="{D8FA8AC4-DE24-4D2A-ABBE-AF0D5F9C0A88}"/>
+              </a:ext>
+            </a:extLst>
+          </p:cNvPr>
+          <p:cNvSpPr>
+            <a:spLocks noGrp="1"/>
+          </p:cNvSpPr>
+          <p:nvPr>
+            <p:ph type="title" idx="4294967295"/>
+          </p:nvPr>
+        </p:nvSpPr>
+        <p:spPr>
+          <a:xfrm>
+            <a:off x="771525" y="138055"/>
+            <a:ext cx="8372475" cy="403225"/>
+          </a:xfrm>
+        </p:spPr>
+        <p:txBody>
+          <a:bodyPr/>
+          <a:lstStyle/>
+          <a:p>
+            <a:r>
+              <a:rPr lang="en-US" dirty="0"/>
+              <a:t>Model/Business Benefits</a:t>
+            </a:r>
+          </a:p>
+        </p:txBody>
+      </p:sp>
+      <p:sp>
+        <p:nvSpPr>
+          <p:cNvPr id="5" name="TextBox 4">
+            <a:extLst>
+              <a:ext uri="{FF2B5EF4-FFF2-40B4-BE49-F238E27FC236}">
+                <a16:creationId xmlns:a16="http://schemas.microsoft.com/office/drawing/2014/main" id="{85BD0189-FFDD-4D57-9709-CF06141B4931}"/>
+              </a:ext>
+            </a:extLst>
+          </p:cNvPr>
+          <p:cNvSpPr txBox="1"/>
+          <p:nvPr/>
+        </p:nvSpPr>
+        <p:spPr>
+          <a:xfrm>
+            <a:off x="310896" y="750085"/>
+            <a:ext cx="7499497" cy="2308324"/>
+          </a:xfrm>
+          <a:prstGeom prst="rect">
+            <a:avLst/>
+          </a:prstGeom>
+          <a:noFill/>
+        </p:spPr>
+        <p:txBody>
+          <a:bodyPr wrap="square" rtlCol="0">
+            <a:spAutoFit/>
+          </a:bodyPr>
+          <a:lstStyle/>
+          <a:p>
+            <a:pPr marL="285750" indent="-285750">
+              <a:buFontTx/>
+              <a:buChar char="-"/>
+            </a:pPr>
+            <a:r>
+              <a:rPr lang="en-US" dirty="0">
+                <a:solidFill>
+                  <a:schemeClr val="tx2"/>
+                </a:solidFill>
+              </a:rPr>
+              <a:t>Based on the model probabilities/ score will determine the properties that can be sold in the market within 90 days of listing</a:t>
+            </a:r>
+          </a:p>
+          <a:p>
+            <a:pPr marL="285750" indent="-285750">
+              <a:buFontTx/>
+              <a:buChar char="-"/>
+            </a:pPr>
+            <a:r>
+              <a:rPr lang="en-US" dirty="0">
+                <a:solidFill>
+                  <a:schemeClr val="tx2"/>
+                </a:solidFill>
+              </a:rPr>
+              <a:t>Rank ordering the properties based on the score and targeting the hot properties based on the list</a:t>
+            </a:r>
+          </a:p>
+          <a:p>
+            <a:pPr marL="285750" indent="-285750">
+              <a:buFontTx/>
+              <a:buChar char="-"/>
+            </a:pPr>
+            <a:r>
+              <a:rPr lang="en-US" dirty="0">
+                <a:solidFill>
+                  <a:schemeClr val="tx2"/>
+                </a:solidFill>
+              </a:rPr>
+              <a:t>Reducing the manual review, saving $$ in the entire recycle process</a:t>
+            </a:r>
+          </a:p>
+          <a:p>
+            <a:pPr marL="285750" indent="-285750">
+              <a:buFontTx/>
+              <a:buChar char="-"/>
+            </a:pPr>
+            <a:r>
+              <a:rPr lang="en-US" dirty="0">
+                <a:solidFill>
+                  <a:schemeClr val="tx2"/>
+                </a:solidFill>
+              </a:rPr>
+              <a:t>Quick sale of properties, reduces valuation cost, pressure of holding the properties for longer duration.</a:t>
+            </a:r>
+          </a:p>
+          <a:p>
+            <a:pPr marL="285750" indent="-285750">
+              <a:buFontTx/>
+              <a:buChar char="-"/>
+            </a:pPr>
+            <a:r>
+              <a:rPr lang="en-US" dirty="0">
+                <a:solidFill>
+                  <a:schemeClr val="tx2"/>
+                </a:solidFill>
+              </a:rPr>
+              <a:t>Overcoming the repetitive process </a:t>
+            </a:r>
           </a:p>
         </p:txBody>
       </p:sp>
     </p:spTree>
     <p:extLst>
       <p:ext uri="{BB962C8B-B14F-4D97-AF65-F5344CB8AC3E}">
-        <p14:creationId xmlns:p14="http://schemas.microsoft.com/office/powerpoint/2010/main" val="1784034382"/>
+        <p14:creationId xmlns:p14="http://schemas.microsoft.com/office/powerpoint/2010/main" val="3966793805"/>
       </p:ext>
     </p:extLst>
   </p:cSld>

--- a/Capstone Project Presentation_Final.pptx
+++ b/Capstone Project Presentation_Final.pptx
@@ -2590,7 +2590,9 @@
     <dgm:cxn modelId="{343744D4-F4F0-40E5-8F33-1DF8BCAA0DEB}" type="presParOf" srcId="{060DB17B-D5E3-4E37-94F0-546CAF60B342}" destId="{452B9C4E-22E1-498A-862C-8957AF317E09}" srcOrd="0" destOrd="0" presId="urn:microsoft.com/office/officeart/2005/8/layout/hierarchy2"/>
     <dgm:cxn modelId="{8E5D0A21-7192-4B85-A46D-956636329FD1}" type="presParOf" srcId="{060DB17B-D5E3-4E37-94F0-546CAF60B342}" destId="{0892E8C5-562B-4FAA-A662-455224E79F29}" srcOrd="1" destOrd="0" presId="urn:microsoft.com/office/officeart/2005/8/layout/hierarchy2"/>
   </dgm:cxnLst>
-  <dgm:bg/>
+  <dgm:bg>
+    <a:noFill/>
+  </dgm:bg>
   <dgm:whole/>
   <dgm:extLst>
     <a:ext uri="http://schemas.microsoft.com/office/drawing/2008/diagram">
@@ -23244,7 +23246,7 @@
         </p:nvSpPr>
         <p:spPr>
           <a:xfrm>
-            <a:off x="457199" y="1580841"/>
+            <a:off x="369064" y="983186"/>
             <a:ext cx="8637181" cy="1163395"/>
           </a:xfrm>
         </p:spPr>
@@ -23338,6 +23340,36 @@
           </a:p>
         </p:txBody>
       </p:sp>
+      <p:pic>
+        <p:nvPicPr>
+          <p:cNvPr id="3" name="Picture 2">
+            <a:extLst>
+              <a:ext uri="{FF2B5EF4-FFF2-40B4-BE49-F238E27FC236}">
+                <a16:creationId xmlns:a16="http://schemas.microsoft.com/office/drawing/2014/main" id="{E8CD4891-0F99-4CFE-BDB2-2E5B34FF0470}"/>
+              </a:ext>
+            </a:extLst>
+          </p:cNvPr>
+          <p:cNvPicPr>
+            <a:picLocks noChangeAspect="1"/>
+          </p:cNvPicPr>
+          <p:nvPr/>
+        </p:nvPicPr>
+        <p:blipFill>
+          <a:blip r:embed="rId2"/>
+          <a:stretch>
+            <a:fillRect/>
+          </a:stretch>
+        </p:blipFill>
+        <p:spPr>
+          <a:xfrm>
+            <a:off x="0" y="1653018"/>
+            <a:ext cx="4836405" cy="2852881"/>
+          </a:xfrm>
+          <a:prstGeom prst="rect">
+            <a:avLst/>
+          </a:prstGeom>
+        </p:spPr>
+      </p:pic>
     </p:spTree>
     <p:extLst>
       <p:ext uri="{BB962C8B-B14F-4D97-AF65-F5344CB8AC3E}">
@@ -23390,10 +23422,9 @@
           <a:lstStyle/>
           <a:p>
             <a:r>
-              <a:rPr lang="en-US"/>
-              <a:t>Thank you</a:t>
-            </a:r>
-            <a:endParaRPr lang="en-US" dirty="0"/>
+              <a:rPr lang="en-US" dirty="0"/>
+              <a:t>Thank you @  Greg, Carleton, Travis and William</a:t>
+            </a:r>
           </a:p>
         </p:txBody>
       </p:sp>
